--- a/99.ppt/Ch4. 성능 테스트.pptx
+++ b/99.ppt/Ch4. 성능 테스트.pptx
@@ -2,10 +2,10 @@
 <file path=ppt/presentation.xml><?xml version="1.0" encoding="utf-8"?>
 <p:presentation xmlns:a="http://schemas.openxmlformats.org/drawingml/2006/main" xmlns:r="http://schemas.openxmlformats.org/officeDocument/2006/relationships" xmlns:p="http://schemas.openxmlformats.org/presentationml/2006/main" saveSubsetFonts="1">
   <p:sldMasterIdLst>
-    <p:sldMasterId id="2147483665" r:id="rId1"/>
+    <p:sldMasterId id="2147483673" r:id="rId1"/>
   </p:sldMasterIdLst>
   <p:notesMasterIdLst>
-    <p:notesMasterId r:id="rId23"/>
+    <p:notesMasterId r:id="rId26"/>
   </p:notesMasterIdLst>
   <p:sldIdLst>
     <p:sldId id="256" r:id="rId2"/>
@@ -29,6 +29,9 @@
     <p:sldId id="293" r:id="rId20"/>
     <p:sldId id="297" r:id="rId21"/>
     <p:sldId id="278" r:id="rId22"/>
+    <p:sldId id="368" r:id="rId23"/>
+    <p:sldId id="366" r:id="rId24"/>
+    <p:sldId id="367" r:id="rId25"/>
   </p:sldIdLst>
   <p:sldSz cx="9144000" cy="5143500" type="screen16x9"/>
   <p:notesSz cx="6858000" cy="9144000"/>
@@ -130,7 +133,7 @@
   <p:extLst>
     <p:ext uri="{EFAFB233-063F-42B5-8137-9DF3F51BA10A}">
       <p15:sldGuideLst xmlns:p15="http://schemas.microsoft.com/office/powerpoint/2012/main">
-        <p15:guide id="1" orient="horz" pos="1257" userDrawn="1">
+        <p15:guide id="1" orient="horz" pos="1620" userDrawn="1">
           <p15:clr>
             <a:srgbClr val="A4A3A4"/>
           </p15:clr>
@@ -228,7 +231,7 @@
           <a:p>
             <a:fld id="{9B770909-2C76-4DF9-BB76-4EE283593418}" type="datetimeFigureOut">
               <a:rPr lang="ko-KR" altLang="en-US" smtClean="0"/>
-              <a:t>2023-09-12</a:t>
+              <a:t>2024-09-08</a:t>
             </a:fld>
             <a:endParaRPr lang="ko-KR" altLang="en-US"/>
           </a:p>
@@ -2099,31 +2102,70 @@
             </a:r>
             <a:r>
               <a:rPr lang="ko-KR" altLang="en-US" dirty="0"/>
-              <a:t> 초당 처리성능을 나타내는</a:t>
-            </a:r>
-            <a:r>
-              <a:rPr lang="en-US" altLang="ko-KR" dirty="0"/>
-              <a:t> TPS, Transaction per seconds </a:t>
-            </a:r>
-            <a:r>
-              <a:rPr lang="ko-KR" altLang="en-US" dirty="0"/>
-              <a:t>또는 </a:t>
-            </a:r>
-            <a:r>
-              <a:rPr lang="en-US" altLang="ko-KR" dirty="0"/>
-              <a:t>RPS, </a:t>
-            </a:r>
-            <a:r>
-              <a:rPr lang="ko-KR" altLang="en-US" dirty="0"/>
-              <a:t>같은 말입니다</a:t>
-            </a:r>
-            <a:r>
-              <a:rPr lang="en-US" altLang="ko-KR" dirty="0"/>
-              <a:t>, Request per seconds </a:t>
-            </a:r>
-            <a:r>
-              <a:rPr lang="ko-KR" altLang="en-US" dirty="0"/>
-              <a:t>지표와 응답시간으로 확인해 볼 예정입니다</a:t>
+              <a:t> 초당 몇 건이 </a:t>
+            </a:r>
+            <a:r>
+              <a:rPr lang="ko-KR" altLang="en-US" dirty="0" err="1"/>
+              <a:t>처리되었는지로</a:t>
+            </a:r>
+            <a:r>
+              <a:rPr lang="ko-KR" altLang="en-US" dirty="0"/>
+              <a:t> 측정합니다</a:t>
+            </a:r>
+            <a:r>
+              <a:rPr lang="en-US" altLang="ko-KR" dirty="0"/>
+              <a:t>.</a:t>
+            </a:r>
+          </a:p>
+          <a:p>
+            <a:endParaRPr lang="en-US" altLang="ko-KR" dirty="0"/>
+          </a:p>
+          <a:p>
+            <a:r>
+              <a:rPr lang="en-US" altLang="ko-KR" dirty="0"/>
+              <a:t>QPS (query per seconds), RPS (request per seconds), TPS (transaction per seconds) </a:t>
+            </a:r>
+            <a:r>
+              <a:rPr lang="ko-KR" altLang="en-US" dirty="0"/>
+              <a:t>모두 같은 말인데</a:t>
+            </a:r>
+            <a:r>
+              <a:rPr lang="en-US" altLang="ko-KR" dirty="0"/>
+              <a:t>,</a:t>
+            </a:r>
+          </a:p>
+          <a:p>
+            <a:r>
+              <a:rPr lang="en-US" altLang="ko-KR" dirty="0"/>
+              <a:t>QPS, RPS </a:t>
+            </a:r>
+            <a:r>
+              <a:rPr lang="ko-KR" altLang="en-US" dirty="0"/>
+              <a:t>는 조회성능을 뜻하며</a:t>
+            </a:r>
+            <a:r>
+              <a:rPr lang="en-US" altLang="ko-KR" dirty="0"/>
+              <a:t>, TPS </a:t>
+            </a:r>
+            <a:r>
+              <a:rPr lang="ko-KR" altLang="en-US" dirty="0"/>
+              <a:t>는 </a:t>
+            </a:r>
+            <a:r>
+              <a:rPr lang="en-US" altLang="ko-KR" dirty="0"/>
+              <a:t>CUD</a:t>
+            </a:r>
+            <a:r>
+              <a:rPr lang="ko-KR" altLang="en-US" dirty="0"/>
+              <a:t> 가 일어나는 </a:t>
+            </a:r>
+            <a:r>
+              <a:rPr lang="en-US" altLang="ko-KR" dirty="0"/>
+              <a:t>transaction </a:t>
+            </a:r>
+            <a:r>
+              <a:rPr lang="ko-KR" altLang="en-US" dirty="0"/>
+              <a:t>성능을 뜻합니다</a:t>
             </a:r>
             <a:r>
               <a:rPr lang="en-US" altLang="ko-KR" dirty="0"/>
@@ -3379,6 +3421,639 @@
 </p:notes>
 </file>
 
+<file path=ppt/notesSlides/notesSlide22.xml><?xml version="1.0" encoding="utf-8"?>
+<p:notes xmlns:a="http://schemas.openxmlformats.org/drawingml/2006/main" xmlns:r="http://schemas.openxmlformats.org/officeDocument/2006/relationships" xmlns:p="http://schemas.openxmlformats.org/presentationml/2006/main">
+  <p:cSld>
+    <p:spTree>
+      <p:nvGrpSpPr>
+        <p:cNvPr id="1" name=""/>
+        <p:cNvGrpSpPr/>
+        <p:nvPr/>
+      </p:nvGrpSpPr>
+      <p:grpSpPr>
+        <a:xfrm>
+          <a:off x="0" y="0"/>
+          <a:ext cx="0" cy="0"/>
+          <a:chOff x="0" y="0"/>
+          <a:chExt cx="0" cy="0"/>
+        </a:xfrm>
+      </p:grpSpPr>
+      <p:sp>
+        <p:nvSpPr>
+          <p:cNvPr id="2" name="슬라이드 이미지 개체 틀 1"/>
+          <p:cNvSpPr>
+            <a:spLocks noGrp="1" noRot="1" noChangeAspect="1"/>
+          </p:cNvSpPr>
+          <p:nvPr>
+            <p:ph type="sldImg"/>
+          </p:nvPr>
+        </p:nvSpPr>
+        <p:spPr/>
+      </p:sp>
+      <p:sp>
+        <p:nvSpPr>
+          <p:cNvPr id="3" name="슬라이드 노트 개체 틀 2"/>
+          <p:cNvSpPr>
+            <a:spLocks noGrp="1"/>
+          </p:cNvSpPr>
+          <p:nvPr>
+            <p:ph type="body" idx="1"/>
+          </p:nvPr>
+        </p:nvSpPr>
+        <p:spPr/>
+        <p:txBody>
+          <a:bodyPr/>
+          <a:lstStyle/>
+          <a:p>
+            <a:r>
+              <a:rPr lang="en-US" altLang="ko-KR" dirty="0"/>
+              <a:t>Virtual Thread </a:t>
+            </a:r>
+            <a:r>
+              <a:rPr lang="ko-KR" altLang="en-US" dirty="0"/>
+              <a:t>는 </a:t>
+            </a:r>
+            <a:r>
+              <a:rPr lang="en-US" altLang="ko-KR" dirty="0"/>
+              <a:t>2023-09-19 Java 21 </a:t>
+            </a:r>
+            <a:r>
+              <a:rPr lang="ko-KR" altLang="en-US" dirty="0"/>
+              <a:t>발표와 함께 드디어 정식 릴리즈 </a:t>
+            </a:r>
+            <a:r>
+              <a:rPr lang="ko-KR" altLang="en-US" dirty="0" err="1"/>
+              <a:t>됬습니다</a:t>
+            </a:r>
+            <a:r>
+              <a:rPr lang="en-US" altLang="ko-KR" dirty="0"/>
+              <a:t>.</a:t>
+            </a:r>
+          </a:p>
+          <a:p>
+            <a:endParaRPr lang="en-US" altLang="ko-KR" dirty="0"/>
+          </a:p>
+          <a:p>
+            <a:r>
+              <a:rPr lang="en-US" altLang="ko-KR" dirty="0"/>
+              <a:t>Virtual Thread </a:t>
+            </a:r>
+            <a:r>
+              <a:rPr lang="ko-KR" altLang="en-US" dirty="0"/>
+              <a:t>는 </a:t>
+            </a:r>
+            <a:r>
+              <a:rPr lang="en-US" altLang="ko-KR" dirty="0"/>
+              <a:t>project Loom </a:t>
+            </a:r>
+            <a:r>
+              <a:rPr lang="ko-KR" altLang="en-US" dirty="0"/>
+              <a:t>이란 이름으로 </a:t>
+            </a:r>
+            <a:r>
+              <a:rPr lang="en-US" altLang="ko-KR" dirty="0"/>
+              <a:t>5</a:t>
+            </a:r>
+            <a:r>
+              <a:rPr lang="ko-KR" altLang="en-US" dirty="0"/>
+              <a:t>년간 개발되던 물건인데요</a:t>
+            </a:r>
+            <a:r>
+              <a:rPr lang="en-US" altLang="ko-KR" dirty="0"/>
+              <a:t>, </a:t>
+            </a:r>
+            <a:r>
+              <a:rPr lang="ko-KR" altLang="en-US" dirty="0" err="1"/>
+              <a:t>코루틴과</a:t>
+            </a:r>
+            <a:r>
+              <a:rPr lang="ko-KR" altLang="en-US" dirty="0"/>
+              <a:t> 작동방식이 비슷한 경량 유저모드 쓰레드입니다</a:t>
+            </a:r>
+            <a:r>
+              <a:rPr lang="en-US" altLang="ko-KR" dirty="0"/>
+              <a:t>.</a:t>
+            </a:r>
+          </a:p>
+          <a:p>
+            <a:endParaRPr lang="en-US" altLang="ko-KR" dirty="0"/>
+          </a:p>
+          <a:p>
+            <a:r>
+              <a:rPr lang="en-US" altLang="ko-KR" dirty="0"/>
+              <a:t>Kotlin coroutine </a:t>
+            </a:r>
+            <a:r>
+              <a:rPr lang="ko-KR" altLang="en-US" dirty="0"/>
+              <a:t>는 </a:t>
+            </a:r>
+            <a:r>
+              <a:rPr lang="en-US" altLang="ko-KR" dirty="0"/>
+              <a:t>CPS </a:t>
+            </a:r>
+            <a:r>
+              <a:rPr lang="ko-KR" altLang="en-US" dirty="0"/>
+              <a:t>패턴을 컴파일 레벨에서 처리하는 반면에</a:t>
+            </a:r>
+            <a:endParaRPr lang="en-US" altLang="ko-KR" dirty="0"/>
+          </a:p>
+          <a:p>
+            <a:endParaRPr lang="en-US" altLang="ko-KR" dirty="0"/>
+          </a:p>
+          <a:p>
+            <a:r>
+              <a:rPr lang="en-US" altLang="ko-KR" dirty="0"/>
+              <a:t>Virtual Thread </a:t>
+            </a:r>
+            <a:r>
+              <a:rPr lang="ko-KR" altLang="en-US" dirty="0"/>
+              <a:t>는 </a:t>
+            </a:r>
+            <a:r>
+              <a:rPr lang="en-US" altLang="ko-KR" dirty="0"/>
+              <a:t>CPS </a:t>
+            </a:r>
+            <a:r>
+              <a:rPr lang="ko-KR" altLang="en-US" dirty="0"/>
+              <a:t>패턴을 </a:t>
+            </a:r>
+            <a:r>
+              <a:rPr lang="en-US" altLang="ko-KR" dirty="0"/>
+              <a:t>JVM </a:t>
+            </a:r>
+            <a:r>
+              <a:rPr lang="ko-KR" altLang="en-US" dirty="0"/>
+              <a:t>레벨에서 지원하기 때문에</a:t>
+            </a:r>
+            <a:r>
+              <a:rPr lang="en-US" altLang="ko-KR" dirty="0"/>
+              <a:t>, </a:t>
+            </a:r>
+            <a:r>
+              <a:rPr lang="ko-KR" altLang="en-US" dirty="0"/>
+              <a:t>기존 코드를 재사용할 수도 있고</a:t>
+            </a:r>
+            <a:r>
+              <a:rPr lang="en-US" altLang="ko-KR" dirty="0"/>
+              <a:t>, Thread local </a:t>
+            </a:r>
+            <a:r>
+              <a:rPr lang="ko-KR" altLang="en-US" dirty="0"/>
+              <a:t>개념도 원활하게 작동합니다</a:t>
+            </a:r>
+            <a:r>
+              <a:rPr lang="en-US" altLang="ko-KR" dirty="0"/>
+              <a:t>.</a:t>
+            </a:r>
+          </a:p>
+          <a:p>
+            <a:endParaRPr lang="en-US" altLang="ko-KR" dirty="0"/>
+          </a:p>
+          <a:p>
+            <a:r>
+              <a:rPr lang="en-US" altLang="ko-KR" dirty="0"/>
+              <a:t>Spring MVC </a:t>
+            </a:r>
+            <a:r>
+              <a:rPr lang="ko-KR" altLang="en-US" dirty="0"/>
+              <a:t>가 </a:t>
+            </a:r>
+            <a:r>
+              <a:rPr lang="en-US" altLang="ko-KR" dirty="0"/>
+              <a:t>thread </a:t>
+            </a:r>
+            <a:r>
+              <a:rPr lang="ko-KR" altLang="en-US" dirty="0"/>
+              <a:t>를 많이 만들지 못해서</a:t>
+            </a:r>
+            <a:r>
+              <a:rPr lang="en-US" altLang="ko-KR" dirty="0"/>
+              <a:t>, </a:t>
+            </a:r>
+            <a:r>
+              <a:rPr lang="ko-KR" altLang="en-US" dirty="0"/>
+              <a:t>하드웨어 리소스를 충분히 사용하지 못했고</a:t>
+            </a:r>
+            <a:r>
+              <a:rPr lang="en-US" altLang="ko-KR" dirty="0"/>
+              <a:t>, </a:t>
+            </a:r>
+            <a:r>
+              <a:rPr lang="ko-KR" altLang="en-US" dirty="0"/>
+              <a:t>그래서 </a:t>
+            </a:r>
+            <a:r>
+              <a:rPr lang="en-US" altLang="ko-KR" dirty="0"/>
+              <a:t>request </a:t>
+            </a:r>
+            <a:r>
+              <a:rPr lang="ko-KR" altLang="en-US" dirty="0"/>
+              <a:t>를 더 이상 처리하지 못하기 때문에 </a:t>
+            </a:r>
+            <a:r>
+              <a:rPr lang="en-US" altLang="ko-KR" dirty="0"/>
+              <a:t>throughput </a:t>
+            </a:r>
+            <a:r>
+              <a:rPr lang="ko-KR" altLang="en-US" dirty="0"/>
+              <a:t>이 나빠진다고 </a:t>
+            </a:r>
+            <a:r>
+              <a:rPr lang="ko-KR" altLang="en-US" dirty="0" err="1"/>
+              <a:t>봤던건데요</a:t>
+            </a:r>
+            <a:r>
+              <a:rPr lang="en-US" altLang="ko-KR" dirty="0"/>
+              <a:t>.</a:t>
+            </a:r>
+          </a:p>
+          <a:p>
+            <a:endParaRPr lang="en-US" altLang="ko-KR" dirty="0"/>
+          </a:p>
+          <a:p>
+            <a:r>
+              <a:rPr lang="ko-KR" altLang="en-US" dirty="0"/>
+              <a:t>이 </a:t>
+            </a:r>
+            <a:r>
+              <a:rPr lang="en-US" altLang="ko-KR" dirty="0"/>
+              <a:t>Virtual Thread </a:t>
+            </a:r>
+            <a:r>
+              <a:rPr lang="ko-KR" altLang="en-US" dirty="0"/>
+              <a:t>를 이용하면 </a:t>
+            </a:r>
+            <a:r>
+              <a:rPr lang="en-US" altLang="ko-KR" dirty="0"/>
+              <a:t>MVC </a:t>
+            </a:r>
+            <a:r>
+              <a:rPr lang="ko-KR" altLang="en-US" dirty="0"/>
+              <a:t>에서도 제약 없이 </a:t>
+            </a:r>
+            <a:r>
+              <a:rPr lang="en-US" altLang="ko-KR" dirty="0"/>
+              <a:t>thread </a:t>
+            </a:r>
+            <a:r>
+              <a:rPr lang="ko-KR" altLang="en-US" dirty="0"/>
+              <a:t>를 많이 </a:t>
+            </a:r>
+            <a:r>
+              <a:rPr lang="ko-KR" altLang="en-US" dirty="0" err="1"/>
+              <a:t>만들수</a:t>
+            </a:r>
+            <a:r>
+              <a:rPr lang="ko-KR" altLang="en-US" dirty="0"/>
+              <a:t> 있고요</a:t>
+            </a:r>
+            <a:r>
+              <a:rPr lang="en-US" altLang="ko-KR" dirty="0"/>
+              <a:t>, </a:t>
+            </a:r>
+            <a:r>
+              <a:rPr lang="ko-KR" altLang="en-US" dirty="0"/>
+              <a:t>그래서 사용자 요청을 충분히 받아들일 수 있어요</a:t>
+            </a:r>
+            <a:r>
+              <a:rPr lang="en-US" altLang="ko-KR" dirty="0"/>
+              <a:t>.</a:t>
+            </a:r>
+          </a:p>
+          <a:p>
+            <a:endParaRPr lang="en-US" altLang="ko-KR" dirty="0"/>
+          </a:p>
+          <a:p>
+            <a:r>
+              <a:rPr lang="ko-KR" altLang="en-US" dirty="0"/>
+              <a:t>그래서</a:t>
+            </a:r>
+            <a:r>
+              <a:rPr lang="en-US" altLang="ko-KR" dirty="0"/>
+              <a:t>, </a:t>
+            </a:r>
+            <a:r>
+              <a:rPr lang="ko-KR" altLang="en-US" dirty="0"/>
+              <a:t>결과적으로 아무런 변경 없이도 </a:t>
+            </a:r>
+            <a:r>
+              <a:rPr lang="en-US" altLang="ko-KR" dirty="0" err="1"/>
+              <a:t>Webflux</a:t>
+            </a:r>
+            <a:r>
+              <a:rPr lang="en-US" altLang="ko-KR" dirty="0"/>
+              <a:t> </a:t>
+            </a:r>
+            <a:r>
+              <a:rPr lang="ko-KR" altLang="en-US" dirty="0"/>
+              <a:t>처럼 짠 하고</a:t>
+            </a:r>
+            <a:r>
+              <a:rPr lang="en-US" altLang="ko-KR" dirty="0"/>
+              <a:t>, Virtual thread </a:t>
+            </a:r>
+            <a:r>
+              <a:rPr lang="ko-KR" altLang="en-US" dirty="0"/>
+              <a:t>만 적용하면 </a:t>
+            </a:r>
+            <a:r>
+              <a:rPr lang="en-US" altLang="ko-KR" dirty="0"/>
+              <a:t>throughput </a:t>
+            </a:r>
+            <a:r>
+              <a:rPr lang="ko-KR" altLang="en-US" dirty="0"/>
+              <a:t>이 좋아지지 </a:t>
+            </a:r>
+            <a:r>
+              <a:rPr lang="ko-KR" altLang="en-US" dirty="0" err="1"/>
+              <a:t>않을까가</a:t>
+            </a:r>
+            <a:r>
+              <a:rPr lang="ko-KR" altLang="en-US" dirty="0"/>
+              <a:t> 많은 이들의 관심사였습니다</a:t>
+            </a:r>
+            <a:r>
+              <a:rPr lang="en-US" altLang="ko-KR" dirty="0"/>
+              <a:t>.</a:t>
+            </a:r>
+          </a:p>
+          <a:p>
+            <a:endParaRPr lang="en-US" altLang="ko-KR" dirty="0"/>
+          </a:p>
+          <a:p>
+            <a:r>
+              <a:rPr lang="ko-KR" altLang="en-US" dirty="0"/>
+              <a:t>이런 </a:t>
+            </a:r>
+            <a:r>
+              <a:rPr lang="ko-KR" altLang="en-US" dirty="0" err="1"/>
+              <a:t>마법같은</a:t>
+            </a:r>
+            <a:r>
+              <a:rPr lang="ko-KR" altLang="en-US" dirty="0"/>
+              <a:t> 일들이 가능할까요 </a:t>
+            </a:r>
+            <a:r>
+              <a:rPr lang="en-US" altLang="ko-KR" dirty="0"/>
+              <a:t>?</a:t>
+            </a:r>
+          </a:p>
+          <a:p>
+            <a:endParaRPr lang="en-US" altLang="ko-KR" dirty="0"/>
+          </a:p>
+          <a:p>
+            <a:r>
+              <a:rPr lang="ko-KR" altLang="en-US" dirty="0"/>
+              <a:t>저희 직접 확인해보도록 하겠습니다</a:t>
+            </a:r>
+            <a:r>
+              <a:rPr lang="en-US" altLang="ko-KR" dirty="0"/>
+              <a:t>.</a:t>
+            </a:r>
+          </a:p>
+          <a:p>
+            <a:endParaRPr lang="en-US" altLang="ko-KR" dirty="0"/>
+          </a:p>
+        </p:txBody>
+      </p:sp>
+      <p:sp>
+        <p:nvSpPr>
+          <p:cNvPr id="4" name="슬라이드 번호 개체 틀 3"/>
+          <p:cNvSpPr>
+            <a:spLocks noGrp="1"/>
+          </p:cNvSpPr>
+          <p:nvPr>
+            <p:ph type="sldNum" sz="quarter" idx="5"/>
+          </p:nvPr>
+        </p:nvSpPr>
+        <p:spPr/>
+        <p:txBody>
+          <a:bodyPr/>
+          <a:lstStyle/>
+          <a:p>
+            <a:fld id="{4F243B46-72FF-4656-838A-691B9EB329E3}" type="slidenum">
+              <a:rPr lang="ko-KR" altLang="en-US" smtClean="0"/>
+              <a:t>22</a:t>
+            </a:fld>
+            <a:endParaRPr lang="ko-KR" altLang="en-US"/>
+          </a:p>
+        </p:txBody>
+      </p:sp>
+    </p:spTree>
+    <p:extLst>
+      <p:ext uri="{BB962C8B-B14F-4D97-AF65-F5344CB8AC3E}">
+        <p14:creationId xmlns:p14="http://schemas.microsoft.com/office/powerpoint/2010/main" val="3481741094"/>
+      </p:ext>
+    </p:extLst>
+  </p:cSld>
+  <p:clrMapOvr>
+    <a:masterClrMapping/>
+  </p:clrMapOvr>
+</p:notes>
+</file>
+
+<file path=ppt/notesSlides/notesSlide23.xml><?xml version="1.0" encoding="utf-8"?>
+<p:notes xmlns:a="http://schemas.openxmlformats.org/drawingml/2006/main" xmlns:r="http://schemas.openxmlformats.org/officeDocument/2006/relationships" xmlns:p="http://schemas.openxmlformats.org/presentationml/2006/main">
+  <p:cSld>
+    <p:spTree>
+      <p:nvGrpSpPr>
+        <p:cNvPr id="1" name=""/>
+        <p:cNvGrpSpPr/>
+        <p:nvPr/>
+      </p:nvGrpSpPr>
+      <p:grpSpPr>
+        <a:xfrm>
+          <a:off x="0" y="0"/>
+          <a:ext cx="0" cy="0"/>
+          <a:chOff x="0" y="0"/>
+          <a:chExt cx="0" cy="0"/>
+        </a:xfrm>
+      </p:grpSpPr>
+      <p:sp>
+        <p:nvSpPr>
+          <p:cNvPr id="2" name="슬라이드 이미지 개체 틀 1"/>
+          <p:cNvSpPr>
+            <a:spLocks noGrp="1" noRot="1" noChangeAspect="1"/>
+          </p:cNvSpPr>
+          <p:nvPr>
+            <p:ph type="sldImg"/>
+          </p:nvPr>
+        </p:nvSpPr>
+        <p:spPr/>
+      </p:sp>
+      <p:sp>
+        <p:nvSpPr>
+          <p:cNvPr id="3" name="슬라이드 노트 개체 틀 2"/>
+          <p:cNvSpPr>
+            <a:spLocks noGrp="1"/>
+          </p:cNvSpPr>
+          <p:nvPr>
+            <p:ph type="body" idx="1"/>
+          </p:nvPr>
+        </p:nvSpPr>
+        <p:spPr/>
+        <p:txBody>
+          <a:bodyPr/>
+          <a:lstStyle/>
+          <a:p>
+            <a:pPr marL="0" marR="0" lvl="0" indent="0" algn="l" defTabSz="685800" rtl="0" eaLnBrk="1" fontAlgn="auto" latinLnBrk="1" hangingPunct="1">
+              <a:lnSpc>
+                <a:spcPct val="100000"/>
+              </a:lnSpc>
+              <a:spcBef>
+                <a:spcPts val="0"/>
+              </a:spcBef>
+              <a:spcAft>
+                <a:spcPts val="0"/>
+              </a:spcAft>
+              <a:buClrTx/>
+              <a:buSzTx/>
+              <a:buFontTx/>
+              <a:buNone/>
+              <a:tabLst/>
+              <a:defRPr/>
+            </a:pPr>
+            <a:endParaRPr lang="en-US" altLang="ko-KR" dirty="0"/>
+          </a:p>
+        </p:txBody>
+      </p:sp>
+      <p:sp>
+        <p:nvSpPr>
+          <p:cNvPr id="4" name="슬라이드 번호 개체 틀 3"/>
+          <p:cNvSpPr>
+            <a:spLocks noGrp="1"/>
+          </p:cNvSpPr>
+          <p:nvPr>
+            <p:ph type="sldNum" sz="quarter" idx="5"/>
+          </p:nvPr>
+        </p:nvSpPr>
+        <p:spPr/>
+        <p:txBody>
+          <a:bodyPr/>
+          <a:lstStyle/>
+          <a:p>
+            <a:fld id="{4F243B46-72FF-4656-838A-691B9EB329E3}" type="slidenum">
+              <a:rPr lang="ko-KR" altLang="en-US" smtClean="0"/>
+              <a:t>23</a:t>
+            </a:fld>
+            <a:endParaRPr lang="ko-KR" altLang="en-US"/>
+          </a:p>
+        </p:txBody>
+      </p:sp>
+    </p:spTree>
+    <p:extLst>
+      <p:ext uri="{BB962C8B-B14F-4D97-AF65-F5344CB8AC3E}">
+        <p14:creationId xmlns:p14="http://schemas.microsoft.com/office/powerpoint/2010/main" val="4247962222"/>
+      </p:ext>
+    </p:extLst>
+  </p:cSld>
+  <p:clrMapOvr>
+    <a:masterClrMapping/>
+  </p:clrMapOvr>
+</p:notes>
+</file>
+
+<file path=ppt/notesSlides/notesSlide24.xml><?xml version="1.0" encoding="utf-8"?>
+<p:notes xmlns:a="http://schemas.openxmlformats.org/drawingml/2006/main" xmlns:r="http://schemas.openxmlformats.org/officeDocument/2006/relationships" xmlns:p="http://schemas.openxmlformats.org/presentationml/2006/main">
+  <p:cSld>
+    <p:spTree>
+      <p:nvGrpSpPr>
+        <p:cNvPr id="1" name=""/>
+        <p:cNvGrpSpPr/>
+        <p:nvPr/>
+      </p:nvGrpSpPr>
+      <p:grpSpPr>
+        <a:xfrm>
+          <a:off x="0" y="0"/>
+          <a:ext cx="0" cy="0"/>
+          <a:chOff x="0" y="0"/>
+          <a:chExt cx="0" cy="0"/>
+        </a:xfrm>
+      </p:grpSpPr>
+      <p:sp>
+        <p:nvSpPr>
+          <p:cNvPr id="2" name="슬라이드 이미지 개체 틀 1"/>
+          <p:cNvSpPr>
+            <a:spLocks noGrp="1" noRot="1" noChangeAspect="1"/>
+          </p:cNvSpPr>
+          <p:nvPr>
+            <p:ph type="sldImg"/>
+          </p:nvPr>
+        </p:nvSpPr>
+        <p:spPr/>
+      </p:sp>
+      <p:sp>
+        <p:nvSpPr>
+          <p:cNvPr id="3" name="슬라이드 노트 개체 틀 2"/>
+          <p:cNvSpPr>
+            <a:spLocks noGrp="1"/>
+          </p:cNvSpPr>
+          <p:nvPr>
+            <p:ph type="body" idx="1"/>
+          </p:nvPr>
+        </p:nvSpPr>
+        <p:spPr/>
+        <p:txBody>
+          <a:bodyPr/>
+          <a:lstStyle/>
+          <a:p>
+            <a:pPr marL="0" marR="0" lvl="0" indent="0" algn="l" defTabSz="685800" rtl="0" eaLnBrk="1" fontAlgn="auto" latinLnBrk="1" hangingPunct="1">
+              <a:lnSpc>
+                <a:spcPct val="100000"/>
+              </a:lnSpc>
+              <a:spcBef>
+                <a:spcPts val="0"/>
+              </a:spcBef>
+              <a:spcAft>
+                <a:spcPts val="0"/>
+              </a:spcAft>
+              <a:buClrTx/>
+              <a:buSzTx/>
+              <a:buFontTx/>
+              <a:buNone/>
+              <a:tabLst/>
+              <a:defRPr/>
+            </a:pPr>
+            <a:endParaRPr lang="en-US" altLang="ko-KR" dirty="0"/>
+          </a:p>
+        </p:txBody>
+      </p:sp>
+      <p:sp>
+        <p:nvSpPr>
+          <p:cNvPr id="4" name="슬라이드 번호 개체 틀 3"/>
+          <p:cNvSpPr>
+            <a:spLocks noGrp="1"/>
+          </p:cNvSpPr>
+          <p:nvPr>
+            <p:ph type="sldNum" sz="quarter" idx="5"/>
+          </p:nvPr>
+        </p:nvSpPr>
+        <p:spPr/>
+        <p:txBody>
+          <a:bodyPr/>
+          <a:lstStyle/>
+          <a:p>
+            <a:fld id="{4F243B46-72FF-4656-838A-691B9EB329E3}" type="slidenum">
+              <a:rPr lang="ko-KR" altLang="en-US" smtClean="0"/>
+              <a:t>24</a:t>
+            </a:fld>
+            <a:endParaRPr lang="ko-KR" altLang="en-US"/>
+          </a:p>
+        </p:txBody>
+      </p:sp>
+    </p:spTree>
+    <p:extLst>
+      <p:ext uri="{BB962C8B-B14F-4D97-AF65-F5344CB8AC3E}">
+        <p14:creationId xmlns:p14="http://schemas.microsoft.com/office/powerpoint/2010/main" val="350826615"/>
+      </p:ext>
+    </p:extLst>
+  </p:cSld>
+  <p:clrMapOvr>
+    <a:masterClrMapping/>
+  </p:clrMapOvr>
+</p:notes>
+</file>
+
 <file path=ppt/notesSlides/notesSlide3.xml><?xml version="1.0" encoding="utf-8"?>
 <p:notes xmlns:a="http://schemas.openxmlformats.org/drawingml/2006/main" xmlns:r="http://schemas.openxmlformats.org/officeDocument/2006/relationships" xmlns:p="http://schemas.openxmlformats.org/presentationml/2006/main">
   <p:cSld>
@@ -3807,101 +4482,6 @@
           <a:p>
             <a:r>
               <a:rPr lang="ko-KR" altLang="en-US" dirty="0"/>
-              <a:t>조금만 더 자세히 말씀드리면</a:t>
-            </a:r>
-            <a:r>
-              <a:rPr lang="en-US" altLang="ko-KR" dirty="0"/>
-              <a:t>,</a:t>
-            </a:r>
-          </a:p>
-          <a:p>
-            <a:endParaRPr lang="en-US" altLang="ko-KR" dirty="0"/>
-          </a:p>
-          <a:p>
-            <a:r>
-              <a:rPr lang="en-US" altLang="ko-KR" dirty="0"/>
-              <a:t>Python</a:t>
-            </a:r>
-            <a:r>
-              <a:rPr lang="ko-KR" altLang="en-US" dirty="0"/>
-              <a:t>은 변수를 참조할 때마다 </a:t>
-            </a:r>
-            <a:r>
-              <a:rPr lang="en-US" altLang="ko-KR" dirty="0"/>
-              <a:t>+1, </a:t>
-            </a:r>
-            <a:r>
-              <a:rPr lang="ko-KR" altLang="en-US" dirty="0"/>
-              <a:t>참조가 끝날 때마다 </a:t>
-            </a:r>
-            <a:r>
-              <a:rPr lang="en-US" altLang="ko-KR" dirty="0"/>
-              <a:t>-1 </a:t>
-            </a:r>
-            <a:r>
-              <a:rPr lang="ko-KR" altLang="en-US" dirty="0"/>
-              <a:t>을 </a:t>
-            </a:r>
-            <a:r>
-              <a:rPr lang="ko-KR" altLang="en-US" dirty="0" err="1"/>
-              <a:t>카운팅하다가</a:t>
-            </a:r>
-            <a:r>
-              <a:rPr lang="en-US" altLang="ko-KR" dirty="0"/>
-              <a:t>, 0</a:t>
-            </a:r>
-            <a:r>
-              <a:rPr lang="ko-KR" altLang="en-US" dirty="0"/>
-              <a:t>이 되면 변수를 메모리에서 정리하는 방식으로 </a:t>
-            </a:r>
-            <a:r>
-              <a:rPr lang="en-US" altLang="ko-KR" dirty="0"/>
-              <a:t>Garbage collection </a:t>
-            </a:r>
-            <a:r>
-              <a:rPr lang="ko-KR" altLang="en-US" dirty="0"/>
-              <a:t>을 수행합니다</a:t>
-            </a:r>
-            <a:r>
-              <a:rPr lang="en-US" altLang="ko-KR" dirty="0"/>
-              <a:t>.</a:t>
-            </a:r>
-          </a:p>
-          <a:p>
-            <a:endParaRPr lang="en-US" altLang="ko-KR" dirty="0"/>
-          </a:p>
-          <a:p>
-            <a:r>
-              <a:rPr lang="ko-KR" altLang="en-US" dirty="0"/>
-              <a:t>참조 갱신을 위해 </a:t>
-            </a:r>
-            <a:r>
-              <a:rPr lang="en-US" altLang="ko-KR" dirty="0"/>
-              <a:t>CPU </a:t>
-            </a:r>
-            <a:r>
-              <a:rPr lang="ko-KR" altLang="en-US" dirty="0"/>
-              <a:t>사이클을 사용하는 단점이 있긴 하지만</a:t>
-            </a:r>
-            <a:r>
-              <a:rPr lang="en-US" altLang="ko-KR" dirty="0"/>
-              <a:t>, </a:t>
-            </a:r>
-            <a:r>
-              <a:rPr lang="ko-KR" altLang="en-US" dirty="0"/>
-              <a:t>메모리가 불필요해지는 즉시 정리가 되는 장점이 있습니다</a:t>
-            </a:r>
-            <a:r>
-              <a:rPr lang="en-US" altLang="ko-KR" dirty="0"/>
-              <a:t>.</a:t>
-            </a:r>
-          </a:p>
-          <a:p>
-            <a:endParaRPr lang="en-US" altLang="ko-KR" dirty="0"/>
-          </a:p>
-          <a:p>
-            <a:r>
-              <a:rPr lang="ko-KR" altLang="en-US" dirty="0"/>
               <a:t>그런데</a:t>
             </a:r>
             <a:r>
@@ -4731,19 +5311,13 @@
 </file>
 
 <file path=ppt/slideLayouts/slideLayout1.xml><?xml version="1.0" encoding="utf-8"?>
-<p:sldLayout xmlns:a="http://schemas.openxmlformats.org/drawingml/2006/main" xmlns:r="http://schemas.openxmlformats.org/officeDocument/2006/relationships" xmlns:p="http://schemas.openxmlformats.org/presentationml/2006/main" type="title" preserve="1">
-  <p:cSld name="제목 슬라이드">
+<p:sldLayout xmlns:a="http://schemas.openxmlformats.org/drawingml/2006/main" xmlns:r="http://schemas.openxmlformats.org/officeDocument/2006/relationships" xmlns:p="http://schemas.openxmlformats.org/presentationml/2006/main" preserve="1" userDrawn="1">
+  <p:cSld name="본문">
     <p:bg>
       <p:bgPr>
-        <a:blipFill dpi="0" rotWithShape="1">
-          <a:blip r:embed="rId2">
-            <a:lum/>
-          </a:blip>
-          <a:srcRect/>
-          <a:stretch>
-            <a:fillRect/>
-          </a:stretch>
-        </a:blipFill>
+        <a:solidFill>
+          <a:schemeClr val="bg1"/>
+        </a:solidFill>
         <a:effectLst/>
       </p:bgPr>
     </p:bg>
@@ -4768,26 +5342,45 @@
             <a:spLocks noGrp="1"/>
           </p:cNvSpPr>
           <p:nvPr>
-            <p:ph type="ctrTitle"/>
+            <p:ph type="title"/>
           </p:nvPr>
         </p:nvSpPr>
         <p:spPr>
           <a:xfrm>
-            <a:off x="664366" y="1356118"/>
-            <a:ext cx="6858000" cy="629841"/>
+            <a:off x="417524" y="394276"/>
+            <a:ext cx="8490731" cy="433387"/>
           </a:xfrm>
+          <a:prstGeom prst="rect">
+            <a:avLst/>
+          </a:prstGeom>
         </p:spPr>
         <p:txBody>
-          <a:bodyPr anchor="ctr" anchorCtr="0"/>
+          <a:bodyPr anchor="ctr">
+            <a:noAutofit/>
+          </a:bodyPr>
           <a:lstStyle>
-            <a:lvl1pPr algn="r">
-              <a:defRPr sz="2800">
-                <a:latin typeface="Spoqa Han Sans Neo Bold" panose="020B0800000000000000" pitchFamily="50" charset="-127"/>
-                <a:ea typeface="Spoqa Han Sans Neo Bold" panose="020B0800000000000000" pitchFamily="50" charset="-127"/>
+            <a:lvl1pPr>
+              <a:defRPr kumimoji="1" lang="en-US" sz="2000" b="1" i="0" spc="-30" baseline="0" dirty="0">
+                <a:solidFill>
+                  <a:schemeClr val="tx1"/>
+                </a:solidFill>
+                <a:effectLst/>
+                <a:latin typeface="Pretendard" panose="02000503000000020004" pitchFamily="2" charset="-127"/>
+                <a:ea typeface="Pretendard" panose="02000503000000020004" pitchFamily="2" charset="-127"/>
+                <a:cs typeface="Pretendard" panose="02000503000000020004" pitchFamily="2" charset="-127"/>
               </a:defRPr>
             </a:lvl1pPr>
           </a:lstStyle>
           <a:p>
+            <a:pPr marL="0" lvl="0" indent="0" defTabSz="914400" latinLnBrk="0">
+              <a:lnSpc>
+                <a:spcPct val="100000"/>
+              </a:lnSpc>
+              <a:spcBef>
+                <a:spcPts val="1000"/>
+              </a:spcBef>
+              <a:buFontTx/>
+            </a:pPr>
             <a:r>
               <a:rPr lang="ko-KR" altLang="en-US" dirty="0"/>
               <a:t>마스터 제목 스타일 편집</a:t>
@@ -4798,43 +5391,428 @@
       </p:sp>
       <p:sp>
         <p:nvSpPr>
-          <p:cNvPr id="3" name="Subtitle 2"/>
-          <p:cNvSpPr>
-            <a:spLocks noGrp="1"/>
-          </p:cNvSpPr>
-          <p:nvPr>
-            <p:ph type="subTitle" idx="1"/>
+          <p:cNvPr id="3" name="Content Placeholder 2"/>
+          <p:cNvSpPr>
+            <a:spLocks noGrp="1"/>
+          </p:cNvSpPr>
+          <p:nvPr>
+            <p:ph idx="1"/>
           </p:nvPr>
         </p:nvSpPr>
         <p:spPr>
           <a:xfrm>
-            <a:off x="664365" y="2001434"/>
-            <a:ext cx="6858000" cy="377428"/>
+            <a:off x="417524" y="936070"/>
+            <a:ext cx="8490730" cy="3871162"/>
           </a:xfrm>
+          <a:prstGeom prst="rect">
+            <a:avLst/>
+          </a:prstGeom>
         </p:spPr>
         <p:txBody>
-          <a:bodyPr vert="horz" lIns="91440" tIns="45720" rIns="91440" bIns="45720" rtlCol="0" anchor="ctr" anchorCtr="0">
+          <a:bodyPr vert="horz" lIns="91440" tIns="45720" rIns="91440" bIns="45720" rtlCol="0">
             <a:normAutofit/>
           </a:bodyPr>
           <a:lstStyle>
             <a:lvl1pPr>
+              <a:lnSpc>
+                <a:spcPct val="120000"/>
+              </a:lnSpc>
+              <a:defRPr lang="ko-KR" altLang="en-US" sz="1800" dirty="0" smtClean="0">
+                <a:solidFill>
+                  <a:schemeClr val="tx1">
+                    <a:lumMod val="65000"/>
+                    <a:lumOff val="35000"/>
+                  </a:schemeClr>
+                </a:solidFill>
+                <a:latin typeface="Pretendard" panose="02000503000000020004" pitchFamily="2" charset="-127"/>
+                <a:ea typeface="Pretendard" panose="02000503000000020004" pitchFamily="2" charset="-127"/>
+                <a:cs typeface="Pretendard" panose="02000503000000020004" pitchFamily="2" charset="-127"/>
+              </a:defRPr>
+            </a:lvl1pPr>
+            <a:lvl2pPr>
+              <a:lnSpc>
+                <a:spcPct val="120000"/>
+              </a:lnSpc>
+              <a:defRPr lang="ko-KR" altLang="en-US" sz="1700" dirty="0" smtClean="0">
+                <a:solidFill>
+                  <a:schemeClr val="tx1">
+                    <a:lumMod val="65000"/>
+                    <a:lumOff val="35000"/>
+                  </a:schemeClr>
+                </a:solidFill>
+                <a:latin typeface="Pretendard" panose="02000503000000020004" pitchFamily="2" charset="-127"/>
+                <a:ea typeface="Pretendard" panose="02000503000000020004" pitchFamily="2" charset="-127"/>
+                <a:cs typeface="Pretendard" panose="02000503000000020004" pitchFamily="2" charset="-127"/>
+              </a:defRPr>
+            </a:lvl2pPr>
+            <a:lvl3pPr>
+              <a:lnSpc>
+                <a:spcPct val="120000"/>
+              </a:lnSpc>
+              <a:defRPr lang="ko-KR" altLang="en-US" dirty="0" smtClean="0">
+                <a:solidFill>
+                  <a:schemeClr val="tx1">
+                    <a:lumMod val="65000"/>
+                    <a:lumOff val="35000"/>
+                  </a:schemeClr>
+                </a:solidFill>
+                <a:latin typeface="Pretendard" panose="02000503000000020004" pitchFamily="2" charset="-127"/>
+                <a:ea typeface="Pretendard" panose="02000503000000020004" pitchFamily="2" charset="-127"/>
+                <a:cs typeface="Pretendard" panose="02000503000000020004" pitchFamily="2" charset="-127"/>
+              </a:defRPr>
+            </a:lvl3pPr>
+            <a:lvl4pPr>
+              <a:lnSpc>
+                <a:spcPct val="120000"/>
+              </a:lnSpc>
+              <a:defRPr lang="ko-KR" altLang="en-US" sz="1300" dirty="0" smtClean="0">
+                <a:solidFill>
+                  <a:schemeClr val="tx1">
+                    <a:lumMod val="65000"/>
+                    <a:lumOff val="35000"/>
+                  </a:schemeClr>
+                </a:solidFill>
+                <a:latin typeface="Pretendard" panose="02000503000000020004" pitchFamily="2" charset="-127"/>
+                <a:ea typeface="Pretendard" panose="02000503000000020004" pitchFamily="2" charset="-127"/>
+                <a:cs typeface="Pretendard" panose="02000503000000020004" pitchFamily="2" charset="-127"/>
+              </a:defRPr>
+            </a:lvl4pPr>
+            <a:lvl5pPr>
+              <a:lnSpc>
+                <a:spcPct val="120000"/>
+              </a:lnSpc>
               <a:defRPr lang="en-US" sz="1300" dirty="0">
-                <a:latin typeface="Spoqa Han Sans Neo Bold" panose="020B0800000000000000" pitchFamily="50" charset="-127"/>
-                <a:ea typeface="Spoqa Han Sans Neo Bold" panose="020B0800000000000000" pitchFamily="50" charset="-127"/>
-                <a:cs typeface="+mj-cs"/>
+                <a:solidFill>
+                  <a:schemeClr val="tx1">
+                    <a:lumMod val="65000"/>
+                    <a:lumOff val="35000"/>
+                  </a:schemeClr>
+                </a:solidFill>
+                <a:latin typeface="Pretendard" panose="02000503000000020004" pitchFamily="2" charset="-127"/>
+                <a:ea typeface="Pretendard" panose="02000503000000020004" pitchFamily="2" charset="-127"/>
+                <a:cs typeface="Pretendard" panose="02000503000000020004" pitchFamily="2" charset="-127"/>
+              </a:defRPr>
+            </a:lvl5pPr>
+          </a:lstStyle>
+          <a:p>
+            <a:pPr marL="0" lvl="0" indent="0">
+              <a:spcAft>
+                <a:spcPts val="800"/>
+              </a:spcAft>
+              <a:buNone/>
+            </a:pPr>
+            <a:r>
+              <a:rPr lang="ko-KR" altLang="en-US" dirty="0"/>
+              <a:t>마스터 텍스트 스타일을 편집하려면 클릭</a:t>
+            </a:r>
+          </a:p>
+          <a:p>
+            <a:pPr marL="357188" lvl="1">
+              <a:spcAft>
+                <a:spcPts val="800"/>
+              </a:spcAft>
+            </a:pPr>
+            <a:r>
+              <a:rPr lang="ko-KR" altLang="en-US" dirty="0"/>
+              <a:t>두 번째 수준</a:t>
+            </a:r>
+          </a:p>
+          <a:p>
+            <a:pPr marL="536575" lvl="2">
+              <a:spcAft>
+                <a:spcPts val="800"/>
+              </a:spcAft>
+            </a:pPr>
+            <a:r>
+              <a:rPr lang="ko-KR" altLang="en-US" dirty="0"/>
+              <a:t>세 번째 수준</a:t>
+            </a:r>
+          </a:p>
+          <a:p>
+            <a:pPr marL="714375" lvl="3">
+              <a:spcAft>
+                <a:spcPts val="800"/>
+              </a:spcAft>
+            </a:pPr>
+            <a:r>
+              <a:rPr lang="ko-KR" altLang="en-US" dirty="0"/>
+              <a:t>네 번째 수준</a:t>
+            </a:r>
+          </a:p>
+          <a:p>
+            <a:pPr marL="900113" lvl="4">
+              <a:spcAft>
+                <a:spcPts val="800"/>
+              </a:spcAft>
+            </a:pPr>
+            <a:r>
+              <a:rPr lang="ko-KR" altLang="en-US" dirty="0"/>
+              <a:t>다섯 번째 수준</a:t>
+            </a:r>
+            <a:endParaRPr lang="en-US" dirty="0"/>
+          </a:p>
+        </p:txBody>
+      </p:sp>
+      <p:sp>
+        <p:nvSpPr>
+          <p:cNvPr id="12" name="바닥글 개체 틀 4">
+            <a:extLst>
+              <a:ext uri="{FF2B5EF4-FFF2-40B4-BE49-F238E27FC236}">
+                <a16:creationId xmlns:a16="http://schemas.microsoft.com/office/drawing/2014/main" id="{C45D0CE0-CFD2-F3A6-FD6B-202119C25094}"/>
+              </a:ext>
+            </a:extLst>
+          </p:cNvPr>
+          <p:cNvSpPr>
+            <a:spLocks noGrp="1"/>
+          </p:cNvSpPr>
+          <p:nvPr>
+            <p:ph type="ftr" sz="quarter" idx="3"/>
+          </p:nvPr>
+        </p:nvSpPr>
+        <p:spPr>
+          <a:xfrm>
+            <a:off x="6467474" y="109941"/>
+            <a:ext cx="2440780" cy="215510"/>
+          </a:xfrm>
+          <a:prstGeom prst="rect">
+            <a:avLst/>
+          </a:prstGeom>
+        </p:spPr>
+        <p:txBody>
+          <a:bodyPr vert="horz" lIns="91440" tIns="45720" rIns="0" bIns="45720" rtlCol="0" anchor="ctr"/>
+          <a:lstStyle>
+            <a:lvl1pPr algn="r">
+              <a:defRPr sz="1000">
+                <a:solidFill>
+                  <a:schemeClr val="tx1">
+                    <a:tint val="82000"/>
+                  </a:schemeClr>
+                </a:solidFill>
+                <a:latin typeface="Gilroy SemiBold" panose="00000700000000000000" pitchFamily="50" charset="0"/>
               </a:defRPr>
             </a:lvl1pPr>
           </a:lstStyle>
           <a:p>
-            <a:pPr lvl="0" algn="r">
-              <a:spcBef>
-                <a:spcPct val="0"/>
-              </a:spcBef>
+            <a:r>
+              <a:rPr lang="ko-KR" altLang="en-US"/>
+              <a:t>성능 테스트</a:t>
+            </a:r>
+            <a:endParaRPr lang="ko-KR" altLang="en-US" dirty="0"/>
+          </a:p>
+        </p:txBody>
+      </p:sp>
+      <p:cxnSp>
+        <p:nvCxnSpPr>
+          <p:cNvPr id="7" name="직선 연결선[R] 19">
+            <a:extLst>
+              <a:ext uri="{FF2B5EF4-FFF2-40B4-BE49-F238E27FC236}">
+                <a16:creationId xmlns:a16="http://schemas.microsoft.com/office/drawing/2014/main" id="{F499D1A4-2358-07AC-4578-8B6C7D8F24C7}"/>
+              </a:ext>
+            </a:extLst>
+          </p:cNvPr>
+          <p:cNvCxnSpPr>
+            <a:cxnSpLocks/>
+          </p:cNvCxnSpPr>
+          <p:nvPr userDrawn="1"/>
+        </p:nvCxnSpPr>
+        <p:spPr>
+          <a:xfrm>
+            <a:off x="142875" y="336268"/>
+            <a:ext cx="8819347" cy="0"/>
+          </a:xfrm>
+          <a:prstGeom prst="line">
+            <a:avLst/>
+          </a:prstGeom>
+          <a:ln>
+            <a:solidFill>
+              <a:srgbClr val="B3B3B3"/>
+            </a:solidFill>
+          </a:ln>
+        </p:spPr>
+        <p:style>
+          <a:lnRef idx="1">
+            <a:schemeClr val="accent1"/>
+          </a:lnRef>
+          <a:fillRef idx="0">
+            <a:schemeClr val="accent1"/>
+          </a:fillRef>
+          <a:effectRef idx="0">
+            <a:schemeClr val="accent1"/>
+          </a:effectRef>
+          <a:fontRef idx="minor">
+            <a:schemeClr val="tx1"/>
+          </a:fontRef>
+        </p:style>
+      </p:cxnSp>
+      <p:pic>
+        <p:nvPicPr>
+          <p:cNvPr id="8" name="그림 7">
+            <a:extLst>
+              <a:ext uri="{FF2B5EF4-FFF2-40B4-BE49-F238E27FC236}">
+                <a16:creationId xmlns:a16="http://schemas.microsoft.com/office/drawing/2014/main" id="{26A02154-560B-E5A2-FCA3-2079CC3482F9}"/>
+              </a:ext>
+            </a:extLst>
+          </p:cNvPr>
+          <p:cNvPicPr>
+            <a:picLocks noChangeAspect="1"/>
+          </p:cNvPicPr>
+          <p:nvPr userDrawn="1"/>
+        </p:nvPicPr>
+        <p:blipFill>
+          <a:blip r:embed="rId2"/>
+          <a:stretch>
+            <a:fillRect/>
+          </a:stretch>
+        </p:blipFill>
+        <p:spPr>
+          <a:xfrm>
+            <a:off x="171451" y="4903762"/>
+            <a:ext cx="757234" cy="232514"/>
+          </a:xfrm>
+          <a:prstGeom prst="rect">
+            <a:avLst/>
+          </a:prstGeom>
+        </p:spPr>
+      </p:pic>
+      <p:cxnSp>
+        <p:nvCxnSpPr>
+          <p:cNvPr id="10" name="직선 연결선[R] 19">
+            <a:extLst>
+              <a:ext uri="{FF2B5EF4-FFF2-40B4-BE49-F238E27FC236}">
+                <a16:creationId xmlns:a16="http://schemas.microsoft.com/office/drawing/2014/main" id="{7C81B446-6183-D0DC-6407-1EE2F639A632}"/>
+              </a:ext>
+            </a:extLst>
+          </p:cNvPr>
+          <p:cNvCxnSpPr>
+            <a:cxnSpLocks/>
+          </p:cNvCxnSpPr>
+          <p:nvPr userDrawn="1"/>
+        </p:nvCxnSpPr>
+        <p:spPr>
+          <a:xfrm>
+            <a:off x="162326" y="4876057"/>
+            <a:ext cx="8819347" cy="0"/>
+          </a:xfrm>
+          <a:prstGeom prst="line">
+            <a:avLst/>
+          </a:prstGeom>
+          <a:ln>
+            <a:solidFill>
+              <a:srgbClr val="B3B3B3"/>
+            </a:solidFill>
+          </a:ln>
+        </p:spPr>
+        <p:style>
+          <a:lnRef idx="1">
+            <a:schemeClr val="accent1"/>
+          </a:lnRef>
+          <a:fillRef idx="0">
+            <a:schemeClr val="accent1"/>
+          </a:fillRef>
+          <a:effectRef idx="0">
+            <a:schemeClr val="accent1"/>
+          </a:effectRef>
+          <a:fontRef idx="minor">
+            <a:schemeClr val="tx1"/>
+          </a:fontRef>
+        </p:style>
+      </p:cxnSp>
+      <p:sp>
+        <p:nvSpPr>
+          <p:cNvPr id="9" name="Content Placeholder 2">
+            <a:extLst>
+              <a:ext uri="{FF2B5EF4-FFF2-40B4-BE49-F238E27FC236}">
+                <a16:creationId xmlns:a16="http://schemas.microsoft.com/office/drawing/2014/main" id="{18B75347-98CF-2D30-79D6-42DD8776DCAF}"/>
+              </a:ext>
+            </a:extLst>
+          </p:cNvPr>
+          <p:cNvSpPr>
+            <a:spLocks noGrp="1"/>
+          </p:cNvSpPr>
+          <p:nvPr>
+            <p:ph idx="11" hasCustomPrompt="1"/>
+          </p:nvPr>
+        </p:nvSpPr>
+        <p:spPr>
+          <a:xfrm>
+            <a:off x="6467475" y="347086"/>
+            <a:ext cx="2440780" cy="223092"/>
+          </a:xfrm>
+          <a:prstGeom prst="rect">
+            <a:avLst/>
+          </a:prstGeom>
+        </p:spPr>
+        <p:txBody>
+          <a:bodyPr vert="horz" lIns="0" tIns="45720" rIns="0" bIns="45720" rtlCol="0" anchor="ctr" anchorCtr="0">
+            <a:noAutofit/>
+          </a:bodyPr>
+          <a:lstStyle>
+            <a:lvl1pPr marL="0" indent="0" algn="r">
+              <a:lnSpc>
+                <a:spcPct val="100000"/>
+              </a:lnSpc>
               <a:buNone/>
+              <a:defRPr lang="ko-KR" altLang="en-US" sz="700" i="1" dirty="0" smtClean="0">
+                <a:solidFill>
+                  <a:schemeClr val="bg1">
+                    <a:lumMod val="50000"/>
+                  </a:schemeClr>
+                </a:solidFill>
+                <a:latin typeface="Gilroy SemiBold" panose="00000700000000000000" pitchFamily="50" charset="0"/>
+                <a:ea typeface="Pretendard" panose="02000503000000020004" pitchFamily="2" charset="-127"/>
+                <a:cs typeface="Pretendard" panose="02000503000000020004" pitchFamily="2" charset="-127"/>
+              </a:defRPr>
+            </a:lvl1pPr>
+            <a:lvl2pPr>
+              <a:lnSpc>
+                <a:spcPct val="120000"/>
+              </a:lnSpc>
+              <a:defRPr lang="ko-KR" altLang="en-US" dirty="0" smtClean="0">
+                <a:latin typeface="Pretendard" panose="02000503000000020004" pitchFamily="2" charset="-127"/>
+                <a:ea typeface="Pretendard" panose="02000503000000020004" pitchFamily="2" charset="-127"/>
+                <a:cs typeface="Pretendard" panose="02000503000000020004" pitchFamily="2" charset="-127"/>
+              </a:defRPr>
+            </a:lvl2pPr>
+            <a:lvl3pPr>
+              <a:lnSpc>
+                <a:spcPct val="120000"/>
+              </a:lnSpc>
+              <a:defRPr lang="ko-KR" altLang="en-US" dirty="0" smtClean="0">
+                <a:latin typeface="Pretendard" panose="02000503000000020004" pitchFamily="2" charset="-127"/>
+                <a:ea typeface="Pretendard" panose="02000503000000020004" pitchFamily="2" charset="-127"/>
+                <a:cs typeface="Pretendard" panose="02000503000000020004" pitchFamily="2" charset="-127"/>
+              </a:defRPr>
+            </a:lvl3pPr>
+            <a:lvl4pPr>
+              <a:lnSpc>
+                <a:spcPct val="120000"/>
+              </a:lnSpc>
+              <a:defRPr lang="ko-KR" altLang="en-US" dirty="0" smtClean="0">
+                <a:latin typeface="Pretendard" panose="02000503000000020004" pitchFamily="2" charset="-127"/>
+                <a:ea typeface="Pretendard" panose="02000503000000020004" pitchFamily="2" charset="-127"/>
+                <a:cs typeface="Pretendard" panose="02000503000000020004" pitchFamily="2" charset="-127"/>
+              </a:defRPr>
+            </a:lvl4pPr>
+            <a:lvl5pPr>
+              <a:lnSpc>
+                <a:spcPct val="120000"/>
+              </a:lnSpc>
+              <a:defRPr lang="en-US" dirty="0">
+                <a:latin typeface="Pretendard" panose="02000503000000020004" pitchFamily="2" charset="-127"/>
+                <a:ea typeface="Pretendard" panose="02000503000000020004" pitchFamily="2" charset="-127"/>
+                <a:cs typeface="Pretendard" panose="02000503000000020004" pitchFamily="2" charset="-127"/>
+              </a:defRPr>
+            </a:lvl5pPr>
+          </a:lstStyle>
+          <a:p>
+            <a:pPr marL="171450" lvl="0" indent="-171450">
+              <a:spcAft>
+                <a:spcPts val="800"/>
+              </a:spcAft>
             </a:pPr>
             <a:r>
-              <a:rPr lang="ko-KR" altLang="en-US" dirty="0"/>
-              <a:t>클릭하여 마스터 부제목 스타일 편집</a:t>
+              <a:rPr lang="en-US" altLang="ko-KR" dirty="0" err="1"/>
+              <a:t>SubTitle</a:t>
             </a:r>
             <a:endParaRPr lang="en-US" dirty="0"/>
           </a:p>
@@ -4843,7 +5821,7 @@
     </p:spTree>
     <p:extLst>
       <p:ext uri="{BB962C8B-B14F-4D97-AF65-F5344CB8AC3E}">
-        <p14:creationId xmlns:p14="http://schemas.microsoft.com/office/powerpoint/2010/main" val="1303108689"/>
+        <p14:creationId xmlns:p14="http://schemas.microsoft.com/office/powerpoint/2010/main" val="1616775611"/>
       </p:ext>
     </p:extLst>
   </p:cSld>
@@ -4853,12 +5831,12 @@
   <p:extLst>
     <p:ext uri="{DCECCB84-F9BA-43D5-87BE-67443E8EF086}">
       <p15:sldGuideLst xmlns:p15="http://schemas.microsoft.com/office/powerpoint/2012/main">
-        <p15:guide id="1" orient="horz" pos="1620" userDrawn="1">
+        <p15:guide id="1" orient="horz" pos="1620">
           <p15:clr>
             <a:srgbClr val="FBAE40"/>
           </p15:clr>
         </p15:guide>
-        <p15:guide id="2" pos="2880" userDrawn="1">
+        <p15:guide id="2" pos="90">
           <p15:clr>
             <a:srgbClr val="FBAE40"/>
           </p15:clr>
@@ -4870,19 +5848,13 @@
 </file>
 
 <file path=ppt/slideLayouts/slideLayout2.xml><?xml version="1.0" encoding="utf-8"?>
-<p:sldLayout xmlns:a="http://schemas.openxmlformats.org/drawingml/2006/main" xmlns:r="http://schemas.openxmlformats.org/officeDocument/2006/relationships" xmlns:p="http://schemas.openxmlformats.org/presentationml/2006/main" type="title" preserve="1">
-  <p:cSld name="1_제목 슬라이드">
+<p:sldLayout xmlns:a="http://schemas.openxmlformats.org/drawingml/2006/main" xmlns:r="http://schemas.openxmlformats.org/officeDocument/2006/relationships" xmlns:p="http://schemas.openxmlformats.org/presentationml/2006/main" preserve="1" userDrawn="1">
+  <p:cSld name="간지_토픽">
     <p:bg>
       <p:bgPr>
-        <a:blipFill dpi="0" rotWithShape="1">
-          <a:blip r:embed="rId2">
-            <a:lum/>
-          </a:blip>
-          <a:srcRect/>
-          <a:stretch>
-            <a:fillRect/>
-          </a:stretch>
-        </a:blipFill>
+        <a:solidFill>
+          <a:schemeClr val="bg1"/>
+        </a:solidFill>
         <a:effectLst/>
       </p:bgPr>
     </p:bg>
@@ -4902,7 +5874,13 @@
       </p:grpSpPr>
       <p:sp>
         <p:nvSpPr>
-          <p:cNvPr id="2" name="Title 1"/>
+          <p:cNvPr id="4" name="Title 1">
+            <a:extLst>
+              <a:ext uri="{FF2B5EF4-FFF2-40B4-BE49-F238E27FC236}">
+                <a16:creationId xmlns:a16="http://schemas.microsoft.com/office/drawing/2014/main" id="{CE5DB7A8-F6F0-23A6-D9D1-6D1BFD021931}"/>
+              </a:ext>
+            </a:extLst>
+          </p:cNvPr>
           <p:cNvSpPr>
             <a:spLocks noGrp="1"/>
           </p:cNvSpPr>
@@ -4912,17 +5890,24 @@
         </p:nvSpPr>
         <p:spPr>
           <a:xfrm>
-            <a:off x="664366" y="1356118"/>
-            <a:ext cx="6858000" cy="629841"/>
+            <a:off x="664365" y="1334347"/>
+            <a:ext cx="7724891" cy="629841"/>
           </a:xfrm>
+          <a:prstGeom prst="rect">
+            <a:avLst/>
+          </a:prstGeom>
         </p:spPr>
         <p:txBody>
           <a:bodyPr anchor="ctr" anchorCtr="0"/>
           <a:lstStyle>
-            <a:lvl1pPr algn="r">
+            <a:lvl1pPr algn="ctr">
               <a:defRPr sz="2800">
-                <a:latin typeface="Spoqa Han Sans Neo Bold" panose="020B0800000000000000" pitchFamily="50" charset="-127"/>
-                <a:ea typeface="Spoqa Han Sans Neo Bold" panose="020B0800000000000000" pitchFamily="50" charset="-127"/>
+                <a:solidFill>
+                  <a:srgbClr val="BD0326"/>
+                </a:solidFill>
+                <a:latin typeface="Pretendard ExtraBold" panose="02000903000000020004" pitchFamily="2" charset="-127"/>
+                <a:ea typeface="Pretendard ExtraBold" panose="02000903000000020004" pitchFamily="2" charset="-127"/>
+                <a:cs typeface="Pretendard ExtraBold" panose="02000903000000020004" pitchFamily="2" charset="-127"/>
               </a:defRPr>
             </a:lvl1pPr>
           </a:lstStyle>
@@ -4937,7 +5922,13 @@
       </p:sp>
       <p:sp>
         <p:nvSpPr>
-          <p:cNvPr id="3" name="Subtitle 2"/>
+          <p:cNvPr id="5" name="Subtitle 2">
+            <a:extLst>
+              <a:ext uri="{FF2B5EF4-FFF2-40B4-BE49-F238E27FC236}">
+                <a16:creationId xmlns:a16="http://schemas.microsoft.com/office/drawing/2014/main" id="{AC97D1B6-E48E-BC0C-5E60-3091C25FB202}"/>
+              </a:ext>
+            </a:extLst>
+          </p:cNvPr>
           <p:cNvSpPr>
             <a:spLocks noGrp="1"/>
           </p:cNvSpPr>
@@ -4947,20 +5938,26 @@
         </p:nvSpPr>
         <p:spPr>
           <a:xfrm>
-            <a:off x="664365" y="2001434"/>
-            <a:ext cx="6858000" cy="377428"/>
+            <a:off x="657108" y="1965502"/>
+            <a:ext cx="7724890" cy="357214"/>
           </a:xfrm>
+          <a:prstGeom prst="rect">
+            <a:avLst/>
+          </a:prstGeom>
         </p:spPr>
         <p:txBody>
-          <a:bodyPr vert="horz" lIns="91440" tIns="45720" rIns="91440" bIns="45720" rtlCol="0" anchor="ctr" anchorCtr="0">
-            <a:normAutofit/>
+          <a:bodyPr vert="horz" wrap="square" lIns="91440" tIns="45720" rIns="91440" bIns="45720" rtlCol="0" anchor="ctr" anchorCtr="1">
+            <a:spAutoFit/>
           </a:bodyPr>
           <a:lstStyle>
-            <a:lvl1pPr>
+            <a:lvl1pPr algn="l">
               <a:defRPr lang="en-US" sz="1300" dirty="0">
-                <a:latin typeface="Spoqa Han Sans Neo Bold" panose="020B0800000000000000" pitchFamily="50" charset="-127"/>
-                <a:ea typeface="Spoqa Han Sans Neo Bold" panose="020B0800000000000000" pitchFamily="50" charset="-127"/>
-                <a:cs typeface="+mj-cs"/>
+                <a:solidFill>
+                  <a:srgbClr val="FC4E6F"/>
+                </a:solidFill>
+                <a:latin typeface="Pretendard ExtraBold" panose="02000903000000020004" pitchFamily="2" charset="-127"/>
+                <a:ea typeface="Pretendard ExtraBold" panose="02000903000000020004" pitchFamily="2" charset="-127"/>
+                <a:cs typeface="Pretendard ExtraBold" panose="02000903000000020004" pitchFamily="2" charset="-127"/>
               </a:defRPr>
             </a:lvl1pPr>
           </a:lstStyle>
@@ -4979,10 +5976,237 @@
           </a:p>
         </p:txBody>
       </p:sp>
+      <p:cxnSp>
+        <p:nvCxnSpPr>
+          <p:cNvPr id="6" name="직선 연결선[R] 19">
+            <a:extLst>
+              <a:ext uri="{FF2B5EF4-FFF2-40B4-BE49-F238E27FC236}">
+                <a16:creationId xmlns:a16="http://schemas.microsoft.com/office/drawing/2014/main" id="{35E66E0E-3208-8254-FCEB-6FCB9F4F53A6}"/>
+              </a:ext>
+            </a:extLst>
+          </p:cNvPr>
+          <p:cNvCxnSpPr>
+            <a:cxnSpLocks/>
+          </p:cNvCxnSpPr>
+          <p:nvPr userDrawn="1"/>
+        </p:nvCxnSpPr>
+        <p:spPr>
+          <a:xfrm>
+            <a:off x="142875" y="423352"/>
+            <a:ext cx="8819347" cy="0"/>
+          </a:xfrm>
+          <a:prstGeom prst="line">
+            <a:avLst/>
+          </a:prstGeom>
+          <a:ln>
+            <a:solidFill>
+              <a:srgbClr val="B3B3B3"/>
+            </a:solidFill>
+          </a:ln>
+        </p:spPr>
+        <p:style>
+          <a:lnRef idx="1">
+            <a:schemeClr val="accent1"/>
+          </a:lnRef>
+          <a:fillRef idx="0">
+            <a:schemeClr val="accent1"/>
+          </a:fillRef>
+          <a:effectRef idx="0">
+            <a:schemeClr val="accent1"/>
+          </a:effectRef>
+          <a:fontRef idx="minor">
+            <a:schemeClr val="tx1"/>
+          </a:fontRef>
+        </p:style>
+      </p:cxnSp>
+      <p:cxnSp>
+        <p:nvCxnSpPr>
+          <p:cNvPr id="7" name="직선 연결선[R] 19">
+            <a:extLst>
+              <a:ext uri="{FF2B5EF4-FFF2-40B4-BE49-F238E27FC236}">
+                <a16:creationId xmlns:a16="http://schemas.microsoft.com/office/drawing/2014/main" id="{FB45A898-A93E-DB88-C39E-4124D8502530}"/>
+              </a:ext>
+            </a:extLst>
+          </p:cNvPr>
+          <p:cNvCxnSpPr>
+            <a:cxnSpLocks/>
+          </p:cNvCxnSpPr>
+          <p:nvPr userDrawn="1"/>
+        </p:nvCxnSpPr>
+        <p:spPr>
+          <a:xfrm>
+            <a:off x="162326" y="4774459"/>
+            <a:ext cx="8819347" cy="0"/>
+          </a:xfrm>
+          <a:prstGeom prst="line">
+            <a:avLst/>
+          </a:prstGeom>
+          <a:ln>
+            <a:solidFill>
+              <a:srgbClr val="B3B3B3"/>
+            </a:solidFill>
+          </a:ln>
+        </p:spPr>
+        <p:style>
+          <a:lnRef idx="1">
+            <a:schemeClr val="accent1"/>
+          </a:lnRef>
+          <a:fillRef idx="0">
+            <a:schemeClr val="accent1"/>
+          </a:fillRef>
+          <a:effectRef idx="0">
+            <a:schemeClr val="accent1"/>
+          </a:effectRef>
+          <a:fontRef idx="minor">
+            <a:schemeClr val="tx1"/>
+          </a:fontRef>
+        </p:style>
+      </p:cxnSp>
+      <p:pic>
+        <p:nvPicPr>
+          <p:cNvPr id="8" name="그림 7">
+            <a:extLst>
+              <a:ext uri="{FF2B5EF4-FFF2-40B4-BE49-F238E27FC236}">
+                <a16:creationId xmlns:a16="http://schemas.microsoft.com/office/drawing/2014/main" id="{6164E4B6-DC7C-02D4-5370-C9D9B9E5029E}"/>
+              </a:ext>
+            </a:extLst>
+          </p:cNvPr>
+          <p:cNvPicPr>
+            <a:picLocks noChangeAspect="1"/>
+          </p:cNvPicPr>
+          <p:nvPr userDrawn="1"/>
+        </p:nvPicPr>
+        <p:blipFill>
+          <a:blip r:embed="rId2"/>
+          <a:stretch>
+            <a:fillRect/>
+          </a:stretch>
+        </p:blipFill>
+        <p:spPr>
+          <a:xfrm>
+            <a:off x="3969217" y="4774459"/>
+            <a:ext cx="1205565" cy="370178"/>
+          </a:xfrm>
+          <a:prstGeom prst="rect">
+            <a:avLst/>
+          </a:prstGeom>
+        </p:spPr>
+      </p:pic>
+      <p:sp>
+        <p:nvSpPr>
+          <p:cNvPr id="9" name="텍스트 개체 틀 52">
+            <a:extLst>
+              <a:ext uri="{FF2B5EF4-FFF2-40B4-BE49-F238E27FC236}">
+                <a16:creationId xmlns:a16="http://schemas.microsoft.com/office/drawing/2014/main" id="{2756E176-AED9-C6E3-03D3-D9B449B264DC}"/>
+              </a:ext>
+            </a:extLst>
+          </p:cNvPr>
+          <p:cNvSpPr>
+            <a:spLocks noGrp="1"/>
+          </p:cNvSpPr>
+          <p:nvPr>
+            <p:ph type="body" sz="quarter" idx="10" hasCustomPrompt="1"/>
+          </p:nvPr>
+        </p:nvSpPr>
+        <p:spPr>
+          <a:xfrm>
+            <a:off x="1904044" y="108472"/>
+            <a:ext cx="5335912" cy="260568"/>
+          </a:xfrm>
+          <a:prstGeom prst="rect">
+            <a:avLst/>
+          </a:prstGeom>
+        </p:spPr>
+        <p:txBody>
+          <a:bodyPr wrap="square">
+            <a:spAutoFit/>
+          </a:bodyPr>
+          <a:lstStyle>
+            <a:lvl1pPr marL="0" indent="0" algn="ctr" defTabSz="914400" rtl="0" eaLnBrk="1" latinLnBrk="0" hangingPunct="1">
+              <a:lnSpc>
+                <a:spcPct val="100000"/>
+              </a:lnSpc>
+              <a:buFontTx/>
+              <a:buNone/>
+              <a:defRPr kumimoji="1" lang="ko-KR" altLang="en-US" sz="1100" b="1" kern="1200" dirty="0" smtClean="0">
+                <a:solidFill>
+                  <a:srgbClr val="FB2752"/>
+                </a:solidFill>
+                <a:latin typeface="Gilroy SemiBold" pitchFamily="2" charset="0"/>
+                <a:ea typeface="Pretendard ExtraBold" panose="02000503000000020004" pitchFamily="2" charset="-127"/>
+                <a:cs typeface="Pretendard ExtraBold" panose="02000503000000020004" pitchFamily="2" charset="-127"/>
+              </a:defRPr>
+            </a:lvl1pPr>
+            <a:lvl2pPr marL="0" indent="0" algn="l" defTabSz="914400" rtl="0" eaLnBrk="1" latinLnBrk="0" hangingPunct="1">
+              <a:buFontTx/>
+              <a:buNone/>
+              <a:defRPr kumimoji="1" lang="ko-KR" altLang="en-US" sz="1100" b="1" kern="1200" dirty="0" smtClean="0">
+                <a:solidFill>
+                  <a:schemeClr val="tx1"/>
+                </a:solidFill>
+                <a:latin typeface="Gilroy SemiBold" pitchFamily="2" charset="0"/>
+                <a:ea typeface="Pretendard ExtraBold" panose="02000503000000020004" pitchFamily="2" charset="-127"/>
+                <a:cs typeface="Pretendard ExtraBold" panose="02000503000000020004" pitchFamily="2" charset="-127"/>
+              </a:defRPr>
+            </a:lvl2pPr>
+            <a:lvl3pPr marL="0" indent="0" algn="l" defTabSz="914400" rtl="0" eaLnBrk="1" latinLnBrk="0" hangingPunct="1">
+              <a:buFontTx/>
+              <a:buNone/>
+              <a:defRPr kumimoji="1" lang="ko-KR" altLang="en-US" sz="1100" b="1" kern="1200" dirty="0" smtClean="0">
+                <a:solidFill>
+                  <a:schemeClr val="tx1"/>
+                </a:solidFill>
+                <a:latin typeface="Gilroy SemiBold" pitchFamily="2" charset="0"/>
+                <a:ea typeface="Pretendard ExtraBold" panose="02000503000000020004" pitchFamily="2" charset="-127"/>
+                <a:cs typeface="Pretendard ExtraBold" panose="02000503000000020004" pitchFamily="2" charset="-127"/>
+              </a:defRPr>
+            </a:lvl3pPr>
+            <a:lvl4pPr marL="0" indent="0" algn="l" defTabSz="914400" rtl="0" eaLnBrk="1" latinLnBrk="0" hangingPunct="1">
+              <a:buFontTx/>
+              <a:buNone/>
+              <a:defRPr kumimoji="1" lang="ko-KR" altLang="en-US" sz="1100" b="1" kern="1200" dirty="0" smtClean="0">
+                <a:solidFill>
+                  <a:schemeClr val="tx1"/>
+                </a:solidFill>
+                <a:latin typeface="Gilroy SemiBold" pitchFamily="2" charset="0"/>
+                <a:ea typeface="Pretendard ExtraBold" panose="02000503000000020004" pitchFamily="2" charset="-127"/>
+                <a:cs typeface="Pretendard ExtraBold" panose="02000503000000020004" pitchFamily="2" charset="-127"/>
+              </a:defRPr>
+            </a:lvl4pPr>
+            <a:lvl5pPr marL="0" indent="0" algn="l" defTabSz="914400" rtl="0" eaLnBrk="1" latinLnBrk="0" hangingPunct="1">
+              <a:buFontTx/>
+              <a:buNone/>
+              <a:defRPr kumimoji="1" lang="ko-Kore-KR" altLang="en-US" sz="1100" b="1" kern="1200" dirty="0">
+                <a:solidFill>
+                  <a:schemeClr val="tx1"/>
+                </a:solidFill>
+                <a:latin typeface="Gilroy SemiBold" pitchFamily="2" charset="0"/>
+                <a:ea typeface="Pretendard ExtraBold" panose="02000503000000020004" pitchFamily="2" charset="-127"/>
+                <a:cs typeface="Pretendard ExtraBold" panose="02000503000000020004" pitchFamily="2" charset="-127"/>
+              </a:defRPr>
+            </a:lvl5pPr>
+          </a:lstStyle>
+          <a:p>
+            <a:r>
+              <a:rPr kumimoji="1" lang="en-US" altLang="ko-Kore-KR" sz="1100" b="1" dirty="0">
+                <a:latin typeface="Gilroy SemiBold" pitchFamily="2" charset="0"/>
+                <a:ea typeface="Pretendard ExtraBold" panose="02000503000000020004" pitchFamily="2" charset="-127"/>
+                <a:cs typeface="Pretendard ExtraBold" panose="02000503000000020004" pitchFamily="2" charset="-127"/>
+              </a:rPr>
+              <a:t>PART</a:t>
+            </a:r>
+            <a:endParaRPr kumimoji="1" lang="ko-Kore-KR" altLang="en-US" sz="1100" b="1" dirty="0">
+              <a:latin typeface="Gilroy SemiBold" pitchFamily="2" charset="0"/>
+              <a:ea typeface="Pretendard ExtraBold" panose="02000503000000020004" pitchFamily="2" charset="-127"/>
+              <a:cs typeface="Pretendard ExtraBold" panose="02000503000000020004" pitchFamily="2" charset="-127"/>
+            </a:endParaRPr>
+          </a:p>
+        </p:txBody>
+      </p:sp>
     </p:spTree>
     <p:extLst>
       <p:ext uri="{BB962C8B-B14F-4D97-AF65-F5344CB8AC3E}">
-        <p14:creationId xmlns:p14="http://schemas.microsoft.com/office/powerpoint/2010/main" val="514687504"/>
+        <p14:creationId xmlns:p14="http://schemas.microsoft.com/office/powerpoint/2010/main" val="1842764911"/>
       </p:ext>
     </p:extLst>
   </p:cSld>
@@ -5009,19 +6233,13 @@
 </file>
 
 <file path=ppt/slideLayouts/slideLayout3.xml><?xml version="1.0" encoding="utf-8"?>
-<p:sldLayout xmlns:a="http://schemas.openxmlformats.org/drawingml/2006/main" xmlns:r="http://schemas.openxmlformats.org/officeDocument/2006/relationships" xmlns:p="http://schemas.openxmlformats.org/presentationml/2006/main" type="title" preserve="1">
-  <p:cSld name="2_제목 슬라이드">
+<p:sldLayout xmlns:a="http://schemas.openxmlformats.org/drawingml/2006/main" xmlns:r="http://schemas.openxmlformats.org/officeDocument/2006/relationships" xmlns:p="http://schemas.openxmlformats.org/presentationml/2006/main" preserve="1" userDrawn="1">
+  <p:cSld name="간지_서브">
     <p:bg>
       <p:bgPr>
-        <a:blipFill dpi="0" rotWithShape="1">
-          <a:blip r:embed="rId2">
-            <a:lum/>
-          </a:blip>
-          <a:srcRect/>
-          <a:stretch>
-            <a:fillRect/>
-          </a:stretch>
-        </a:blipFill>
+        <a:solidFill>
+          <a:schemeClr val="bg1"/>
+        </a:solidFill>
         <a:effectLst/>
       </p:bgPr>
     </p:bg>
@@ -5051,17 +6269,27 @@
         </p:nvSpPr>
         <p:spPr>
           <a:xfrm>
-            <a:off x="664366" y="1356118"/>
-            <a:ext cx="6858000" cy="629841"/>
+            <a:off x="664366" y="1334347"/>
+            <a:ext cx="7703120" cy="629841"/>
           </a:xfrm>
+          <a:prstGeom prst="rect">
+            <a:avLst/>
+          </a:prstGeom>
         </p:spPr>
         <p:txBody>
-          <a:bodyPr anchor="ctr" anchorCtr="0"/>
+          <a:bodyPr anchor="ctr" anchorCtr="1"/>
           <a:lstStyle>
-            <a:lvl1pPr algn="r">
+            <a:lvl1pPr algn="ctr">
               <a:defRPr sz="2800">
-                <a:latin typeface="Spoqa Han Sans Neo Bold" panose="020B0800000000000000" pitchFamily="50" charset="-127"/>
-                <a:ea typeface="Spoqa Han Sans Neo Bold" panose="020B0800000000000000" pitchFamily="50" charset="-127"/>
+                <a:solidFill>
+                  <a:schemeClr val="tx1">
+                    <a:lumMod val="85000"/>
+                    <a:lumOff val="15000"/>
+                  </a:schemeClr>
+                </a:solidFill>
+                <a:latin typeface="Pretendard ExtraBold" panose="02000903000000020004" pitchFamily="2" charset="-127"/>
+                <a:ea typeface="Pretendard ExtraBold" panose="02000903000000020004" pitchFamily="2" charset="-127"/>
+                <a:cs typeface="Pretendard ExtraBold" panose="02000903000000020004" pitchFamily="2" charset="-127"/>
               </a:defRPr>
             </a:lvl1pPr>
           </a:lstStyle>
@@ -5086,20 +6314,29 @@
         </p:nvSpPr>
         <p:spPr>
           <a:xfrm>
-            <a:off x="664365" y="2001434"/>
-            <a:ext cx="6858000" cy="377428"/>
+            <a:off x="664366" y="1965502"/>
+            <a:ext cx="7703120" cy="357214"/>
           </a:xfrm>
+          <a:prstGeom prst="rect">
+            <a:avLst/>
+          </a:prstGeom>
         </p:spPr>
         <p:txBody>
-          <a:bodyPr vert="horz" lIns="91440" tIns="45720" rIns="91440" bIns="45720" rtlCol="0" anchor="ctr" anchorCtr="0">
-            <a:normAutofit/>
+          <a:bodyPr vert="horz" wrap="square" lIns="91440" tIns="45720" rIns="91440" bIns="45720" rtlCol="0" anchor="ctr" anchorCtr="1">
+            <a:spAutoFit/>
           </a:bodyPr>
           <a:lstStyle>
-            <a:lvl1pPr>
+            <a:lvl1pPr algn="r">
               <a:defRPr lang="en-US" sz="1300" dirty="0">
-                <a:latin typeface="Spoqa Han Sans Neo Bold" panose="020B0800000000000000" pitchFamily="50" charset="-127"/>
-                <a:ea typeface="Spoqa Han Sans Neo Bold" panose="020B0800000000000000" pitchFamily="50" charset="-127"/>
-                <a:cs typeface="+mj-cs"/>
+                <a:solidFill>
+                  <a:schemeClr val="tx1">
+                    <a:lumMod val="65000"/>
+                    <a:lumOff val="35000"/>
+                  </a:schemeClr>
+                </a:solidFill>
+                <a:latin typeface="Pretendard ExtraBold" panose="02000903000000020004" pitchFamily="2" charset="-127"/>
+                <a:ea typeface="Pretendard ExtraBold" panose="02000903000000020004" pitchFamily="2" charset="-127"/>
+                <a:cs typeface="Pretendard ExtraBold" panose="02000903000000020004" pitchFamily="2" charset="-127"/>
               </a:defRPr>
             </a:lvl1pPr>
           </a:lstStyle>
@@ -5118,10 +6355,237 @@
           </a:p>
         </p:txBody>
       </p:sp>
+      <p:cxnSp>
+        <p:nvCxnSpPr>
+          <p:cNvPr id="4" name="직선 연결선[R] 19">
+            <a:extLst>
+              <a:ext uri="{FF2B5EF4-FFF2-40B4-BE49-F238E27FC236}">
+                <a16:creationId xmlns:a16="http://schemas.microsoft.com/office/drawing/2014/main" id="{85AC3ABC-27F1-19F1-9674-0777BF0C6BCC}"/>
+              </a:ext>
+            </a:extLst>
+          </p:cNvPr>
+          <p:cNvCxnSpPr>
+            <a:cxnSpLocks/>
+          </p:cNvCxnSpPr>
+          <p:nvPr userDrawn="1"/>
+        </p:nvCxnSpPr>
+        <p:spPr>
+          <a:xfrm>
+            <a:off x="142875" y="423352"/>
+            <a:ext cx="8819347" cy="0"/>
+          </a:xfrm>
+          <a:prstGeom prst="line">
+            <a:avLst/>
+          </a:prstGeom>
+          <a:ln>
+            <a:solidFill>
+              <a:srgbClr val="B3B3B3"/>
+            </a:solidFill>
+          </a:ln>
+        </p:spPr>
+        <p:style>
+          <a:lnRef idx="1">
+            <a:schemeClr val="accent1"/>
+          </a:lnRef>
+          <a:fillRef idx="0">
+            <a:schemeClr val="accent1"/>
+          </a:fillRef>
+          <a:effectRef idx="0">
+            <a:schemeClr val="accent1"/>
+          </a:effectRef>
+          <a:fontRef idx="minor">
+            <a:schemeClr val="tx1"/>
+          </a:fontRef>
+        </p:style>
+      </p:cxnSp>
+      <p:cxnSp>
+        <p:nvCxnSpPr>
+          <p:cNvPr id="5" name="직선 연결선[R] 19">
+            <a:extLst>
+              <a:ext uri="{FF2B5EF4-FFF2-40B4-BE49-F238E27FC236}">
+                <a16:creationId xmlns:a16="http://schemas.microsoft.com/office/drawing/2014/main" id="{8BC07E48-AB77-F79B-6F7C-A67E8C9F5BC6}"/>
+              </a:ext>
+            </a:extLst>
+          </p:cNvPr>
+          <p:cNvCxnSpPr>
+            <a:cxnSpLocks/>
+          </p:cNvCxnSpPr>
+          <p:nvPr userDrawn="1"/>
+        </p:nvCxnSpPr>
+        <p:spPr>
+          <a:xfrm>
+            <a:off x="162326" y="4774459"/>
+            <a:ext cx="8819347" cy="0"/>
+          </a:xfrm>
+          <a:prstGeom prst="line">
+            <a:avLst/>
+          </a:prstGeom>
+          <a:ln>
+            <a:solidFill>
+              <a:srgbClr val="B3B3B3"/>
+            </a:solidFill>
+          </a:ln>
+        </p:spPr>
+        <p:style>
+          <a:lnRef idx="1">
+            <a:schemeClr val="accent1"/>
+          </a:lnRef>
+          <a:fillRef idx="0">
+            <a:schemeClr val="accent1"/>
+          </a:fillRef>
+          <a:effectRef idx="0">
+            <a:schemeClr val="accent1"/>
+          </a:effectRef>
+          <a:fontRef idx="minor">
+            <a:schemeClr val="tx1"/>
+          </a:fontRef>
+        </p:style>
+      </p:cxnSp>
+      <p:pic>
+        <p:nvPicPr>
+          <p:cNvPr id="7" name="그림 6">
+            <a:extLst>
+              <a:ext uri="{FF2B5EF4-FFF2-40B4-BE49-F238E27FC236}">
+                <a16:creationId xmlns:a16="http://schemas.microsoft.com/office/drawing/2014/main" id="{31071FF2-711C-9AC0-979E-627D186D88EE}"/>
+              </a:ext>
+            </a:extLst>
+          </p:cNvPr>
+          <p:cNvPicPr>
+            <a:picLocks noChangeAspect="1"/>
+          </p:cNvPicPr>
+          <p:nvPr userDrawn="1"/>
+        </p:nvPicPr>
+        <p:blipFill>
+          <a:blip r:embed="rId2"/>
+          <a:stretch>
+            <a:fillRect/>
+          </a:stretch>
+        </p:blipFill>
+        <p:spPr>
+          <a:xfrm>
+            <a:off x="3969217" y="4774459"/>
+            <a:ext cx="1205565" cy="370178"/>
+          </a:xfrm>
+          <a:prstGeom prst="rect">
+            <a:avLst/>
+          </a:prstGeom>
+        </p:spPr>
+      </p:pic>
+      <p:sp>
+        <p:nvSpPr>
+          <p:cNvPr id="9" name="텍스트 개체 틀 52">
+            <a:extLst>
+              <a:ext uri="{FF2B5EF4-FFF2-40B4-BE49-F238E27FC236}">
+                <a16:creationId xmlns:a16="http://schemas.microsoft.com/office/drawing/2014/main" id="{37DA8257-444C-E0A5-7F79-6D33BD15381C}"/>
+              </a:ext>
+            </a:extLst>
+          </p:cNvPr>
+          <p:cNvSpPr>
+            <a:spLocks noGrp="1"/>
+          </p:cNvSpPr>
+          <p:nvPr>
+            <p:ph type="body" sz="quarter" idx="10" hasCustomPrompt="1"/>
+          </p:nvPr>
+        </p:nvSpPr>
+        <p:spPr>
+          <a:xfrm>
+            <a:off x="1904044" y="108472"/>
+            <a:ext cx="5335912" cy="260568"/>
+          </a:xfrm>
+          <a:prstGeom prst="rect">
+            <a:avLst/>
+          </a:prstGeom>
+        </p:spPr>
+        <p:txBody>
+          <a:bodyPr wrap="square">
+            <a:spAutoFit/>
+          </a:bodyPr>
+          <a:lstStyle>
+            <a:lvl1pPr marL="0" indent="0" algn="ctr" defTabSz="914400" rtl="0" eaLnBrk="1" latinLnBrk="0" hangingPunct="1">
+              <a:lnSpc>
+                <a:spcPct val="100000"/>
+              </a:lnSpc>
+              <a:buFontTx/>
+              <a:buNone/>
+              <a:defRPr kumimoji="1" lang="ko-KR" altLang="en-US" sz="1100" b="1" kern="1200" dirty="0" smtClean="0">
+                <a:solidFill>
+                  <a:schemeClr val="tx1"/>
+                </a:solidFill>
+                <a:latin typeface="Gilroy SemiBold" pitchFamily="2" charset="0"/>
+                <a:ea typeface="Pretendard ExtraBold" panose="02000503000000020004" pitchFamily="2" charset="-127"/>
+                <a:cs typeface="Pretendard ExtraBold" panose="02000503000000020004" pitchFamily="2" charset="-127"/>
+              </a:defRPr>
+            </a:lvl1pPr>
+            <a:lvl2pPr marL="0" indent="0" algn="l" defTabSz="914400" rtl="0" eaLnBrk="1" latinLnBrk="0" hangingPunct="1">
+              <a:buFontTx/>
+              <a:buNone/>
+              <a:defRPr kumimoji="1" lang="ko-KR" altLang="en-US" sz="1100" b="1" kern="1200" dirty="0" smtClean="0">
+                <a:solidFill>
+                  <a:schemeClr val="tx1"/>
+                </a:solidFill>
+                <a:latin typeface="Gilroy SemiBold" pitchFamily="2" charset="0"/>
+                <a:ea typeface="Pretendard ExtraBold" panose="02000503000000020004" pitchFamily="2" charset="-127"/>
+                <a:cs typeface="Pretendard ExtraBold" panose="02000503000000020004" pitchFamily="2" charset="-127"/>
+              </a:defRPr>
+            </a:lvl2pPr>
+            <a:lvl3pPr marL="0" indent="0" algn="l" defTabSz="914400" rtl="0" eaLnBrk="1" latinLnBrk="0" hangingPunct="1">
+              <a:buFontTx/>
+              <a:buNone/>
+              <a:defRPr kumimoji="1" lang="ko-KR" altLang="en-US" sz="1100" b="1" kern="1200" dirty="0" smtClean="0">
+                <a:solidFill>
+                  <a:schemeClr val="tx1"/>
+                </a:solidFill>
+                <a:latin typeface="Gilroy SemiBold" pitchFamily="2" charset="0"/>
+                <a:ea typeface="Pretendard ExtraBold" panose="02000503000000020004" pitchFamily="2" charset="-127"/>
+                <a:cs typeface="Pretendard ExtraBold" panose="02000503000000020004" pitchFamily="2" charset="-127"/>
+              </a:defRPr>
+            </a:lvl3pPr>
+            <a:lvl4pPr marL="0" indent="0" algn="l" defTabSz="914400" rtl="0" eaLnBrk="1" latinLnBrk="0" hangingPunct="1">
+              <a:buFontTx/>
+              <a:buNone/>
+              <a:defRPr kumimoji="1" lang="ko-KR" altLang="en-US" sz="1100" b="1" kern="1200" dirty="0" smtClean="0">
+                <a:solidFill>
+                  <a:schemeClr val="tx1"/>
+                </a:solidFill>
+                <a:latin typeface="Gilroy SemiBold" pitchFamily="2" charset="0"/>
+                <a:ea typeface="Pretendard ExtraBold" panose="02000503000000020004" pitchFamily="2" charset="-127"/>
+                <a:cs typeface="Pretendard ExtraBold" panose="02000503000000020004" pitchFamily="2" charset="-127"/>
+              </a:defRPr>
+            </a:lvl4pPr>
+            <a:lvl5pPr marL="0" indent="0" algn="l" defTabSz="914400" rtl="0" eaLnBrk="1" latinLnBrk="0" hangingPunct="1">
+              <a:buFontTx/>
+              <a:buNone/>
+              <a:defRPr kumimoji="1" lang="ko-Kore-KR" altLang="en-US" sz="1100" b="1" kern="1200" dirty="0">
+                <a:solidFill>
+                  <a:schemeClr val="tx1"/>
+                </a:solidFill>
+                <a:latin typeface="Gilroy SemiBold" pitchFamily="2" charset="0"/>
+                <a:ea typeface="Pretendard ExtraBold" panose="02000503000000020004" pitchFamily="2" charset="-127"/>
+                <a:cs typeface="Pretendard ExtraBold" panose="02000503000000020004" pitchFamily="2" charset="-127"/>
+              </a:defRPr>
+            </a:lvl5pPr>
+          </a:lstStyle>
+          <a:p>
+            <a:r>
+              <a:rPr kumimoji="1" lang="en-US" altLang="ko-Kore-KR" sz="1100" b="1" dirty="0">
+                <a:latin typeface="Gilroy SemiBold" pitchFamily="2" charset="0"/>
+                <a:ea typeface="Pretendard ExtraBold" panose="02000503000000020004" pitchFamily="2" charset="-127"/>
+                <a:cs typeface="Pretendard ExtraBold" panose="02000503000000020004" pitchFamily="2" charset="-127"/>
+              </a:rPr>
+              <a:t>CLIP</a:t>
+            </a:r>
+            <a:endParaRPr kumimoji="1" lang="ko-Kore-KR" altLang="en-US" sz="1100" b="1" dirty="0">
+              <a:latin typeface="Gilroy SemiBold" pitchFamily="2" charset="0"/>
+              <a:ea typeface="Pretendard ExtraBold" panose="02000503000000020004" pitchFamily="2" charset="-127"/>
+              <a:cs typeface="Pretendard ExtraBold" panose="02000503000000020004" pitchFamily="2" charset="-127"/>
+            </a:endParaRPr>
+          </a:p>
+        </p:txBody>
+      </p:sp>
     </p:spTree>
     <p:extLst>
       <p:ext uri="{BB962C8B-B14F-4D97-AF65-F5344CB8AC3E}">
-        <p14:creationId xmlns:p14="http://schemas.microsoft.com/office/powerpoint/2010/main" val="2962454733"/>
+        <p14:creationId xmlns:p14="http://schemas.microsoft.com/office/powerpoint/2010/main" val="850186334"/>
       </p:ext>
     </p:extLst>
   </p:cSld>
@@ -5148,430 +6612,7 @@
 </file>
 
 <file path=ppt/slideLayouts/slideLayout4.xml><?xml version="1.0" encoding="utf-8"?>
-<p:sldLayout xmlns:a="http://schemas.openxmlformats.org/drawingml/2006/main" xmlns:r="http://schemas.openxmlformats.org/officeDocument/2006/relationships" xmlns:p="http://schemas.openxmlformats.org/presentationml/2006/main" type="title" preserve="1">
-  <p:cSld name="3_제목 슬라이드">
-    <p:bg>
-      <p:bgPr>
-        <a:blipFill dpi="0" rotWithShape="1">
-          <a:blip r:embed="rId2">
-            <a:lum/>
-          </a:blip>
-          <a:srcRect/>
-          <a:stretch>
-            <a:fillRect/>
-          </a:stretch>
-        </a:blipFill>
-        <a:effectLst/>
-      </p:bgPr>
-    </p:bg>
-    <p:spTree>
-      <p:nvGrpSpPr>
-        <p:cNvPr id="1" name=""/>
-        <p:cNvGrpSpPr/>
-        <p:nvPr/>
-      </p:nvGrpSpPr>
-      <p:grpSpPr>
-        <a:xfrm>
-          <a:off x="0" y="0"/>
-          <a:ext cx="0" cy="0"/>
-          <a:chOff x="0" y="0"/>
-          <a:chExt cx="0" cy="0"/>
-        </a:xfrm>
-      </p:grpSpPr>
-      <p:sp>
-        <p:nvSpPr>
-          <p:cNvPr id="2" name="Title 1"/>
-          <p:cNvSpPr>
-            <a:spLocks noGrp="1"/>
-          </p:cNvSpPr>
-          <p:nvPr>
-            <p:ph type="ctrTitle"/>
-          </p:nvPr>
-        </p:nvSpPr>
-        <p:spPr>
-          <a:xfrm>
-            <a:off x="664366" y="1356118"/>
-            <a:ext cx="6858000" cy="629841"/>
-          </a:xfrm>
-        </p:spPr>
-        <p:txBody>
-          <a:bodyPr anchor="ctr" anchorCtr="0"/>
-          <a:lstStyle>
-            <a:lvl1pPr algn="r">
-              <a:defRPr sz="2800">
-                <a:latin typeface="Spoqa Han Sans Neo Bold" panose="020B0800000000000000" pitchFamily="50" charset="-127"/>
-                <a:ea typeface="Spoqa Han Sans Neo Bold" panose="020B0800000000000000" pitchFamily="50" charset="-127"/>
-              </a:defRPr>
-            </a:lvl1pPr>
-          </a:lstStyle>
-          <a:p>
-            <a:r>
-              <a:rPr lang="ko-KR" altLang="en-US" dirty="0"/>
-              <a:t>마스터 제목 스타일 편집</a:t>
-            </a:r>
-            <a:endParaRPr lang="en-US" dirty="0"/>
-          </a:p>
-        </p:txBody>
-      </p:sp>
-      <p:sp>
-        <p:nvSpPr>
-          <p:cNvPr id="3" name="Subtitle 2"/>
-          <p:cNvSpPr>
-            <a:spLocks noGrp="1"/>
-          </p:cNvSpPr>
-          <p:nvPr>
-            <p:ph type="subTitle" idx="1"/>
-          </p:nvPr>
-        </p:nvSpPr>
-        <p:spPr>
-          <a:xfrm>
-            <a:off x="664365" y="2001434"/>
-            <a:ext cx="6858000" cy="377428"/>
-          </a:xfrm>
-        </p:spPr>
-        <p:txBody>
-          <a:bodyPr vert="horz" lIns="91440" tIns="45720" rIns="91440" bIns="45720" rtlCol="0" anchor="ctr" anchorCtr="0">
-            <a:normAutofit/>
-          </a:bodyPr>
-          <a:lstStyle>
-            <a:lvl1pPr>
-              <a:defRPr lang="en-US" sz="1300" dirty="0">
-                <a:latin typeface="Spoqa Han Sans Neo Bold" panose="020B0800000000000000" pitchFamily="50" charset="-127"/>
-                <a:ea typeface="Spoqa Han Sans Neo Bold" panose="020B0800000000000000" pitchFamily="50" charset="-127"/>
-                <a:cs typeface="+mj-cs"/>
-              </a:defRPr>
-            </a:lvl1pPr>
-          </a:lstStyle>
-          <a:p>
-            <a:pPr lvl="0" algn="r">
-              <a:spcBef>
-                <a:spcPct val="0"/>
-              </a:spcBef>
-              <a:buNone/>
-            </a:pPr>
-            <a:r>
-              <a:rPr lang="ko-KR" altLang="en-US" dirty="0"/>
-              <a:t>클릭하여 마스터 부제목 스타일 편집</a:t>
-            </a:r>
-            <a:endParaRPr lang="en-US" dirty="0"/>
-          </a:p>
-        </p:txBody>
-      </p:sp>
-    </p:spTree>
-    <p:extLst>
-      <p:ext uri="{BB962C8B-B14F-4D97-AF65-F5344CB8AC3E}">
-        <p14:creationId xmlns:p14="http://schemas.microsoft.com/office/powerpoint/2010/main" val="2241845978"/>
-      </p:ext>
-    </p:extLst>
-  </p:cSld>
-  <p:clrMapOvr>
-    <a:masterClrMapping/>
-  </p:clrMapOvr>
-  <p:extLst>
-    <p:ext uri="{DCECCB84-F9BA-43D5-87BE-67443E8EF086}">
-      <p15:sldGuideLst xmlns:p15="http://schemas.microsoft.com/office/powerpoint/2012/main">
-        <p15:guide id="1" orient="horz" pos="1620">
-          <p15:clr>
-            <a:srgbClr val="FBAE40"/>
-          </p15:clr>
-        </p15:guide>
-        <p15:guide id="2" pos="2880">
-          <p15:clr>
-            <a:srgbClr val="FBAE40"/>
-          </p15:clr>
-        </p15:guide>
-      </p15:sldGuideLst>
-    </p:ext>
-  </p:extLst>
-</p:sldLayout>
-</file>
-
-<file path=ppt/slideLayouts/slideLayout5.xml><?xml version="1.0" encoding="utf-8"?>
-<p:sldLayout xmlns:a="http://schemas.openxmlformats.org/drawingml/2006/main" xmlns:r="http://schemas.openxmlformats.org/officeDocument/2006/relationships" xmlns:p="http://schemas.openxmlformats.org/presentationml/2006/main" type="title" preserve="1">
-  <p:cSld name="4_제목 슬라이드">
-    <p:bg>
-      <p:bgPr>
-        <a:blipFill dpi="0" rotWithShape="1">
-          <a:blip r:embed="rId2">
-            <a:lum/>
-          </a:blip>
-          <a:srcRect/>
-          <a:stretch>
-            <a:fillRect/>
-          </a:stretch>
-        </a:blipFill>
-        <a:effectLst/>
-      </p:bgPr>
-    </p:bg>
-    <p:spTree>
-      <p:nvGrpSpPr>
-        <p:cNvPr id="1" name=""/>
-        <p:cNvGrpSpPr/>
-        <p:nvPr/>
-      </p:nvGrpSpPr>
-      <p:grpSpPr>
-        <a:xfrm>
-          <a:off x="0" y="0"/>
-          <a:ext cx="0" cy="0"/>
-          <a:chOff x="0" y="0"/>
-          <a:chExt cx="0" cy="0"/>
-        </a:xfrm>
-      </p:grpSpPr>
-      <p:sp>
-        <p:nvSpPr>
-          <p:cNvPr id="2" name="Title 1"/>
-          <p:cNvSpPr>
-            <a:spLocks noGrp="1"/>
-          </p:cNvSpPr>
-          <p:nvPr>
-            <p:ph type="ctrTitle"/>
-          </p:nvPr>
-        </p:nvSpPr>
-        <p:spPr>
-          <a:xfrm>
-            <a:off x="664366" y="1356118"/>
-            <a:ext cx="6858000" cy="629841"/>
-          </a:xfrm>
-        </p:spPr>
-        <p:txBody>
-          <a:bodyPr anchor="ctr" anchorCtr="0"/>
-          <a:lstStyle>
-            <a:lvl1pPr algn="r">
-              <a:defRPr sz="2800">
-                <a:latin typeface="Spoqa Han Sans Neo Bold" panose="020B0800000000000000" pitchFamily="50" charset="-127"/>
-                <a:ea typeface="Spoqa Han Sans Neo Bold" panose="020B0800000000000000" pitchFamily="50" charset="-127"/>
-              </a:defRPr>
-            </a:lvl1pPr>
-          </a:lstStyle>
-          <a:p>
-            <a:r>
-              <a:rPr lang="ko-KR" altLang="en-US" dirty="0"/>
-              <a:t>마스터 제목 스타일 편집</a:t>
-            </a:r>
-            <a:endParaRPr lang="en-US" dirty="0"/>
-          </a:p>
-        </p:txBody>
-      </p:sp>
-      <p:sp>
-        <p:nvSpPr>
-          <p:cNvPr id="3" name="Subtitle 2"/>
-          <p:cNvSpPr>
-            <a:spLocks noGrp="1"/>
-          </p:cNvSpPr>
-          <p:nvPr>
-            <p:ph type="subTitle" idx="1"/>
-          </p:nvPr>
-        </p:nvSpPr>
-        <p:spPr>
-          <a:xfrm>
-            <a:off x="664365" y="2001434"/>
-            <a:ext cx="6858000" cy="377428"/>
-          </a:xfrm>
-        </p:spPr>
-        <p:txBody>
-          <a:bodyPr vert="horz" lIns="91440" tIns="45720" rIns="91440" bIns="45720" rtlCol="0" anchor="ctr" anchorCtr="0">
-            <a:normAutofit/>
-          </a:bodyPr>
-          <a:lstStyle>
-            <a:lvl1pPr>
-              <a:defRPr lang="en-US" sz="1300" dirty="0">
-                <a:latin typeface="Spoqa Han Sans Neo Bold" panose="020B0800000000000000" pitchFamily="50" charset="-127"/>
-                <a:ea typeface="Spoqa Han Sans Neo Bold" panose="020B0800000000000000" pitchFamily="50" charset="-127"/>
-                <a:cs typeface="+mj-cs"/>
-              </a:defRPr>
-            </a:lvl1pPr>
-          </a:lstStyle>
-          <a:p>
-            <a:pPr lvl="0" algn="r">
-              <a:spcBef>
-                <a:spcPct val="0"/>
-              </a:spcBef>
-              <a:buNone/>
-            </a:pPr>
-            <a:r>
-              <a:rPr lang="ko-KR" altLang="en-US" dirty="0"/>
-              <a:t>클릭하여 마스터 부제목 스타일 편집</a:t>
-            </a:r>
-            <a:endParaRPr lang="en-US" dirty="0"/>
-          </a:p>
-        </p:txBody>
-      </p:sp>
-    </p:spTree>
-    <p:extLst>
-      <p:ext uri="{BB962C8B-B14F-4D97-AF65-F5344CB8AC3E}">
-        <p14:creationId xmlns:p14="http://schemas.microsoft.com/office/powerpoint/2010/main" val="2368410905"/>
-      </p:ext>
-    </p:extLst>
-  </p:cSld>
-  <p:clrMapOvr>
-    <a:masterClrMapping/>
-  </p:clrMapOvr>
-  <p:extLst>
-    <p:ext uri="{DCECCB84-F9BA-43D5-87BE-67443E8EF086}">
-      <p15:sldGuideLst xmlns:p15="http://schemas.microsoft.com/office/powerpoint/2012/main">
-        <p15:guide id="1" orient="horz" pos="1620">
-          <p15:clr>
-            <a:srgbClr val="FBAE40"/>
-          </p15:clr>
-        </p15:guide>
-        <p15:guide id="2" pos="2880">
-          <p15:clr>
-            <a:srgbClr val="FBAE40"/>
-          </p15:clr>
-        </p15:guide>
-      </p15:sldGuideLst>
-    </p:ext>
-  </p:extLst>
-</p:sldLayout>
-</file>
-
-<file path=ppt/slideLayouts/slideLayout6.xml><?xml version="1.0" encoding="utf-8"?>
-<p:sldLayout xmlns:a="http://schemas.openxmlformats.org/drawingml/2006/main" xmlns:r="http://schemas.openxmlformats.org/officeDocument/2006/relationships" xmlns:p="http://schemas.openxmlformats.org/presentationml/2006/main" type="title" preserve="1">
-  <p:cSld name="7_제목 슬라이드">
-    <p:bg>
-      <p:bgPr>
-        <a:blipFill dpi="0" rotWithShape="1">
-          <a:blip r:embed="rId2">
-            <a:lum/>
-          </a:blip>
-          <a:srcRect/>
-          <a:stretch>
-            <a:fillRect/>
-          </a:stretch>
-        </a:blipFill>
-        <a:effectLst/>
-      </p:bgPr>
-    </p:bg>
-    <p:spTree>
-      <p:nvGrpSpPr>
-        <p:cNvPr id="1" name=""/>
-        <p:cNvGrpSpPr/>
-        <p:nvPr/>
-      </p:nvGrpSpPr>
-      <p:grpSpPr>
-        <a:xfrm>
-          <a:off x="0" y="0"/>
-          <a:ext cx="0" cy="0"/>
-          <a:chOff x="0" y="0"/>
-          <a:chExt cx="0" cy="0"/>
-        </a:xfrm>
-      </p:grpSpPr>
-      <p:sp>
-        <p:nvSpPr>
-          <p:cNvPr id="2" name="Title 1"/>
-          <p:cNvSpPr>
-            <a:spLocks noGrp="1"/>
-          </p:cNvSpPr>
-          <p:nvPr>
-            <p:ph type="ctrTitle"/>
-          </p:nvPr>
-        </p:nvSpPr>
-        <p:spPr>
-          <a:xfrm>
-            <a:off x="664366" y="1356118"/>
-            <a:ext cx="6858000" cy="629841"/>
-          </a:xfrm>
-        </p:spPr>
-        <p:txBody>
-          <a:bodyPr anchor="ctr" anchorCtr="0"/>
-          <a:lstStyle>
-            <a:lvl1pPr algn="r">
-              <a:defRPr sz="2800">
-                <a:solidFill>
-                  <a:schemeClr val="bg1"/>
-                </a:solidFill>
-                <a:latin typeface="Spoqa Han Sans Neo Bold" panose="020B0800000000000000" pitchFamily="50" charset="-127"/>
-                <a:ea typeface="Spoqa Han Sans Neo Bold" panose="020B0800000000000000" pitchFamily="50" charset="-127"/>
-              </a:defRPr>
-            </a:lvl1pPr>
-          </a:lstStyle>
-          <a:p>
-            <a:r>
-              <a:rPr lang="ko-KR" altLang="en-US" dirty="0"/>
-              <a:t>마스터 제목 스타일 편집</a:t>
-            </a:r>
-            <a:endParaRPr lang="en-US" dirty="0"/>
-          </a:p>
-        </p:txBody>
-      </p:sp>
-      <p:sp>
-        <p:nvSpPr>
-          <p:cNvPr id="3" name="Subtitle 2"/>
-          <p:cNvSpPr>
-            <a:spLocks noGrp="1"/>
-          </p:cNvSpPr>
-          <p:nvPr>
-            <p:ph type="subTitle" idx="1"/>
-          </p:nvPr>
-        </p:nvSpPr>
-        <p:spPr>
-          <a:xfrm>
-            <a:off x="664365" y="2001434"/>
-            <a:ext cx="6858000" cy="377428"/>
-          </a:xfrm>
-        </p:spPr>
-        <p:txBody>
-          <a:bodyPr vert="horz" lIns="91440" tIns="45720" rIns="91440" bIns="45720" rtlCol="0" anchor="ctr" anchorCtr="0">
-            <a:normAutofit/>
-          </a:bodyPr>
-          <a:lstStyle>
-            <a:lvl1pPr>
-              <a:defRPr lang="en-US" sz="1300" dirty="0">
-                <a:solidFill>
-                  <a:schemeClr val="bg1"/>
-                </a:solidFill>
-                <a:latin typeface="Spoqa Han Sans Neo Bold" panose="020B0800000000000000" pitchFamily="50" charset="-127"/>
-                <a:ea typeface="Spoqa Han Sans Neo Bold" panose="020B0800000000000000" pitchFamily="50" charset="-127"/>
-                <a:cs typeface="+mj-cs"/>
-              </a:defRPr>
-            </a:lvl1pPr>
-          </a:lstStyle>
-          <a:p>
-            <a:pPr lvl="0" algn="r">
-              <a:spcBef>
-                <a:spcPct val="0"/>
-              </a:spcBef>
-              <a:buNone/>
-            </a:pPr>
-            <a:r>
-              <a:rPr lang="ko-KR" altLang="en-US" dirty="0"/>
-              <a:t>클릭하여 마스터 부제목 스타일 편집</a:t>
-            </a:r>
-            <a:endParaRPr lang="en-US" dirty="0"/>
-          </a:p>
-        </p:txBody>
-      </p:sp>
-    </p:spTree>
-    <p:extLst>
-      <p:ext uri="{BB962C8B-B14F-4D97-AF65-F5344CB8AC3E}">
-        <p14:creationId xmlns:p14="http://schemas.microsoft.com/office/powerpoint/2010/main" val="3729108942"/>
-      </p:ext>
-    </p:extLst>
-  </p:cSld>
-  <p:clrMapOvr>
-    <a:masterClrMapping/>
-  </p:clrMapOvr>
-  <p:extLst>
-    <p:ext uri="{DCECCB84-F9BA-43D5-87BE-67443E8EF086}">
-      <p15:sldGuideLst xmlns:p15="http://schemas.microsoft.com/office/powerpoint/2012/main">
-        <p15:guide id="1" orient="horz" pos="1620">
-          <p15:clr>
-            <a:srgbClr val="FBAE40"/>
-          </p15:clr>
-        </p15:guide>
-        <p15:guide id="2" pos="2880">
-          <p15:clr>
-            <a:srgbClr val="FBAE40"/>
-          </p15:clr>
-        </p15:guide>
-      </p15:sldGuideLst>
-    </p:ext>
-  </p:extLst>
-</p:sldLayout>
-</file>
-
-<file path=ppt/slideLayouts/slideLayout7.xml><?xml version="1.0" encoding="utf-8"?>
-<p:sldLayout xmlns:a="http://schemas.openxmlformats.org/drawingml/2006/main" xmlns:r="http://schemas.openxmlformats.org/officeDocument/2006/relationships" xmlns:p="http://schemas.openxmlformats.org/presentationml/2006/main" type="obj" preserve="1">
+<p:sldLayout xmlns:a="http://schemas.openxmlformats.org/drawingml/2006/main" xmlns:r="http://schemas.openxmlformats.org/officeDocument/2006/relationships" xmlns:p="http://schemas.openxmlformats.org/presentationml/2006/main" type="obj">
   <p:cSld name="제목 및 내용">
     <p:bg>
       <p:bgPr>
@@ -5765,7 +6806,7 @@
     </p:spTree>
     <p:extLst>
       <p:ext uri="{BB962C8B-B14F-4D97-AF65-F5344CB8AC3E}">
-        <p14:creationId xmlns:p14="http://schemas.microsoft.com/office/powerpoint/2010/main" val="2925648918"/>
+        <p14:creationId xmlns:p14="http://schemas.microsoft.com/office/powerpoint/2010/main" val="1255733067"/>
       </p:ext>
     </p:extLst>
   </p:cSld>
@@ -5775,12 +6816,12 @@
   <p:extLst>
     <p:ext uri="{DCECCB84-F9BA-43D5-87BE-67443E8EF086}">
       <p15:sldGuideLst xmlns:p15="http://schemas.microsoft.com/office/powerpoint/2012/main">
-        <p15:guide id="1" orient="horz" pos="1620" userDrawn="1">
+        <p15:guide id="1" orient="horz" pos="1620">
           <p15:clr>
             <a:srgbClr val="FBAE40"/>
           </p15:clr>
         </p15:guide>
-        <p15:guide id="2" pos="2880" userDrawn="1">
+        <p15:guide id="2" pos="2880">
           <p15:clr>
             <a:srgbClr val="FBAE40"/>
           </p15:clr>
@@ -5792,19 +6833,13 @@
 </file>
 
 <file path=ppt/slideMasters/slideMaster1.xml><?xml version="1.0" encoding="utf-8"?>
-<p:sldMaster xmlns:a="http://schemas.openxmlformats.org/drawingml/2006/main" xmlns:r="http://schemas.openxmlformats.org/officeDocument/2006/relationships" xmlns:p="http://schemas.openxmlformats.org/presentationml/2006/main">
+<p:sldMaster xmlns:a="http://schemas.openxmlformats.org/drawingml/2006/main" xmlns:r="http://schemas.openxmlformats.org/officeDocument/2006/relationships" xmlns:p="http://schemas.openxmlformats.org/presentationml/2006/main" preserve="1">
   <p:cSld>
     <p:bg>
       <p:bgPr>
-        <a:blipFill dpi="0" rotWithShape="1">
-          <a:blip r:embed="rId9">
-            <a:lum/>
-          </a:blip>
-          <a:srcRect/>
-          <a:stretch>
-            <a:fillRect/>
-          </a:stretch>
-        </a:blipFill>
+        <a:solidFill>
+          <a:schemeClr val="bg1"/>
+        </a:solidFill>
         <a:effectLst/>
       </p:bgPr>
     </p:bg>
@@ -5822,140 +6857,21 @@
           <a:chExt cx="0" cy="0"/>
         </a:xfrm>
       </p:grpSpPr>
-      <p:sp>
-        <p:nvSpPr>
-          <p:cNvPr id="2" name="Title Placeholder 1"/>
-          <p:cNvSpPr>
-            <a:spLocks noGrp="1"/>
-          </p:cNvSpPr>
-          <p:nvPr>
-            <p:ph type="title"/>
-          </p:nvPr>
-        </p:nvSpPr>
-        <p:spPr>
-          <a:xfrm>
-            <a:off x="628650" y="581033"/>
-            <a:ext cx="7886700" cy="533396"/>
-          </a:xfrm>
-          <a:prstGeom prst="rect">
-            <a:avLst/>
-          </a:prstGeom>
-        </p:spPr>
-        <p:txBody>
-          <a:bodyPr vert="horz" lIns="0" tIns="45720" rIns="91440" bIns="45720" rtlCol="0" anchor="t" anchorCtr="0">
-            <a:normAutofit/>
-          </a:bodyPr>
-          <a:lstStyle/>
-          <a:p>
-            <a:pPr lvl="0"/>
-            <a:r>
-              <a:rPr lang="ko-KR" altLang="en-US"/>
-              <a:t>마스터 제목 스타일 편집</a:t>
-            </a:r>
-            <a:endParaRPr lang="en-US" dirty="0"/>
-          </a:p>
-        </p:txBody>
-      </p:sp>
-      <p:sp>
-        <p:nvSpPr>
-          <p:cNvPr id="3" name="Text Placeholder 2"/>
-          <p:cNvSpPr>
-            <a:spLocks noGrp="1"/>
-          </p:cNvSpPr>
-          <p:nvPr>
-            <p:ph type="body" idx="1"/>
-          </p:nvPr>
-        </p:nvSpPr>
-        <p:spPr>
-          <a:xfrm>
-            <a:off x="628650" y="1200150"/>
-            <a:ext cx="7886700" cy="3943349"/>
-          </a:xfrm>
-          <a:prstGeom prst="rect">
-            <a:avLst/>
-          </a:prstGeom>
-        </p:spPr>
-        <p:txBody>
-          <a:bodyPr vert="horz" lIns="91440" tIns="45720" rIns="91440" bIns="45720" rtlCol="0">
-            <a:normAutofit/>
-          </a:bodyPr>
-          <a:lstStyle/>
-          <a:p>
-            <a:pPr marL="0" lvl="0" indent="0">
-              <a:spcAft>
-                <a:spcPts val="800"/>
-              </a:spcAft>
-              <a:buNone/>
-            </a:pPr>
-            <a:r>
-              <a:rPr lang="ko-KR" altLang="en-US" dirty="0"/>
-              <a:t>마스터 텍스트 스타일을 편집하려면 클릭</a:t>
-            </a:r>
-          </a:p>
-          <a:p>
-            <a:pPr marL="357188" lvl="1">
-              <a:spcAft>
-                <a:spcPts val="800"/>
-              </a:spcAft>
-            </a:pPr>
-            <a:r>
-              <a:rPr lang="ko-KR" altLang="en-US" dirty="0"/>
-              <a:t>두 번째 수준</a:t>
-            </a:r>
-          </a:p>
-          <a:p>
-            <a:pPr marL="536575" lvl="2">
-              <a:spcAft>
-                <a:spcPts val="800"/>
-              </a:spcAft>
-            </a:pPr>
-            <a:r>
-              <a:rPr lang="ko-KR" altLang="en-US" dirty="0"/>
-              <a:t>세 번째 수준</a:t>
-            </a:r>
-          </a:p>
-          <a:p>
-            <a:pPr marL="714375" lvl="3">
-              <a:spcAft>
-                <a:spcPts val="800"/>
-              </a:spcAft>
-            </a:pPr>
-            <a:r>
-              <a:rPr lang="ko-KR" altLang="en-US" dirty="0"/>
-              <a:t>네 번째 수준</a:t>
-            </a:r>
-          </a:p>
-          <a:p>
-            <a:pPr marL="900113" lvl="4">
-              <a:spcAft>
-                <a:spcPts val="800"/>
-              </a:spcAft>
-            </a:pPr>
-            <a:r>
-              <a:rPr lang="ko-KR" altLang="en-US" dirty="0"/>
-              <a:t>다섯 번째 수준</a:t>
-            </a:r>
-            <a:endParaRPr lang="en-US" dirty="0"/>
-          </a:p>
-        </p:txBody>
-      </p:sp>
     </p:spTree>
     <p:extLst>
       <p:ext uri="{BB962C8B-B14F-4D97-AF65-F5344CB8AC3E}">
-        <p14:creationId xmlns:p14="http://schemas.microsoft.com/office/powerpoint/2010/main" val="129698848"/>
+        <p14:creationId xmlns:p14="http://schemas.microsoft.com/office/powerpoint/2010/main" val="3916565463"/>
       </p:ext>
     </p:extLst>
   </p:cSld>
   <p:clrMap bg1="lt1" tx1="dk1" bg2="lt2" tx2="dk2" accent1="accent1" accent2="accent2" accent3="accent3" accent4="accent4" accent5="accent5" accent6="accent6" hlink="hlink" folHlink="folHlink"/>
   <p:sldLayoutIdLst>
-    <p:sldLayoutId id="2147483666" r:id="rId1"/>
-    <p:sldLayoutId id="2147483669" r:id="rId2"/>
-    <p:sldLayoutId id="2147483670" r:id="rId3"/>
-    <p:sldLayoutId id="2147483671" r:id="rId4"/>
-    <p:sldLayoutId id="2147483672" r:id="rId5"/>
-    <p:sldLayoutId id="2147483668" r:id="rId6"/>
-    <p:sldLayoutId id="2147483667" r:id="rId7"/>
+    <p:sldLayoutId id="2147483674" r:id="rId1"/>
+    <p:sldLayoutId id="2147483675" r:id="rId2"/>
+    <p:sldLayoutId id="2147483676" r:id="rId3"/>
+    <p:sldLayoutId id="2147483677" r:id="rId4"/>
   </p:sldLayoutIdLst>
+  <p:hf sldNum="0" hdr="0" dt="0"/>
   <p:txStyles>
     <p:titleStyle>
       <a:lvl1pPr algn="l" defTabSz="685800" rtl="0" eaLnBrk="1" latinLnBrk="1" hangingPunct="1">
@@ -5966,13 +6882,15 @@
           <a:spcPct val="0"/>
         </a:spcBef>
         <a:buNone/>
-        <a:defRPr lang="en-US" altLang="en-US" sz="1100" kern="1200" dirty="0">
+        <a:defRPr lang="ko-KR" altLang="en-US" sz="800" kern="1200" smtClean="0">
           <a:solidFill>
-            <a:schemeClr val="tx1"/>
+            <a:schemeClr val="tx1">
+              <a:tint val="82000"/>
+            </a:schemeClr>
           </a:solidFill>
-          <a:latin typeface="Spoqa Han Sans Neo Bold" panose="020B0800000000000000" pitchFamily="50" charset="-127"/>
-          <a:ea typeface="Spoqa Han Sans Neo Bold" panose="020B0800000000000000" pitchFamily="50" charset="-127"/>
-          <a:cs typeface="+mj-cs"/>
+          <a:latin typeface="Gilroy SemiBold" panose="00000700000000000000" pitchFamily="50" charset="0"/>
+          <a:ea typeface="+mn-ea"/>
+          <a:cs typeface="+mn-cs"/>
         </a:defRPr>
       </a:lvl1pPr>
     </p:titleStyle>
@@ -6239,12 +7157,12 @@
   <p:extLst>
     <p:ext uri="{27BBF7A9-308A-43DC-89C8-2F10F3537804}">
       <p15:sldGuideLst xmlns:p15="http://schemas.microsoft.com/office/powerpoint/2012/main">
-        <p15:guide id="1" orient="horz" pos="1620" userDrawn="1">
+        <p15:guide id="1" orient="horz" pos="1620">
           <p15:clr>
             <a:srgbClr val="F26B43"/>
           </p15:clr>
         </p15:guide>
-        <p15:guide id="2" pos="2880" userDrawn="1">
+        <p15:guide id="2" pos="90">
           <p15:clr>
             <a:srgbClr val="F26B43"/>
           </p15:clr>
@@ -6297,7 +7215,7 @@
           <a:p>
             <a:r>
               <a:rPr lang="ko-KR" altLang="en-US" b="1" dirty="0"/>
-              <a:t>비동기 서비스 부하 테스트</a:t>
+              <a:t>성능 테스트</a:t>
             </a:r>
           </a:p>
         </p:txBody>
@@ -6329,22 +7247,6 @@
               <a:buNone/>
             </a:pPr>
             <a:r>
-              <a:rPr lang="en-US" altLang="ko" b="1" dirty="0">
-                <a:solidFill>
-                  <a:srgbClr val="ED234B"/>
-                </a:solidFill>
-              </a:rPr>
-              <a:t>1</a:t>
-            </a:r>
-            <a:r>
-              <a:rPr lang="ko" altLang="ko-KR" b="1" dirty="0">
-                <a:solidFill>
-                  <a:srgbClr val="ED234B"/>
-                </a:solidFill>
-              </a:rPr>
-              <a:t> </a:t>
-            </a:r>
-            <a:r>
               <a:rPr lang="en-US" altLang="ko-KR" dirty="0"/>
               <a:t>Locust </a:t>
             </a:r>
@@ -6352,6 +7254,31 @@
               <a:rPr lang="ko-KR" altLang="en-US" dirty="0"/>
               <a:t>셋업</a:t>
             </a:r>
+          </a:p>
+        </p:txBody>
+      </p:sp>
+      <p:sp>
+        <p:nvSpPr>
+          <p:cNvPr id="3" name="텍스트 개체 틀 2">
+            <a:extLst>
+              <a:ext uri="{FF2B5EF4-FFF2-40B4-BE49-F238E27FC236}">
+                <a16:creationId xmlns:a16="http://schemas.microsoft.com/office/drawing/2014/main" id="{E21C65F1-9A67-6DF1-F37F-32B1C86BA809}"/>
+              </a:ext>
+            </a:extLst>
+          </p:cNvPr>
+          <p:cNvSpPr>
+            <a:spLocks noGrp="1"/>
+          </p:cNvSpPr>
+          <p:nvPr>
+            <p:ph type="body" sz="quarter" idx="10"/>
+          </p:nvPr>
+        </p:nvSpPr>
+        <p:spPr/>
+        <p:txBody>
+          <a:bodyPr/>
+          <a:lstStyle/>
+          <a:p>
+            <a:endParaRPr lang="ko-KR" altLang="en-US"/>
           </a:p>
         </p:txBody>
       </p:sp>
@@ -6436,16 +7363,6 @@
           </a:bodyPr>
           <a:lstStyle/>
           <a:p>
-            <a:pPr marL="0" indent="0">
-              <a:buNone/>
-            </a:pPr>
-            <a:r>
-              <a:rPr lang="ko-KR" altLang="en-US" dirty="0"/>
-              <a:t>시나리오</a:t>
-            </a:r>
-            <a:endParaRPr lang="en-US" altLang="ko-KR" dirty="0"/>
-          </a:p>
-          <a:p>
             <a:pPr lvl="1"/>
             <a:r>
               <a:rPr lang="ko-KR" altLang="en-US" dirty="0"/>
@@ -6498,168 +7415,75 @@
       </p:sp>
       <p:sp>
         <p:nvSpPr>
-          <p:cNvPr id="7" name="Google Shape;209;p30">
+          <p:cNvPr id="3" name="내용 개체 틀 2">
             <a:extLst>
               <a:ext uri="{FF2B5EF4-FFF2-40B4-BE49-F238E27FC236}">
-                <a16:creationId xmlns:a16="http://schemas.microsoft.com/office/drawing/2014/main" id="{35F3E219-4EBB-8DE8-0966-E4317399395E}"/>
+                <a16:creationId xmlns:a16="http://schemas.microsoft.com/office/drawing/2014/main" id="{E1DCF220-8BF7-06AD-1C6A-57DEB0C58F87}"/>
               </a:ext>
             </a:extLst>
           </p:cNvPr>
-          <p:cNvSpPr/>
-          <p:nvPr/>
-        </p:nvSpPr>
-        <p:spPr>
-          <a:xfrm>
-            <a:off x="7811013" y="528014"/>
-            <a:ext cx="952500" cy="298200"/>
-          </a:xfrm>
-          <a:prstGeom prst="rect">
-            <a:avLst/>
-          </a:prstGeom>
-          <a:noFill/>
-          <a:ln>
-            <a:noFill/>
-          </a:ln>
-        </p:spPr>
-        <p:txBody>
-          <a:bodyPr spcFirstLastPara="1" wrap="square" lIns="19050" tIns="19050" rIns="19050" bIns="19050" anchor="t" anchorCtr="0">
-            <a:noAutofit/>
-          </a:bodyPr>
-          <a:lstStyle/>
-          <a:p>
-            <a:pPr marL="63500" marR="0" lvl="1" indent="0" algn="l" rtl="0">
-              <a:lnSpc>
-                <a:spcPct val="90000"/>
-              </a:lnSpc>
-              <a:spcBef>
-                <a:spcPts val="0"/>
-              </a:spcBef>
-              <a:spcAft>
-                <a:spcPts val="0"/>
-              </a:spcAft>
-              <a:buNone/>
-            </a:pPr>
-            <a:r>
-              <a:rPr lang="en-US" altLang="ko" sz="1200" b="1" i="0" u="none" strike="noStrike" cap="none" dirty="0">
-                <a:solidFill>
-                  <a:schemeClr val="bg1"/>
-                </a:solidFill>
-                <a:latin typeface="Arial"/>
-                <a:ea typeface="Arial"/>
-                <a:cs typeface="Arial"/>
-                <a:sym typeface="Arial"/>
-              </a:rPr>
-              <a:t>2</a:t>
-            </a:r>
-            <a:r>
-              <a:rPr lang="ko" sz="1200" b="1" i="0" u="none" strike="noStrike" cap="none" dirty="0">
-                <a:solidFill>
-                  <a:schemeClr val="bg1"/>
-                </a:solidFill>
-                <a:latin typeface="Arial"/>
-                <a:ea typeface="Arial"/>
-                <a:cs typeface="Arial"/>
-                <a:sym typeface="Arial"/>
-              </a:rPr>
-              <a:t>.</a:t>
-            </a:r>
-            <a:endParaRPr sz="500" dirty="0">
-              <a:solidFill>
-                <a:schemeClr val="bg1"/>
-              </a:solidFill>
-            </a:endParaRPr>
-          </a:p>
-        </p:txBody>
-      </p:sp>
-      <p:sp>
-        <p:nvSpPr>
-          <p:cNvPr id="8" name="Google Shape;210;p30">
+          <p:cNvSpPr>
+            <a:spLocks noGrp="1"/>
+          </p:cNvSpPr>
+          <p:nvPr>
+            <p:ph idx="11"/>
+          </p:nvPr>
+        </p:nvSpPr>
+        <p:spPr/>
+        <p:txBody>
+          <a:bodyPr/>
+          <a:lstStyle/>
+          <a:p>
+            <a:r>
+              <a:rPr lang="en-US" altLang="ko-KR" dirty="0"/>
+              <a:t>Spring MVC / </a:t>
+            </a:r>
+            <a:r>
+              <a:rPr lang="en-US" altLang="ko-KR" dirty="0" err="1"/>
+              <a:t>Webflux</a:t>
+            </a:r>
+            <a:r>
+              <a:rPr lang="en-US" altLang="ko-KR" dirty="0"/>
+              <a:t> </a:t>
+            </a:r>
+            <a:r>
+              <a:rPr lang="ko-KR" altLang="en-US" dirty="0"/>
+              <a:t>성능 비교 </a:t>
+            </a:r>
+            <a:r>
+              <a:rPr lang="en-US" altLang="ko-KR" dirty="0"/>
+              <a:t>#1</a:t>
+            </a:r>
+            <a:endParaRPr lang="ko-KR" altLang="en-US" dirty="0"/>
+          </a:p>
+        </p:txBody>
+      </p:sp>
+      <p:sp>
+        <p:nvSpPr>
+          <p:cNvPr id="5" name="바닥글 개체 틀 4">
             <a:extLst>
               <a:ext uri="{FF2B5EF4-FFF2-40B4-BE49-F238E27FC236}">
-                <a16:creationId xmlns:a16="http://schemas.microsoft.com/office/drawing/2014/main" id="{8CB63A74-B5C7-DCAA-53F5-96E44004D694}"/>
+                <a16:creationId xmlns:a16="http://schemas.microsoft.com/office/drawing/2014/main" id="{252D2036-7BEF-8FB5-36DC-B6EB446CB2D9}"/>
               </a:ext>
             </a:extLst>
           </p:cNvPr>
-          <p:cNvSpPr/>
-          <p:nvPr/>
-        </p:nvSpPr>
-        <p:spPr>
-          <a:xfrm>
-            <a:off x="7811013" y="825047"/>
-            <a:ext cx="952500" cy="293400"/>
-          </a:xfrm>
-          <a:prstGeom prst="rect">
-            <a:avLst/>
-          </a:prstGeom>
-          <a:noFill/>
-          <a:ln>
-            <a:noFill/>
-          </a:ln>
-        </p:spPr>
-        <p:txBody>
-          <a:bodyPr spcFirstLastPara="1" wrap="square" lIns="19050" tIns="19050" rIns="19050" bIns="19050" anchor="t" anchorCtr="0">
-            <a:noAutofit/>
-          </a:bodyPr>
-          <a:lstStyle/>
-          <a:p>
-            <a:pPr marL="63500" marR="0" lvl="1" indent="0" algn="l" rtl="0">
-              <a:spcBef>
-                <a:spcPts val="200"/>
-              </a:spcBef>
-              <a:spcAft>
-                <a:spcPts val="0"/>
-              </a:spcAft>
-              <a:buClr>
-                <a:srgbClr val="000000"/>
-              </a:buClr>
-              <a:buFont typeface="Arial"/>
-              <a:buNone/>
-            </a:pPr>
-            <a:r>
-              <a:rPr lang="en-US" altLang="ko-KR" sz="800" dirty="0">
-                <a:solidFill>
-                  <a:schemeClr val="bg1"/>
-                </a:solidFill>
-              </a:rPr>
-              <a:t>Spring MVC / </a:t>
-            </a:r>
-            <a:r>
-              <a:rPr lang="en-US" altLang="ko-KR" sz="800" dirty="0" err="1">
-                <a:solidFill>
-                  <a:schemeClr val="bg1"/>
-                </a:solidFill>
-              </a:rPr>
-              <a:t>Webflux</a:t>
-            </a:r>
-            <a:r>
-              <a:rPr lang="en-US" altLang="ko-KR" sz="800" dirty="0">
-                <a:solidFill>
-                  <a:schemeClr val="bg1"/>
-                </a:solidFill>
-              </a:rPr>
-              <a:t> </a:t>
-            </a:r>
-            <a:r>
-              <a:rPr lang="ko-KR" altLang="en-US" sz="800" dirty="0">
-                <a:solidFill>
-                  <a:schemeClr val="bg1"/>
-                </a:solidFill>
-              </a:rPr>
-              <a:t>성능 비교 </a:t>
-            </a:r>
-            <a:r>
-              <a:rPr lang="en-US" altLang="ko-KR" sz="800" dirty="0">
-                <a:solidFill>
-                  <a:schemeClr val="bg1"/>
-                </a:solidFill>
-              </a:rPr>
-              <a:t>#1</a:t>
-            </a:r>
-            <a:endParaRPr lang="ko-KR" altLang="en-US" sz="800" dirty="0">
-              <a:solidFill>
-                <a:schemeClr val="bg1"/>
-              </a:solidFill>
-            </a:endParaRPr>
+          <p:cNvSpPr>
+            <a:spLocks noGrp="1"/>
+          </p:cNvSpPr>
+          <p:nvPr>
+            <p:ph type="ftr" sz="quarter" idx="3"/>
+          </p:nvPr>
+        </p:nvSpPr>
+        <p:spPr/>
+        <p:txBody>
+          <a:bodyPr/>
+          <a:lstStyle/>
+          <a:p>
+            <a:r>
+              <a:rPr lang="ko-KR" altLang="en-US"/>
+              <a:t>성능 테스트</a:t>
+            </a:r>
+            <a:endParaRPr lang="ko-KR" altLang="en-US" dirty="0"/>
           </a:p>
         </p:txBody>
       </p:sp>
@@ -6723,168 +7547,46 @@
       </p:sp>
       <p:sp>
         <p:nvSpPr>
-          <p:cNvPr id="7" name="Google Shape;209;p30">
+          <p:cNvPr id="5" name="내용 개체 틀 4">
             <a:extLst>
               <a:ext uri="{FF2B5EF4-FFF2-40B4-BE49-F238E27FC236}">
-                <a16:creationId xmlns:a16="http://schemas.microsoft.com/office/drawing/2014/main" id="{35F3E219-4EBB-8DE8-0966-E4317399395E}"/>
+                <a16:creationId xmlns:a16="http://schemas.microsoft.com/office/drawing/2014/main" id="{25358FE9-3935-31A1-2BE0-0F0B5736FBAA}"/>
               </a:ext>
             </a:extLst>
           </p:cNvPr>
-          <p:cNvSpPr/>
-          <p:nvPr/>
-        </p:nvSpPr>
-        <p:spPr>
-          <a:xfrm>
-            <a:off x="7811013" y="528014"/>
-            <a:ext cx="952500" cy="298200"/>
-          </a:xfrm>
-          <a:prstGeom prst="rect">
-            <a:avLst/>
-          </a:prstGeom>
-          <a:noFill/>
-          <a:ln>
-            <a:noFill/>
-          </a:ln>
-        </p:spPr>
-        <p:txBody>
-          <a:bodyPr spcFirstLastPara="1" wrap="square" lIns="19050" tIns="19050" rIns="19050" bIns="19050" anchor="t" anchorCtr="0">
-            <a:noAutofit/>
-          </a:bodyPr>
-          <a:lstStyle/>
-          <a:p>
-            <a:pPr marL="63500" marR="0" lvl="1" indent="0" algn="l" rtl="0">
-              <a:lnSpc>
-                <a:spcPct val="90000"/>
-              </a:lnSpc>
-              <a:spcBef>
-                <a:spcPts val="0"/>
-              </a:spcBef>
-              <a:spcAft>
-                <a:spcPts val="0"/>
-              </a:spcAft>
-              <a:buNone/>
-            </a:pPr>
-            <a:r>
-              <a:rPr lang="en-US" altLang="ko" sz="1200" b="1" i="0" u="none" strike="noStrike" cap="none" dirty="0">
-                <a:solidFill>
-                  <a:schemeClr val="bg1"/>
-                </a:solidFill>
-                <a:latin typeface="Arial"/>
-                <a:ea typeface="Arial"/>
-                <a:cs typeface="Arial"/>
-                <a:sym typeface="Arial"/>
-              </a:rPr>
-              <a:t>2</a:t>
-            </a:r>
-            <a:r>
-              <a:rPr lang="ko" sz="1200" b="1" i="0" u="none" strike="noStrike" cap="none" dirty="0">
-                <a:solidFill>
-                  <a:schemeClr val="bg1"/>
-                </a:solidFill>
-                <a:latin typeface="Arial"/>
-                <a:ea typeface="Arial"/>
-                <a:cs typeface="Arial"/>
-                <a:sym typeface="Arial"/>
-              </a:rPr>
-              <a:t>.</a:t>
-            </a:r>
-            <a:endParaRPr sz="500" dirty="0">
-              <a:solidFill>
-                <a:schemeClr val="bg1"/>
-              </a:solidFill>
-            </a:endParaRPr>
-          </a:p>
-        </p:txBody>
-      </p:sp>
-      <p:sp>
-        <p:nvSpPr>
-          <p:cNvPr id="8" name="Google Shape;210;p30">
-            <a:extLst>
-              <a:ext uri="{FF2B5EF4-FFF2-40B4-BE49-F238E27FC236}">
-                <a16:creationId xmlns:a16="http://schemas.microsoft.com/office/drawing/2014/main" id="{8CB63A74-B5C7-DCAA-53F5-96E44004D694}"/>
-              </a:ext>
-            </a:extLst>
-          </p:cNvPr>
-          <p:cNvSpPr/>
-          <p:nvPr/>
-        </p:nvSpPr>
-        <p:spPr>
-          <a:xfrm>
-            <a:off x="7811013" y="825047"/>
-            <a:ext cx="952500" cy="293400"/>
-          </a:xfrm>
-          <a:prstGeom prst="rect">
-            <a:avLst/>
-          </a:prstGeom>
-          <a:noFill/>
-          <a:ln>
-            <a:noFill/>
-          </a:ln>
-        </p:spPr>
-        <p:txBody>
-          <a:bodyPr spcFirstLastPara="1" wrap="square" lIns="19050" tIns="19050" rIns="19050" bIns="19050" anchor="t" anchorCtr="0">
-            <a:noAutofit/>
-          </a:bodyPr>
-          <a:lstStyle/>
-          <a:p>
-            <a:pPr marL="63500" marR="0" lvl="1" indent="0" algn="l" rtl="0">
-              <a:spcBef>
-                <a:spcPts val="200"/>
-              </a:spcBef>
-              <a:spcAft>
-                <a:spcPts val="0"/>
-              </a:spcAft>
-              <a:buClr>
-                <a:srgbClr val="000000"/>
-              </a:buClr>
-              <a:buFont typeface="Arial"/>
-              <a:buNone/>
-            </a:pPr>
-            <a:r>
-              <a:rPr lang="en-US" altLang="ko-KR" sz="800" dirty="0">
-                <a:solidFill>
-                  <a:schemeClr val="bg1"/>
-                </a:solidFill>
-              </a:rPr>
+          <p:cNvSpPr>
+            <a:spLocks noGrp="1"/>
+          </p:cNvSpPr>
+          <p:nvPr>
+            <p:ph idx="11"/>
+          </p:nvPr>
+        </p:nvSpPr>
+        <p:spPr/>
+        <p:txBody>
+          <a:bodyPr/>
+          <a:lstStyle/>
+          <a:p>
+            <a:r>
+              <a:rPr lang="en-US" altLang="ko-KR" dirty="0"/>
               <a:t>Spring MVC / </a:t>
             </a:r>
             <a:r>
-              <a:rPr lang="en-US" altLang="ko-KR" sz="800" dirty="0" err="1">
-                <a:solidFill>
-                  <a:schemeClr val="bg1"/>
-                </a:solidFill>
-              </a:rPr>
+              <a:rPr lang="en-US" altLang="ko-KR" dirty="0" err="1"/>
               <a:t>Webflux</a:t>
             </a:r>
             <a:r>
-              <a:rPr lang="en-US" altLang="ko-KR" sz="800" dirty="0">
-                <a:solidFill>
-                  <a:schemeClr val="bg1"/>
-                </a:solidFill>
-              </a:rPr>
+              <a:rPr lang="en-US" altLang="ko-KR" dirty="0"/>
               <a:t> </a:t>
             </a:r>
             <a:r>
-              <a:rPr lang="ko-KR" altLang="en-US" sz="800" dirty="0">
-                <a:solidFill>
-                  <a:schemeClr val="bg1"/>
-                </a:solidFill>
-              </a:rPr>
+              <a:rPr lang="ko-KR" altLang="en-US" dirty="0"/>
               <a:t>성능 비교 </a:t>
             </a:r>
             <a:r>
-              <a:rPr lang="en-US" altLang="ko-KR" sz="800" dirty="0">
-                <a:solidFill>
-                  <a:schemeClr val="bg1"/>
-                </a:solidFill>
-              </a:rPr>
+              <a:rPr lang="en-US" altLang="ko-KR" dirty="0"/>
               <a:t>#1</a:t>
             </a:r>
-            <a:endParaRPr lang="ko-KR" altLang="en-US" sz="800" dirty="0">
-              <a:solidFill>
-                <a:schemeClr val="bg1"/>
-              </a:solidFill>
-            </a:endParaRPr>
+            <a:endParaRPr lang="ko-KR" altLang="en-US" dirty="0"/>
           </a:p>
         </p:txBody>
       </p:sp>
@@ -6910,7 +7612,7 @@
         </p:blipFill>
         <p:spPr>
           <a:xfrm>
-            <a:off x="992042" y="1118447"/>
+            <a:off x="992042" y="823985"/>
             <a:ext cx="6455579" cy="4025053"/>
           </a:xfrm>
           <a:prstGeom prst="rect">
@@ -6918,6 +7620,35 @@
           </a:prstGeom>
         </p:spPr>
       </p:pic>
+      <p:sp>
+        <p:nvSpPr>
+          <p:cNvPr id="6" name="바닥글 개체 틀 5">
+            <a:extLst>
+              <a:ext uri="{FF2B5EF4-FFF2-40B4-BE49-F238E27FC236}">
+                <a16:creationId xmlns:a16="http://schemas.microsoft.com/office/drawing/2014/main" id="{C75355EE-45EA-3FBA-480D-E927D937DBC3}"/>
+              </a:ext>
+            </a:extLst>
+          </p:cNvPr>
+          <p:cNvSpPr>
+            <a:spLocks noGrp="1"/>
+          </p:cNvSpPr>
+          <p:nvPr>
+            <p:ph type="ftr" sz="quarter" idx="3"/>
+          </p:nvPr>
+        </p:nvSpPr>
+        <p:spPr/>
+        <p:txBody>
+          <a:bodyPr/>
+          <a:lstStyle/>
+          <a:p>
+            <a:r>
+              <a:rPr lang="ko-KR" altLang="en-US"/>
+              <a:t>성능 테스트</a:t>
+            </a:r>
+            <a:endParaRPr lang="ko-KR" altLang="en-US" dirty="0"/>
+          </a:p>
+        </p:txBody>
+      </p:sp>
     </p:spTree>
     <p:extLst>
       <p:ext uri="{BB962C8B-B14F-4D97-AF65-F5344CB8AC3E}">
@@ -7005,22 +7736,6 @@
               <a:buNone/>
             </a:pPr>
             <a:r>
-              <a:rPr lang="en-US" altLang="ko" b="1" dirty="0">
-                <a:solidFill>
-                  <a:srgbClr val="ED234B"/>
-                </a:solidFill>
-              </a:rPr>
-              <a:t>3</a:t>
-            </a:r>
-            <a:r>
-              <a:rPr lang="ko" altLang="ko-KR" b="1" dirty="0">
-                <a:solidFill>
-                  <a:srgbClr val="ED234B"/>
-                </a:solidFill>
-              </a:rPr>
-              <a:t> </a:t>
-            </a:r>
-            <a:r>
               <a:rPr lang="en-US" altLang="ko-KR" dirty="0"/>
               <a:t>Spring MVC / </a:t>
             </a:r>
@@ -7041,6 +7756,31 @@
               <a:t>#2</a:t>
             </a:r>
             <a:endParaRPr lang="ko-KR" altLang="en-US" dirty="0"/>
+          </a:p>
+        </p:txBody>
+      </p:sp>
+      <p:sp>
+        <p:nvSpPr>
+          <p:cNvPr id="3" name="텍스트 개체 틀 2">
+            <a:extLst>
+              <a:ext uri="{FF2B5EF4-FFF2-40B4-BE49-F238E27FC236}">
+                <a16:creationId xmlns:a16="http://schemas.microsoft.com/office/drawing/2014/main" id="{FE2B95BA-2728-AB86-1E87-7429ED51D66C}"/>
+              </a:ext>
+            </a:extLst>
+          </p:cNvPr>
+          <p:cNvSpPr>
+            <a:spLocks noGrp="1"/>
+          </p:cNvSpPr>
+          <p:nvPr>
+            <p:ph type="body" sz="quarter" idx="10"/>
+          </p:nvPr>
+        </p:nvSpPr>
+        <p:spPr/>
+        <p:txBody>
+          <a:bodyPr/>
+          <a:lstStyle/>
+          <a:p>
+            <a:endParaRPr lang="ko-KR" altLang="en-US"/>
           </a:p>
         </p:txBody>
       </p:sp>
@@ -7169,168 +7909,46 @@
       </p:sp>
       <p:sp>
         <p:nvSpPr>
-          <p:cNvPr id="3" name="Google Shape;209;p30">
+          <p:cNvPr id="8" name="내용 개체 틀 7">
             <a:extLst>
               <a:ext uri="{FF2B5EF4-FFF2-40B4-BE49-F238E27FC236}">
-                <a16:creationId xmlns:a16="http://schemas.microsoft.com/office/drawing/2014/main" id="{42247FF8-9A0A-EE79-F30D-7EF0EB0D84F8}"/>
+                <a16:creationId xmlns:a16="http://schemas.microsoft.com/office/drawing/2014/main" id="{001AEADD-6C83-A0FF-475B-EE83B12524E5}"/>
               </a:ext>
             </a:extLst>
           </p:cNvPr>
-          <p:cNvSpPr/>
-          <p:nvPr/>
-        </p:nvSpPr>
-        <p:spPr>
-          <a:xfrm>
-            <a:off x="7811013" y="528014"/>
-            <a:ext cx="952500" cy="298200"/>
-          </a:xfrm>
-          <a:prstGeom prst="rect">
-            <a:avLst/>
-          </a:prstGeom>
-          <a:noFill/>
-          <a:ln>
-            <a:noFill/>
-          </a:ln>
-        </p:spPr>
-        <p:txBody>
-          <a:bodyPr spcFirstLastPara="1" wrap="square" lIns="19050" tIns="19050" rIns="19050" bIns="19050" anchor="t" anchorCtr="0">
-            <a:noAutofit/>
-          </a:bodyPr>
-          <a:lstStyle/>
-          <a:p>
-            <a:pPr marL="63500" marR="0" lvl="1" indent="0" algn="l" rtl="0">
-              <a:lnSpc>
-                <a:spcPct val="90000"/>
-              </a:lnSpc>
-              <a:spcBef>
-                <a:spcPts val="0"/>
-              </a:spcBef>
-              <a:spcAft>
-                <a:spcPts val="0"/>
-              </a:spcAft>
-              <a:buNone/>
-            </a:pPr>
-            <a:r>
-              <a:rPr lang="en-US" altLang="ko" sz="1200" b="1" i="0" u="none" strike="noStrike" cap="none" dirty="0">
-                <a:solidFill>
-                  <a:schemeClr val="bg1"/>
-                </a:solidFill>
-                <a:latin typeface="Arial"/>
-                <a:ea typeface="Arial"/>
-                <a:cs typeface="Arial"/>
-                <a:sym typeface="Arial"/>
-              </a:rPr>
-              <a:t>3</a:t>
-            </a:r>
-            <a:r>
-              <a:rPr lang="ko" sz="1200" b="1" i="0" u="none" strike="noStrike" cap="none" dirty="0">
-                <a:solidFill>
-                  <a:schemeClr val="bg1"/>
-                </a:solidFill>
-                <a:latin typeface="Arial"/>
-                <a:ea typeface="Arial"/>
-                <a:cs typeface="Arial"/>
-                <a:sym typeface="Arial"/>
-              </a:rPr>
-              <a:t>.</a:t>
-            </a:r>
-            <a:endParaRPr sz="500" dirty="0">
-              <a:solidFill>
-                <a:schemeClr val="bg1"/>
-              </a:solidFill>
-            </a:endParaRPr>
-          </a:p>
-        </p:txBody>
-      </p:sp>
-      <p:sp>
-        <p:nvSpPr>
-          <p:cNvPr id="5" name="Google Shape;210;p30">
-            <a:extLst>
-              <a:ext uri="{FF2B5EF4-FFF2-40B4-BE49-F238E27FC236}">
-                <a16:creationId xmlns:a16="http://schemas.microsoft.com/office/drawing/2014/main" id="{9EFAAD18-CFA3-3E5B-A790-032DA331B421}"/>
-              </a:ext>
-            </a:extLst>
-          </p:cNvPr>
-          <p:cNvSpPr/>
-          <p:nvPr/>
-        </p:nvSpPr>
-        <p:spPr>
-          <a:xfrm>
-            <a:off x="7811013" y="825047"/>
-            <a:ext cx="952500" cy="293400"/>
-          </a:xfrm>
-          <a:prstGeom prst="rect">
-            <a:avLst/>
-          </a:prstGeom>
-          <a:noFill/>
-          <a:ln>
-            <a:noFill/>
-          </a:ln>
-        </p:spPr>
-        <p:txBody>
-          <a:bodyPr spcFirstLastPara="1" wrap="square" lIns="19050" tIns="19050" rIns="19050" bIns="19050" anchor="t" anchorCtr="0">
-            <a:noAutofit/>
-          </a:bodyPr>
-          <a:lstStyle/>
-          <a:p>
-            <a:pPr marL="63500" marR="0" lvl="1" indent="0" algn="l" rtl="0">
-              <a:spcBef>
-                <a:spcPts val="200"/>
-              </a:spcBef>
-              <a:spcAft>
-                <a:spcPts val="0"/>
-              </a:spcAft>
-              <a:buClr>
-                <a:srgbClr val="000000"/>
-              </a:buClr>
-              <a:buFont typeface="Arial"/>
-              <a:buNone/>
-            </a:pPr>
-            <a:r>
-              <a:rPr lang="en-US" altLang="ko-KR" sz="800" dirty="0">
-                <a:solidFill>
-                  <a:schemeClr val="bg1"/>
-                </a:solidFill>
-              </a:rPr>
+          <p:cNvSpPr>
+            <a:spLocks noGrp="1"/>
+          </p:cNvSpPr>
+          <p:nvPr>
+            <p:ph idx="11"/>
+          </p:nvPr>
+        </p:nvSpPr>
+        <p:spPr/>
+        <p:txBody>
+          <a:bodyPr/>
+          <a:lstStyle/>
+          <a:p>
+            <a:r>
+              <a:rPr lang="en-US" altLang="ko-KR" dirty="0"/>
               <a:t>Spring MVC / </a:t>
             </a:r>
             <a:r>
-              <a:rPr lang="en-US" altLang="ko-KR" sz="800" dirty="0" err="1">
-                <a:solidFill>
-                  <a:schemeClr val="bg1"/>
-                </a:solidFill>
-              </a:rPr>
+              <a:rPr lang="en-US" altLang="ko-KR" dirty="0" err="1"/>
               <a:t>Webflux</a:t>
             </a:r>
             <a:r>
-              <a:rPr lang="en-US" altLang="ko-KR" sz="800" dirty="0">
-                <a:solidFill>
-                  <a:schemeClr val="bg1"/>
-                </a:solidFill>
-              </a:rPr>
+              <a:rPr lang="en-US" altLang="ko-KR" dirty="0"/>
               <a:t> </a:t>
             </a:r>
             <a:r>
-              <a:rPr lang="ko-KR" altLang="en-US" sz="800" dirty="0">
-                <a:solidFill>
-                  <a:schemeClr val="bg1"/>
-                </a:solidFill>
-              </a:rPr>
+              <a:rPr lang="ko-KR" altLang="en-US" dirty="0"/>
               <a:t>성능 비교 </a:t>
             </a:r>
             <a:r>
-              <a:rPr lang="en-US" altLang="ko-KR" sz="800" dirty="0">
-                <a:solidFill>
-                  <a:schemeClr val="bg1"/>
-                </a:solidFill>
-              </a:rPr>
+              <a:rPr lang="en-US" altLang="ko-KR" dirty="0"/>
               <a:t>#2</a:t>
             </a:r>
-            <a:endParaRPr lang="ko-KR" altLang="en-US" sz="800" dirty="0">
-              <a:solidFill>
-                <a:schemeClr val="bg1"/>
-              </a:solidFill>
-            </a:endParaRPr>
+            <a:endParaRPr lang="ko-KR" altLang="en-US" dirty="0"/>
           </a:p>
         </p:txBody>
       </p:sp>
@@ -7355,7 +7973,7 @@
         </p:blipFill>
         <p:spPr>
           <a:xfrm>
-            <a:off x="819673" y="3441764"/>
+            <a:off x="819673" y="3224787"/>
             <a:ext cx="3752327" cy="1565873"/>
           </a:xfrm>
           <a:prstGeom prst="rect">
@@ -7384,7 +8002,7 @@
         </p:blipFill>
         <p:spPr>
           <a:xfrm>
-            <a:off x="819673" y="1754792"/>
+            <a:off x="819673" y="1537815"/>
             <a:ext cx="3752327" cy="1531155"/>
           </a:xfrm>
           <a:prstGeom prst="rect">
@@ -7406,7 +8024,7 @@
         </p:nvSpPr>
         <p:spPr>
           <a:xfrm>
-            <a:off x="4544364" y="3390057"/>
+            <a:off x="4544364" y="3173080"/>
             <a:ext cx="1165704" cy="477054"/>
           </a:xfrm>
           <a:prstGeom prst="rect">
@@ -7483,7 +8101,7 @@
         </p:nvSpPr>
         <p:spPr>
           <a:xfrm>
-            <a:off x="4572000" y="1753387"/>
+            <a:off x="4572000" y="1536410"/>
             <a:ext cx="845103" cy="477054"/>
           </a:xfrm>
           <a:prstGeom prst="rect">
@@ -7533,6 +8151,35 @@
               <a:latin typeface="Spoqa Han Sans Neo Medium" pitchFamily="2" charset="-127"/>
               <a:ea typeface="Spoqa Han Sans Neo Medium" pitchFamily="2" charset="-127"/>
             </a:endParaRPr>
+          </a:p>
+        </p:txBody>
+      </p:sp>
+      <p:sp>
+        <p:nvSpPr>
+          <p:cNvPr id="11" name="바닥글 개체 틀 10">
+            <a:extLst>
+              <a:ext uri="{FF2B5EF4-FFF2-40B4-BE49-F238E27FC236}">
+                <a16:creationId xmlns:a16="http://schemas.microsoft.com/office/drawing/2014/main" id="{FC546EE3-6E2E-D88E-AA00-EE17A2A6E329}"/>
+              </a:ext>
+            </a:extLst>
+          </p:cNvPr>
+          <p:cNvSpPr>
+            <a:spLocks noGrp="1"/>
+          </p:cNvSpPr>
+          <p:nvPr>
+            <p:ph type="ftr" sz="quarter" idx="3"/>
+          </p:nvPr>
+        </p:nvSpPr>
+        <p:spPr/>
+        <p:txBody>
+          <a:bodyPr/>
+          <a:lstStyle/>
+          <a:p>
+            <a:r>
+              <a:rPr lang="ko-KR" altLang="en-US"/>
+              <a:t>성능 테스트</a:t>
+            </a:r>
+            <a:endParaRPr lang="ko-KR" altLang="en-US" dirty="0"/>
           </a:p>
         </p:txBody>
       </p:sp>
@@ -7617,16 +8264,6 @@
           </a:bodyPr>
           <a:lstStyle/>
           <a:p>
-            <a:pPr marL="0" indent="0">
-              <a:buNone/>
-            </a:pPr>
-            <a:r>
-              <a:rPr lang="ko-KR" altLang="en-US" dirty="0"/>
-              <a:t>시나리오</a:t>
-            </a:r>
-            <a:endParaRPr lang="en-US" altLang="ko-KR" dirty="0"/>
-          </a:p>
-          <a:p>
             <a:pPr lvl="1"/>
             <a:r>
               <a:rPr lang="ko-KR" altLang="en-US" dirty="0"/>
@@ -7698,168 +8335,75 @@
       </p:sp>
       <p:sp>
         <p:nvSpPr>
-          <p:cNvPr id="3" name="Google Shape;209;p30">
+          <p:cNvPr id="6" name="내용 개체 틀 5">
             <a:extLst>
               <a:ext uri="{FF2B5EF4-FFF2-40B4-BE49-F238E27FC236}">
-                <a16:creationId xmlns:a16="http://schemas.microsoft.com/office/drawing/2014/main" id="{42247FF8-9A0A-EE79-F30D-7EF0EB0D84F8}"/>
+                <a16:creationId xmlns:a16="http://schemas.microsoft.com/office/drawing/2014/main" id="{CF1022DC-9B04-84E5-8AC7-9BD2E3045D0A}"/>
               </a:ext>
             </a:extLst>
           </p:cNvPr>
-          <p:cNvSpPr/>
-          <p:nvPr/>
-        </p:nvSpPr>
-        <p:spPr>
-          <a:xfrm>
-            <a:off x="7811013" y="528014"/>
-            <a:ext cx="952500" cy="298200"/>
-          </a:xfrm>
-          <a:prstGeom prst="rect">
-            <a:avLst/>
-          </a:prstGeom>
-          <a:noFill/>
-          <a:ln>
-            <a:noFill/>
-          </a:ln>
-        </p:spPr>
-        <p:txBody>
-          <a:bodyPr spcFirstLastPara="1" wrap="square" lIns="19050" tIns="19050" rIns="19050" bIns="19050" anchor="t" anchorCtr="0">
-            <a:noAutofit/>
-          </a:bodyPr>
-          <a:lstStyle/>
-          <a:p>
-            <a:pPr marL="63500" marR="0" lvl="1" indent="0" algn="l" rtl="0">
-              <a:lnSpc>
-                <a:spcPct val="90000"/>
-              </a:lnSpc>
-              <a:spcBef>
-                <a:spcPts val="0"/>
-              </a:spcBef>
-              <a:spcAft>
-                <a:spcPts val="0"/>
-              </a:spcAft>
-              <a:buNone/>
-            </a:pPr>
-            <a:r>
-              <a:rPr lang="en-US" altLang="ko" sz="1200" b="1" i="0" u="none" strike="noStrike" cap="none" dirty="0">
-                <a:solidFill>
-                  <a:schemeClr val="bg1"/>
-                </a:solidFill>
-                <a:latin typeface="Arial"/>
-                <a:ea typeface="Arial"/>
-                <a:cs typeface="Arial"/>
-                <a:sym typeface="Arial"/>
-              </a:rPr>
-              <a:t>3</a:t>
-            </a:r>
-            <a:r>
-              <a:rPr lang="ko" sz="1200" b="1" i="0" u="none" strike="noStrike" cap="none" dirty="0">
-                <a:solidFill>
-                  <a:schemeClr val="bg1"/>
-                </a:solidFill>
-                <a:latin typeface="Arial"/>
-                <a:ea typeface="Arial"/>
-                <a:cs typeface="Arial"/>
-                <a:sym typeface="Arial"/>
-              </a:rPr>
-              <a:t>.</a:t>
-            </a:r>
-            <a:endParaRPr sz="500" dirty="0">
-              <a:solidFill>
-                <a:schemeClr val="bg1"/>
-              </a:solidFill>
-            </a:endParaRPr>
-          </a:p>
-        </p:txBody>
-      </p:sp>
-      <p:sp>
-        <p:nvSpPr>
-          <p:cNvPr id="5" name="Google Shape;210;p30">
+          <p:cNvSpPr>
+            <a:spLocks noGrp="1"/>
+          </p:cNvSpPr>
+          <p:nvPr>
+            <p:ph idx="11"/>
+          </p:nvPr>
+        </p:nvSpPr>
+        <p:spPr/>
+        <p:txBody>
+          <a:bodyPr/>
+          <a:lstStyle/>
+          <a:p>
+            <a:r>
+              <a:rPr lang="en-US" altLang="ko-KR" dirty="0"/>
+              <a:t>Spring MVC / </a:t>
+            </a:r>
+            <a:r>
+              <a:rPr lang="en-US" altLang="ko-KR" dirty="0" err="1"/>
+              <a:t>Webflux</a:t>
+            </a:r>
+            <a:r>
+              <a:rPr lang="en-US" altLang="ko-KR" dirty="0"/>
+              <a:t> </a:t>
+            </a:r>
+            <a:r>
+              <a:rPr lang="ko-KR" altLang="en-US" dirty="0"/>
+              <a:t>성능 비교 </a:t>
+            </a:r>
+            <a:r>
+              <a:rPr lang="en-US" altLang="ko-KR" dirty="0"/>
+              <a:t>#2</a:t>
+            </a:r>
+            <a:endParaRPr lang="ko-KR" altLang="en-US" dirty="0"/>
+          </a:p>
+        </p:txBody>
+      </p:sp>
+      <p:sp>
+        <p:nvSpPr>
+          <p:cNvPr id="7" name="바닥글 개체 틀 6">
             <a:extLst>
               <a:ext uri="{FF2B5EF4-FFF2-40B4-BE49-F238E27FC236}">
-                <a16:creationId xmlns:a16="http://schemas.microsoft.com/office/drawing/2014/main" id="{9EFAAD18-CFA3-3E5B-A790-032DA331B421}"/>
+                <a16:creationId xmlns:a16="http://schemas.microsoft.com/office/drawing/2014/main" id="{9F1CC3EC-3DFC-FA8A-14FC-5A7F202D29DA}"/>
               </a:ext>
             </a:extLst>
           </p:cNvPr>
-          <p:cNvSpPr/>
-          <p:nvPr/>
-        </p:nvSpPr>
-        <p:spPr>
-          <a:xfrm>
-            <a:off x="7811013" y="825047"/>
-            <a:ext cx="952500" cy="293400"/>
-          </a:xfrm>
-          <a:prstGeom prst="rect">
-            <a:avLst/>
-          </a:prstGeom>
-          <a:noFill/>
-          <a:ln>
-            <a:noFill/>
-          </a:ln>
-        </p:spPr>
-        <p:txBody>
-          <a:bodyPr spcFirstLastPara="1" wrap="square" lIns="19050" tIns="19050" rIns="19050" bIns="19050" anchor="t" anchorCtr="0">
-            <a:noAutofit/>
-          </a:bodyPr>
-          <a:lstStyle/>
-          <a:p>
-            <a:pPr marL="63500" marR="0" lvl="1" indent="0" algn="l" rtl="0">
-              <a:spcBef>
-                <a:spcPts val="200"/>
-              </a:spcBef>
-              <a:spcAft>
-                <a:spcPts val="0"/>
-              </a:spcAft>
-              <a:buClr>
-                <a:srgbClr val="000000"/>
-              </a:buClr>
-              <a:buFont typeface="Arial"/>
-              <a:buNone/>
-            </a:pPr>
-            <a:r>
-              <a:rPr lang="en-US" altLang="ko-KR" sz="800" dirty="0">
-                <a:solidFill>
-                  <a:schemeClr val="bg1"/>
-                </a:solidFill>
-              </a:rPr>
-              <a:t>Spring MVC / </a:t>
-            </a:r>
-            <a:r>
-              <a:rPr lang="en-US" altLang="ko-KR" sz="800" dirty="0" err="1">
-                <a:solidFill>
-                  <a:schemeClr val="bg1"/>
-                </a:solidFill>
-              </a:rPr>
-              <a:t>Webflux</a:t>
-            </a:r>
-            <a:r>
-              <a:rPr lang="en-US" altLang="ko-KR" sz="800" dirty="0">
-                <a:solidFill>
-                  <a:schemeClr val="bg1"/>
-                </a:solidFill>
-              </a:rPr>
-              <a:t> </a:t>
-            </a:r>
-            <a:r>
-              <a:rPr lang="ko-KR" altLang="en-US" sz="800" dirty="0">
-                <a:solidFill>
-                  <a:schemeClr val="bg1"/>
-                </a:solidFill>
-              </a:rPr>
-              <a:t>성능 비교 </a:t>
-            </a:r>
-            <a:r>
-              <a:rPr lang="en-US" altLang="ko-KR" sz="800" dirty="0">
-                <a:solidFill>
-                  <a:schemeClr val="bg1"/>
-                </a:solidFill>
-              </a:rPr>
-              <a:t>#2</a:t>
-            </a:r>
-            <a:endParaRPr lang="ko-KR" altLang="en-US" sz="800" dirty="0">
-              <a:solidFill>
-                <a:schemeClr val="bg1"/>
-              </a:solidFill>
-            </a:endParaRPr>
+          <p:cNvSpPr>
+            <a:spLocks noGrp="1"/>
+          </p:cNvSpPr>
+          <p:nvPr>
+            <p:ph type="ftr" sz="quarter" idx="3"/>
+          </p:nvPr>
+        </p:nvSpPr>
+        <p:spPr/>
+        <p:txBody>
+          <a:bodyPr/>
+          <a:lstStyle/>
+          <a:p>
+            <a:r>
+              <a:rPr lang="ko-KR" altLang="en-US"/>
+              <a:t>성능 테스트</a:t>
+            </a:r>
+            <a:endParaRPr lang="ko-KR" altLang="en-US" dirty="0"/>
           </a:p>
         </p:txBody>
       </p:sp>
@@ -7923,168 +8467,46 @@
       </p:sp>
       <p:sp>
         <p:nvSpPr>
-          <p:cNvPr id="3" name="Google Shape;209;p30">
+          <p:cNvPr id="7" name="내용 개체 틀 6">
             <a:extLst>
               <a:ext uri="{FF2B5EF4-FFF2-40B4-BE49-F238E27FC236}">
-                <a16:creationId xmlns:a16="http://schemas.microsoft.com/office/drawing/2014/main" id="{2823C29C-6190-2DB5-78A4-BDCDB2F4E700}"/>
+                <a16:creationId xmlns:a16="http://schemas.microsoft.com/office/drawing/2014/main" id="{36816E79-096D-683B-739F-C2451DDC4684}"/>
               </a:ext>
             </a:extLst>
           </p:cNvPr>
-          <p:cNvSpPr/>
-          <p:nvPr/>
-        </p:nvSpPr>
-        <p:spPr>
-          <a:xfrm>
-            <a:off x="7811013" y="528014"/>
-            <a:ext cx="952500" cy="298200"/>
-          </a:xfrm>
-          <a:prstGeom prst="rect">
-            <a:avLst/>
-          </a:prstGeom>
-          <a:noFill/>
-          <a:ln>
-            <a:noFill/>
-          </a:ln>
-        </p:spPr>
-        <p:txBody>
-          <a:bodyPr spcFirstLastPara="1" wrap="square" lIns="19050" tIns="19050" rIns="19050" bIns="19050" anchor="t" anchorCtr="0">
-            <a:noAutofit/>
-          </a:bodyPr>
-          <a:lstStyle/>
-          <a:p>
-            <a:pPr marL="63500" marR="0" lvl="1" indent="0" algn="l" rtl="0">
-              <a:lnSpc>
-                <a:spcPct val="90000"/>
-              </a:lnSpc>
-              <a:spcBef>
-                <a:spcPts val="0"/>
-              </a:spcBef>
-              <a:spcAft>
-                <a:spcPts val="0"/>
-              </a:spcAft>
-              <a:buNone/>
-            </a:pPr>
-            <a:r>
-              <a:rPr lang="en-US" altLang="ko" sz="1200" b="1" i="0" u="none" strike="noStrike" cap="none" dirty="0">
-                <a:solidFill>
-                  <a:schemeClr val="bg1"/>
-                </a:solidFill>
-                <a:latin typeface="Arial"/>
-                <a:ea typeface="Arial"/>
-                <a:cs typeface="Arial"/>
-                <a:sym typeface="Arial"/>
-              </a:rPr>
-              <a:t>3</a:t>
-            </a:r>
-            <a:r>
-              <a:rPr lang="ko" sz="1200" b="1" i="0" u="none" strike="noStrike" cap="none" dirty="0">
-                <a:solidFill>
-                  <a:schemeClr val="bg1"/>
-                </a:solidFill>
-                <a:latin typeface="Arial"/>
-                <a:ea typeface="Arial"/>
-                <a:cs typeface="Arial"/>
-                <a:sym typeface="Arial"/>
-              </a:rPr>
-              <a:t>.</a:t>
-            </a:r>
-            <a:endParaRPr sz="500" dirty="0">
-              <a:solidFill>
-                <a:schemeClr val="bg1"/>
-              </a:solidFill>
-            </a:endParaRPr>
-          </a:p>
-        </p:txBody>
-      </p:sp>
-      <p:sp>
-        <p:nvSpPr>
-          <p:cNvPr id="5" name="Google Shape;210;p30">
-            <a:extLst>
-              <a:ext uri="{FF2B5EF4-FFF2-40B4-BE49-F238E27FC236}">
-                <a16:creationId xmlns:a16="http://schemas.microsoft.com/office/drawing/2014/main" id="{720388FA-5563-44DC-F804-C09DFC0CBBDC}"/>
-              </a:ext>
-            </a:extLst>
-          </p:cNvPr>
-          <p:cNvSpPr/>
-          <p:nvPr/>
-        </p:nvSpPr>
-        <p:spPr>
-          <a:xfrm>
-            <a:off x="7811013" y="825047"/>
-            <a:ext cx="952500" cy="293400"/>
-          </a:xfrm>
-          <a:prstGeom prst="rect">
-            <a:avLst/>
-          </a:prstGeom>
-          <a:noFill/>
-          <a:ln>
-            <a:noFill/>
-          </a:ln>
-        </p:spPr>
-        <p:txBody>
-          <a:bodyPr spcFirstLastPara="1" wrap="square" lIns="19050" tIns="19050" rIns="19050" bIns="19050" anchor="t" anchorCtr="0">
-            <a:noAutofit/>
-          </a:bodyPr>
-          <a:lstStyle/>
-          <a:p>
-            <a:pPr marL="63500" marR="0" lvl="1" indent="0" algn="l" rtl="0">
-              <a:spcBef>
-                <a:spcPts val="200"/>
-              </a:spcBef>
-              <a:spcAft>
-                <a:spcPts val="0"/>
-              </a:spcAft>
-              <a:buClr>
-                <a:srgbClr val="000000"/>
-              </a:buClr>
-              <a:buFont typeface="Arial"/>
-              <a:buNone/>
-            </a:pPr>
-            <a:r>
-              <a:rPr lang="en-US" altLang="ko-KR" sz="800" dirty="0">
-                <a:solidFill>
-                  <a:schemeClr val="bg1"/>
-                </a:solidFill>
-              </a:rPr>
+          <p:cNvSpPr>
+            <a:spLocks noGrp="1"/>
+          </p:cNvSpPr>
+          <p:nvPr>
+            <p:ph idx="11"/>
+          </p:nvPr>
+        </p:nvSpPr>
+        <p:spPr/>
+        <p:txBody>
+          <a:bodyPr/>
+          <a:lstStyle/>
+          <a:p>
+            <a:r>
+              <a:rPr lang="en-US" altLang="ko-KR" dirty="0"/>
               <a:t>Spring MVC / </a:t>
             </a:r>
             <a:r>
-              <a:rPr lang="en-US" altLang="ko-KR" sz="800" dirty="0" err="1">
-                <a:solidFill>
-                  <a:schemeClr val="bg1"/>
-                </a:solidFill>
-              </a:rPr>
+              <a:rPr lang="en-US" altLang="ko-KR" dirty="0" err="1"/>
               <a:t>Webflux</a:t>
             </a:r>
             <a:r>
-              <a:rPr lang="en-US" altLang="ko-KR" sz="800" dirty="0">
-                <a:solidFill>
-                  <a:schemeClr val="bg1"/>
-                </a:solidFill>
-              </a:rPr>
+              <a:rPr lang="en-US" altLang="ko-KR" dirty="0"/>
               <a:t> </a:t>
             </a:r>
             <a:r>
-              <a:rPr lang="ko-KR" altLang="en-US" sz="800" dirty="0">
-                <a:solidFill>
-                  <a:schemeClr val="bg1"/>
-                </a:solidFill>
-              </a:rPr>
+              <a:rPr lang="ko-KR" altLang="en-US" dirty="0"/>
               <a:t>성능 비교 </a:t>
             </a:r>
             <a:r>
-              <a:rPr lang="en-US" altLang="ko-KR" sz="800" dirty="0">
-                <a:solidFill>
-                  <a:schemeClr val="bg1"/>
-                </a:solidFill>
-              </a:rPr>
+              <a:rPr lang="en-US" altLang="ko-KR" dirty="0"/>
               <a:t>#2</a:t>
             </a:r>
-            <a:endParaRPr lang="ko-KR" altLang="en-US" sz="800" dirty="0">
-              <a:solidFill>
-                <a:schemeClr val="bg1"/>
-              </a:solidFill>
-            </a:endParaRPr>
+            <a:endParaRPr lang="ko-KR" altLang="en-US" dirty="0"/>
           </a:p>
         </p:txBody>
       </p:sp>
@@ -8110,7 +8532,7 @@
         </p:blipFill>
         <p:spPr>
           <a:xfrm>
-            <a:off x="986751" y="1144458"/>
+            <a:off x="986751" y="818992"/>
             <a:ext cx="6455579" cy="4025053"/>
           </a:xfrm>
           <a:prstGeom prst="rect">
@@ -8118,6 +8540,35 @@
           </a:prstGeom>
         </p:spPr>
       </p:pic>
+      <p:sp>
+        <p:nvSpPr>
+          <p:cNvPr id="8" name="바닥글 개체 틀 7">
+            <a:extLst>
+              <a:ext uri="{FF2B5EF4-FFF2-40B4-BE49-F238E27FC236}">
+                <a16:creationId xmlns:a16="http://schemas.microsoft.com/office/drawing/2014/main" id="{952DC0E7-D444-DD1D-47B0-E445AA0265AD}"/>
+              </a:ext>
+            </a:extLst>
+          </p:cNvPr>
+          <p:cNvSpPr>
+            <a:spLocks noGrp="1"/>
+          </p:cNvSpPr>
+          <p:nvPr>
+            <p:ph type="ftr" sz="quarter" idx="3"/>
+          </p:nvPr>
+        </p:nvSpPr>
+        <p:spPr/>
+        <p:txBody>
+          <a:bodyPr/>
+          <a:lstStyle/>
+          <a:p>
+            <a:r>
+              <a:rPr lang="ko-KR" altLang="en-US"/>
+              <a:t>성능 테스트</a:t>
+            </a:r>
+            <a:endParaRPr lang="ko-KR" altLang="en-US" dirty="0"/>
+          </a:p>
+        </p:txBody>
+      </p:sp>
     </p:spTree>
     <p:extLst>
       <p:ext uri="{BB962C8B-B14F-4D97-AF65-F5344CB8AC3E}">
@@ -8199,16 +8650,6 @@
           </a:bodyPr>
           <a:lstStyle/>
           <a:p>
-            <a:pPr marL="0" indent="0">
-              <a:buNone/>
-            </a:pPr>
-            <a:r>
-              <a:rPr lang="ko-KR" altLang="en-US" dirty="0"/>
-              <a:t>시나리오</a:t>
-            </a:r>
-            <a:endParaRPr lang="en-US" altLang="ko-KR" dirty="0"/>
-          </a:p>
-          <a:p>
             <a:pPr lvl="1"/>
             <a:r>
               <a:rPr lang="ko-KR" altLang="en-US" dirty="0"/>
@@ -8276,168 +8717,75 @@
       </p:sp>
       <p:sp>
         <p:nvSpPr>
-          <p:cNvPr id="3" name="Google Shape;209;p30">
+          <p:cNvPr id="6" name="내용 개체 틀 5">
             <a:extLst>
               <a:ext uri="{FF2B5EF4-FFF2-40B4-BE49-F238E27FC236}">
-                <a16:creationId xmlns:a16="http://schemas.microsoft.com/office/drawing/2014/main" id="{ED01BF44-3805-56ED-1327-FCD6B7826BAC}"/>
+                <a16:creationId xmlns:a16="http://schemas.microsoft.com/office/drawing/2014/main" id="{3F1C8BD5-F6E3-AD7A-C7B2-3BDFAF0BCB04}"/>
               </a:ext>
             </a:extLst>
           </p:cNvPr>
-          <p:cNvSpPr/>
-          <p:nvPr/>
-        </p:nvSpPr>
-        <p:spPr>
-          <a:xfrm>
-            <a:off x="7811013" y="528014"/>
-            <a:ext cx="952500" cy="298200"/>
-          </a:xfrm>
-          <a:prstGeom prst="rect">
-            <a:avLst/>
-          </a:prstGeom>
-          <a:noFill/>
-          <a:ln>
-            <a:noFill/>
-          </a:ln>
-        </p:spPr>
-        <p:txBody>
-          <a:bodyPr spcFirstLastPara="1" wrap="square" lIns="19050" tIns="19050" rIns="19050" bIns="19050" anchor="t" anchorCtr="0">
-            <a:noAutofit/>
-          </a:bodyPr>
-          <a:lstStyle/>
-          <a:p>
-            <a:pPr marL="63500" marR="0" lvl="1" indent="0" algn="l" rtl="0">
-              <a:lnSpc>
-                <a:spcPct val="90000"/>
-              </a:lnSpc>
-              <a:spcBef>
-                <a:spcPts val="0"/>
-              </a:spcBef>
-              <a:spcAft>
-                <a:spcPts val="0"/>
-              </a:spcAft>
-              <a:buNone/>
-            </a:pPr>
-            <a:r>
-              <a:rPr lang="en-US" altLang="ko" sz="1200" b="1" i="0" u="none" strike="noStrike" cap="none" dirty="0">
-                <a:solidFill>
-                  <a:schemeClr val="bg1"/>
-                </a:solidFill>
-                <a:latin typeface="Arial"/>
-                <a:ea typeface="Arial"/>
-                <a:cs typeface="Arial"/>
-                <a:sym typeface="Arial"/>
-              </a:rPr>
-              <a:t>3</a:t>
-            </a:r>
-            <a:r>
-              <a:rPr lang="ko" sz="1200" b="1" i="0" u="none" strike="noStrike" cap="none" dirty="0">
-                <a:solidFill>
-                  <a:schemeClr val="bg1"/>
-                </a:solidFill>
-                <a:latin typeface="Arial"/>
-                <a:ea typeface="Arial"/>
-                <a:cs typeface="Arial"/>
-                <a:sym typeface="Arial"/>
-              </a:rPr>
-              <a:t>.</a:t>
-            </a:r>
-            <a:endParaRPr sz="500" dirty="0">
-              <a:solidFill>
-                <a:schemeClr val="bg1"/>
-              </a:solidFill>
-            </a:endParaRPr>
-          </a:p>
-        </p:txBody>
-      </p:sp>
-      <p:sp>
-        <p:nvSpPr>
-          <p:cNvPr id="5" name="Google Shape;210;p30">
+          <p:cNvSpPr>
+            <a:spLocks noGrp="1"/>
+          </p:cNvSpPr>
+          <p:nvPr>
+            <p:ph idx="11"/>
+          </p:nvPr>
+        </p:nvSpPr>
+        <p:spPr/>
+        <p:txBody>
+          <a:bodyPr/>
+          <a:lstStyle/>
+          <a:p>
+            <a:r>
+              <a:rPr lang="en-US" altLang="ko-KR" dirty="0"/>
+              <a:t>Spring MVC / </a:t>
+            </a:r>
+            <a:r>
+              <a:rPr lang="en-US" altLang="ko-KR" dirty="0" err="1"/>
+              <a:t>Webflux</a:t>
+            </a:r>
+            <a:r>
+              <a:rPr lang="en-US" altLang="ko-KR" dirty="0"/>
+              <a:t> </a:t>
+            </a:r>
+            <a:r>
+              <a:rPr lang="ko-KR" altLang="en-US" dirty="0"/>
+              <a:t>성능 비교 </a:t>
+            </a:r>
+            <a:r>
+              <a:rPr lang="en-US" altLang="ko-KR" dirty="0"/>
+              <a:t>#2</a:t>
+            </a:r>
+            <a:endParaRPr lang="ko-KR" altLang="en-US" dirty="0"/>
+          </a:p>
+        </p:txBody>
+      </p:sp>
+      <p:sp>
+        <p:nvSpPr>
+          <p:cNvPr id="7" name="바닥글 개체 틀 6">
             <a:extLst>
               <a:ext uri="{FF2B5EF4-FFF2-40B4-BE49-F238E27FC236}">
-                <a16:creationId xmlns:a16="http://schemas.microsoft.com/office/drawing/2014/main" id="{6CE37D5E-C49E-B258-BF6B-CC99D5E3AD7D}"/>
+                <a16:creationId xmlns:a16="http://schemas.microsoft.com/office/drawing/2014/main" id="{20C130E7-8B3A-873E-112B-5D09831820E1}"/>
               </a:ext>
             </a:extLst>
           </p:cNvPr>
-          <p:cNvSpPr/>
-          <p:nvPr/>
-        </p:nvSpPr>
-        <p:spPr>
-          <a:xfrm>
-            <a:off x="7811013" y="825047"/>
-            <a:ext cx="952500" cy="293400"/>
-          </a:xfrm>
-          <a:prstGeom prst="rect">
-            <a:avLst/>
-          </a:prstGeom>
-          <a:noFill/>
-          <a:ln>
-            <a:noFill/>
-          </a:ln>
-        </p:spPr>
-        <p:txBody>
-          <a:bodyPr spcFirstLastPara="1" wrap="square" lIns="19050" tIns="19050" rIns="19050" bIns="19050" anchor="t" anchorCtr="0">
-            <a:noAutofit/>
-          </a:bodyPr>
-          <a:lstStyle/>
-          <a:p>
-            <a:pPr marL="63500" marR="0" lvl="1" indent="0" algn="l" rtl="0">
-              <a:spcBef>
-                <a:spcPts val="200"/>
-              </a:spcBef>
-              <a:spcAft>
-                <a:spcPts val="0"/>
-              </a:spcAft>
-              <a:buClr>
-                <a:srgbClr val="000000"/>
-              </a:buClr>
-              <a:buFont typeface="Arial"/>
-              <a:buNone/>
-            </a:pPr>
-            <a:r>
-              <a:rPr lang="en-US" altLang="ko-KR" sz="800" dirty="0">
-                <a:solidFill>
-                  <a:schemeClr val="bg1"/>
-                </a:solidFill>
-              </a:rPr>
-              <a:t>Spring MVC / </a:t>
-            </a:r>
-            <a:r>
-              <a:rPr lang="en-US" altLang="ko-KR" sz="800" dirty="0" err="1">
-                <a:solidFill>
-                  <a:schemeClr val="bg1"/>
-                </a:solidFill>
-              </a:rPr>
-              <a:t>Webflux</a:t>
-            </a:r>
-            <a:r>
-              <a:rPr lang="en-US" altLang="ko-KR" sz="800" dirty="0">
-                <a:solidFill>
-                  <a:schemeClr val="bg1"/>
-                </a:solidFill>
-              </a:rPr>
-              <a:t> </a:t>
-            </a:r>
-            <a:r>
-              <a:rPr lang="ko-KR" altLang="en-US" sz="800" dirty="0">
-                <a:solidFill>
-                  <a:schemeClr val="bg1"/>
-                </a:solidFill>
-              </a:rPr>
-              <a:t>성능 비교 </a:t>
-            </a:r>
-            <a:r>
-              <a:rPr lang="en-US" altLang="ko-KR" sz="800" dirty="0">
-                <a:solidFill>
-                  <a:schemeClr val="bg1"/>
-                </a:solidFill>
-              </a:rPr>
-              <a:t>#2</a:t>
-            </a:r>
-            <a:endParaRPr lang="ko-KR" altLang="en-US" sz="800" dirty="0">
-              <a:solidFill>
-                <a:schemeClr val="bg1"/>
-              </a:solidFill>
-            </a:endParaRPr>
+          <p:cNvSpPr>
+            <a:spLocks noGrp="1"/>
+          </p:cNvSpPr>
+          <p:nvPr>
+            <p:ph type="ftr" sz="quarter" idx="3"/>
+          </p:nvPr>
+        </p:nvSpPr>
+        <p:spPr/>
+        <p:txBody>
+          <a:bodyPr/>
+          <a:lstStyle/>
+          <a:p>
+            <a:r>
+              <a:rPr lang="ko-KR" altLang="en-US"/>
+              <a:t>성능 테스트</a:t>
+            </a:r>
+            <a:endParaRPr lang="ko-KR" altLang="en-US" dirty="0"/>
           </a:p>
         </p:txBody>
       </p:sp>
@@ -8501,168 +8849,46 @@
       </p:sp>
       <p:sp>
         <p:nvSpPr>
-          <p:cNvPr id="3" name="Google Shape;209;p30">
+          <p:cNvPr id="7" name="내용 개체 틀 6">
             <a:extLst>
               <a:ext uri="{FF2B5EF4-FFF2-40B4-BE49-F238E27FC236}">
-                <a16:creationId xmlns:a16="http://schemas.microsoft.com/office/drawing/2014/main" id="{BEF5D44F-F1EA-B3CE-0382-6BC86EBD3E7F}"/>
+                <a16:creationId xmlns:a16="http://schemas.microsoft.com/office/drawing/2014/main" id="{CA6A89CD-D3C0-BA34-FF77-C69A4ECABA73}"/>
               </a:ext>
             </a:extLst>
           </p:cNvPr>
-          <p:cNvSpPr/>
-          <p:nvPr/>
-        </p:nvSpPr>
-        <p:spPr>
-          <a:xfrm>
-            <a:off x="7811013" y="528014"/>
-            <a:ext cx="952500" cy="298200"/>
-          </a:xfrm>
-          <a:prstGeom prst="rect">
-            <a:avLst/>
-          </a:prstGeom>
-          <a:noFill/>
-          <a:ln>
-            <a:noFill/>
-          </a:ln>
-        </p:spPr>
-        <p:txBody>
-          <a:bodyPr spcFirstLastPara="1" wrap="square" lIns="19050" tIns="19050" rIns="19050" bIns="19050" anchor="t" anchorCtr="0">
-            <a:noAutofit/>
-          </a:bodyPr>
-          <a:lstStyle/>
-          <a:p>
-            <a:pPr marL="63500" marR="0" lvl="1" indent="0" algn="l" rtl="0">
-              <a:lnSpc>
-                <a:spcPct val="90000"/>
-              </a:lnSpc>
-              <a:spcBef>
-                <a:spcPts val="0"/>
-              </a:spcBef>
-              <a:spcAft>
-                <a:spcPts val="0"/>
-              </a:spcAft>
-              <a:buNone/>
-            </a:pPr>
-            <a:r>
-              <a:rPr lang="en-US" altLang="ko" sz="1200" b="1" i="0" u="none" strike="noStrike" cap="none" dirty="0">
-                <a:solidFill>
-                  <a:schemeClr val="bg1"/>
-                </a:solidFill>
-                <a:latin typeface="Arial"/>
-                <a:ea typeface="Arial"/>
-                <a:cs typeface="Arial"/>
-                <a:sym typeface="Arial"/>
-              </a:rPr>
-              <a:t>3</a:t>
-            </a:r>
-            <a:r>
-              <a:rPr lang="ko" sz="1200" b="1" i="0" u="none" strike="noStrike" cap="none" dirty="0">
-                <a:solidFill>
-                  <a:schemeClr val="bg1"/>
-                </a:solidFill>
-                <a:latin typeface="Arial"/>
-                <a:ea typeface="Arial"/>
-                <a:cs typeface="Arial"/>
-                <a:sym typeface="Arial"/>
-              </a:rPr>
-              <a:t>.</a:t>
-            </a:r>
-            <a:endParaRPr sz="500" dirty="0">
-              <a:solidFill>
-                <a:schemeClr val="bg1"/>
-              </a:solidFill>
-            </a:endParaRPr>
-          </a:p>
-        </p:txBody>
-      </p:sp>
-      <p:sp>
-        <p:nvSpPr>
-          <p:cNvPr id="4" name="Google Shape;210;p30">
-            <a:extLst>
-              <a:ext uri="{FF2B5EF4-FFF2-40B4-BE49-F238E27FC236}">
-                <a16:creationId xmlns:a16="http://schemas.microsoft.com/office/drawing/2014/main" id="{18610A16-FCD9-83A9-B905-1237011C613E}"/>
-              </a:ext>
-            </a:extLst>
-          </p:cNvPr>
-          <p:cNvSpPr/>
-          <p:nvPr/>
-        </p:nvSpPr>
-        <p:spPr>
-          <a:xfrm>
-            <a:off x="7811013" y="825047"/>
-            <a:ext cx="952500" cy="293400"/>
-          </a:xfrm>
-          <a:prstGeom prst="rect">
-            <a:avLst/>
-          </a:prstGeom>
-          <a:noFill/>
-          <a:ln>
-            <a:noFill/>
-          </a:ln>
-        </p:spPr>
-        <p:txBody>
-          <a:bodyPr spcFirstLastPara="1" wrap="square" lIns="19050" tIns="19050" rIns="19050" bIns="19050" anchor="t" anchorCtr="0">
-            <a:noAutofit/>
-          </a:bodyPr>
-          <a:lstStyle/>
-          <a:p>
-            <a:pPr marL="63500" marR="0" lvl="1" indent="0" algn="l" rtl="0">
-              <a:spcBef>
-                <a:spcPts val="200"/>
-              </a:spcBef>
-              <a:spcAft>
-                <a:spcPts val="0"/>
-              </a:spcAft>
-              <a:buClr>
-                <a:srgbClr val="000000"/>
-              </a:buClr>
-              <a:buFont typeface="Arial"/>
-              <a:buNone/>
-            </a:pPr>
-            <a:r>
-              <a:rPr lang="en-US" altLang="ko-KR" sz="800" dirty="0">
-                <a:solidFill>
-                  <a:schemeClr val="bg1"/>
-                </a:solidFill>
-              </a:rPr>
+          <p:cNvSpPr>
+            <a:spLocks noGrp="1"/>
+          </p:cNvSpPr>
+          <p:nvPr>
+            <p:ph idx="11"/>
+          </p:nvPr>
+        </p:nvSpPr>
+        <p:spPr/>
+        <p:txBody>
+          <a:bodyPr/>
+          <a:lstStyle/>
+          <a:p>
+            <a:r>
+              <a:rPr lang="en-US" altLang="ko-KR" dirty="0"/>
               <a:t>Spring MVC / </a:t>
             </a:r>
             <a:r>
-              <a:rPr lang="en-US" altLang="ko-KR" sz="800" dirty="0" err="1">
-                <a:solidFill>
-                  <a:schemeClr val="bg1"/>
-                </a:solidFill>
-              </a:rPr>
+              <a:rPr lang="en-US" altLang="ko-KR" dirty="0" err="1"/>
               <a:t>Webflux</a:t>
             </a:r>
             <a:r>
-              <a:rPr lang="en-US" altLang="ko-KR" sz="800" dirty="0">
-                <a:solidFill>
-                  <a:schemeClr val="bg1"/>
-                </a:solidFill>
-              </a:rPr>
+              <a:rPr lang="en-US" altLang="ko-KR" dirty="0"/>
               <a:t> </a:t>
             </a:r>
             <a:r>
-              <a:rPr lang="ko-KR" altLang="en-US" sz="800" dirty="0">
-                <a:solidFill>
-                  <a:schemeClr val="bg1"/>
-                </a:solidFill>
-              </a:rPr>
+              <a:rPr lang="ko-KR" altLang="en-US" dirty="0"/>
               <a:t>성능 비교 </a:t>
             </a:r>
             <a:r>
-              <a:rPr lang="en-US" altLang="ko-KR" sz="800" dirty="0">
-                <a:solidFill>
-                  <a:schemeClr val="bg1"/>
-                </a:solidFill>
-              </a:rPr>
+              <a:rPr lang="en-US" altLang="ko-KR" dirty="0"/>
               <a:t>#2</a:t>
             </a:r>
-            <a:endParaRPr lang="ko-KR" altLang="en-US" sz="800" dirty="0">
-              <a:solidFill>
-                <a:schemeClr val="bg1"/>
-              </a:solidFill>
-            </a:endParaRPr>
+            <a:endParaRPr lang="ko-KR" altLang="en-US" dirty="0"/>
           </a:p>
         </p:txBody>
       </p:sp>
@@ -8688,7 +8914,7 @@
         </p:blipFill>
         <p:spPr>
           <a:xfrm>
-            <a:off x="992042" y="1118447"/>
+            <a:off x="992042" y="823980"/>
             <a:ext cx="6455579" cy="4025053"/>
           </a:xfrm>
           <a:prstGeom prst="rect">
@@ -8696,6 +8922,35 @@
           </a:prstGeom>
         </p:spPr>
       </p:pic>
+      <p:sp>
+        <p:nvSpPr>
+          <p:cNvPr id="8" name="바닥글 개체 틀 7">
+            <a:extLst>
+              <a:ext uri="{FF2B5EF4-FFF2-40B4-BE49-F238E27FC236}">
+                <a16:creationId xmlns:a16="http://schemas.microsoft.com/office/drawing/2014/main" id="{D4B9FC72-F468-AA2F-E060-C26F39965833}"/>
+              </a:ext>
+            </a:extLst>
+          </p:cNvPr>
+          <p:cNvSpPr>
+            <a:spLocks noGrp="1"/>
+          </p:cNvSpPr>
+          <p:nvPr>
+            <p:ph type="ftr" sz="quarter" idx="3"/>
+          </p:nvPr>
+        </p:nvSpPr>
+        <p:spPr/>
+        <p:txBody>
+          <a:bodyPr/>
+          <a:lstStyle/>
+          <a:p>
+            <a:r>
+              <a:rPr lang="ko-KR" altLang="en-US"/>
+              <a:t>성능 테스트</a:t>
+            </a:r>
+            <a:endParaRPr lang="ko-KR" altLang="en-US" dirty="0"/>
+          </a:p>
+        </p:txBody>
+      </p:sp>
     </p:spTree>
     <p:extLst>
       <p:ext uri="{BB962C8B-B14F-4D97-AF65-F5344CB8AC3E}">
@@ -8777,16 +9032,6 @@
           </a:bodyPr>
           <a:lstStyle/>
           <a:p>
-            <a:pPr marL="0" indent="0">
-              <a:buNone/>
-            </a:pPr>
-            <a:r>
-              <a:rPr lang="ko-KR" altLang="en-US" dirty="0"/>
-              <a:t>시나리오</a:t>
-            </a:r>
-            <a:endParaRPr lang="en-US" altLang="ko-KR" dirty="0"/>
-          </a:p>
-          <a:p>
             <a:pPr lvl="1"/>
             <a:r>
               <a:rPr lang="ko-KR" altLang="en-US" dirty="0"/>
@@ -8839,168 +9084,75 @@
       </p:sp>
       <p:sp>
         <p:nvSpPr>
-          <p:cNvPr id="3" name="Google Shape;209;p30">
+          <p:cNvPr id="6" name="내용 개체 틀 5">
             <a:extLst>
               <a:ext uri="{FF2B5EF4-FFF2-40B4-BE49-F238E27FC236}">
-                <a16:creationId xmlns:a16="http://schemas.microsoft.com/office/drawing/2014/main" id="{E0056CE0-9909-7ED5-0CB5-398033CCA427}"/>
+                <a16:creationId xmlns:a16="http://schemas.microsoft.com/office/drawing/2014/main" id="{7AF05E54-B8B8-912A-86CB-915D2DB9C217}"/>
               </a:ext>
             </a:extLst>
           </p:cNvPr>
-          <p:cNvSpPr/>
-          <p:nvPr/>
-        </p:nvSpPr>
-        <p:spPr>
-          <a:xfrm>
-            <a:off x="7811013" y="528014"/>
-            <a:ext cx="952500" cy="298200"/>
-          </a:xfrm>
-          <a:prstGeom prst="rect">
-            <a:avLst/>
-          </a:prstGeom>
-          <a:noFill/>
-          <a:ln>
-            <a:noFill/>
-          </a:ln>
-        </p:spPr>
-        <p:txBody>
-          <a:bodyPr spcFirstLastPara="1" wrap="square" lIns="19050" tIns="19050" rIns="19050" bIns="19050" anchor="t" anchorCtr="0">
-            <a:noAutofit/>
-          </a:bodyPr>
-          <a:lstStyle/>
-          <a:p>
-            <a:pPr marL="63500" marR="0" lvl="1" indent="0" algn="l" rtl="0">
-              <a:lnSpc>
-                <a:spcPct val="90000"/>
-              </a:lnSpc>
-              <a:spcBef>
-                <a:spcPts val="0"/>
-              </a:spcBef>
-              <a:spcAft>
-                <a:spcPts val="0"/>
-              </a:spcAft>
-              <a:buNone/>
-            </a:pPr>
-            <a:r>
-              <a:rPr lang="en-US" altLang="ko" sz="1200" b="1" i="0" u="none" strike="noStrike" cap="none" dirty="0">
-                <a:solidFill>
-                  <a:schemeClr val="bg1"/>
-                </a:solidFill>
-                <a:latin typeface="Arial"/>
-                <a:ea typeface="Arial"/>
-                <a:cs typeface="Arial"/>
-                <a:sym typeface="Arial"/>
-              </a:rPr>
-              <a:t>3</a:t>
-            </a:r>
-            <a:r>
-              <a:rPr lang="ko" sz="1200" b="1" i="0" u="none" strike="noStrike" cap="none" dirty="0">
-                <a:solidFill>
-                  <a:schemeClr val="bg1"/>
-                </a:solidFill>
-                <a:latin typeface="Arial"/>
-                <a:ea typeface="Arial"/>
-                <a:cs typeface="Arial"/>
-                <a:sym typeface="Arial"/>
-              </a:rPr>
-              <a:t>.</a:t>
-            </a:r>
-            <a:endParaRPr sz="500" dirty="0">
-              <a:solidFill>
-                <a:schemeClr val="bg1"/>
-              </a:solidFill>
-            </a:endParaRPr>
-          </a:p>
-        </p:txBody>
-      </p:sp>
-      <p:sp>
-        <p:nvSpPr>
-          <p:cNvPr id="5" name="Google Shape;210;p30">
+          <p:cNvSpPr>
+            <a:spLocks noGrp="1"/>
+          </p:cNvSpPr>
+          <p:nvPr>
+            <p:ph idx="11"/>
+          </p:nvPr>
+        </p:nvSpPr>
+        <p:spPr/>
+        <p:txBody>
+          <a:bodyPr/>
+          <a:lstStyle/>
+          <a:p>
+            <a:r>
+              <a:rPr lang="en-US" altLang="ko-KR" dirty="0"/>
+              <a:t>Spring MVC / </a:t>
+            </a:r>
+            <a:r>
+              <a:rPr lang="en-US" altLang="ko-KR" dirty="0" err="1"/>
+              <a:t>Webflux</a:t>
+            </a:r>
+            <a:r>
+              <a:rPr lang="en-US" altLang="ko-KR" dirty="0"/>
+              <a:t> </a:t>
+            </a:r>
+            <a:r>
+              <a:rPr lang="ko-KR" altLang="en-US" dirty="0"/>
+              <a:t>성능 비교 </a:t>
+            </a:r>
+            <a:r>
+              <a:rPr lang="en-US" altLang="ko-KR" dirty="0"/>
+              <a:t>#2</a:t>
+            </a:r>
+            <a:endParaRPr lang="ko-KR" altLang="en-US" dirty="0"/>
+          </a:p>
+        </p:txBody>
+      </p:sp>
+      <p:sp>
+        <p:nvSpPr>
+          <p:cNvPr id="7" name="바닥글 개체 틀 6">
             <a:extLst>
               <a:ext uri="{FF2B5EF4-FFF2-40B4-BE49-F238E27FC236}">
-                <a16:creationId xmlns:a16="http://schemas.microsoft.com/office/drawing/2014/main" id="{619E44AE-90C6-0927-B728-5298838754AC}"/>
+                <a16:creationId xmlns:a16="http://schemas.microsoft.com/office/drawing/2014/main" id="{43A39622-BB53-55C9-E3E5-B83BBAF15BED}"/>
               </a:ext>
             </a:extLst>
           </p:cNvPr>
-          <p:cNvSpPr/>
-          <p:nvPr/>
-        </p:nvSpPr>
-        <p:spPr>
-          <a:xfrm>
-            <a:off x="7811013" y="825047"/>
-            <a:ext cx="952500" cy="293400"/>
-          </a:xfrm>
-          <a:prstGeom prst="rect">
-            <a:avLst/>
-          </a:prstGeom>
-          <a:noFill/>
-          <a:ln>
-            <a:noFill/>
-          </a:ln>
-        </p:spPr>
-        <p:txBody>
-          <a:bodyPr spcFirstLastPara="1" wrap="square" lIns="19050" tIns="19050" rIns="19050" bIns="19050" anchor="t" anchorCtr="0">
-            <a:noAutofit/>
-          </a:bodyPr>
-          <a:lstStyle/>
-          <a:p>
-            <a:pPr marL="63500" marR="0" lvl="1" indent="0" algn="l" rtl="0">
-              <a:spcBef>
-                <a:spcPts val="200"/>
-              </a:spcBef>
-              <a:spcAft>
-                <a:spcPts val="0"/>
-              </a:spcAft>
-              <a:buClr>
-                <a:srgbClr val="000000"/>
-              </a:buClr>
-              <a:buFont typeface="Arial"/>
-              <a:buNone/>
-            </a:pPr>
-            <a:r>
-              <a:rPr lang="en-US" altLang="ko-KR" sz="800" dirty="0">
-                <a:solidFill>
-                  <a:schemeClr val="bg1"/>
-                </a:solidFill>
-              </a:rPr>
-              <a:t>Spring MVC / </a:t>
-            </a:r>
-            <a:r>
-              <a:rPr lang="en-US" altLang="ko-KR" sz="800" dirty="0" err="1">
-                <a:solidFill>
-                  <a:schemeClr val="bg1"/>
-                </a:solidFill>
-              </a:rPr>
-              <a:t>Webflux</a:t>
-            </a:r>
-            <a:r>
-              <a:rPr lang="en-US" altLang="ko-KR" sz="800" dirty="0">
-                <a:solidFill>
-                  <a:schemeClr val="bg1"/>
-                </a:solidFill>
-              </a:rPr>
-              <a:t> </a:t>
-            </a:r>
-            <a:r>
-              <a:rPr lang="ko-KR" altLang="en-US" sz="800" dirty="0">
-                <a:solidFill>
-                  <a:schemeClr val="bg1"/>
-                </a:solidFill>
-              </a:rPr>
-              <a:t>성능 비교 </a:t>
-            </a:r>
-            <a:r>
-              <a:rPr lang="en-US" altLang="ko-KR" sz="800" dirty="0">
-                <a:solidFill>
-                  <a:schemeClr val="bg1"/>
-                </a:solidFill>
-              </a:rPr>
-              <a:t>#2</a:t>
-            </a:r>
-            <a:endParaRPr lang="ko-KR" altLang="en-US" sz="800" dirty="0">
-              <a:solidFill>
-                <a:schemeClr val="bg1"/>
-              </a:solidFill>
-            </a:endParaRPr>
+          <p:cNvSpPr>
+            <a:spLocks noGrp="1"/>
+          </p:cNvSpPr>
+          <p:nvPr>
+            <p:ph type="ftr" sz="quarter" idx="3"/>
+          </p:nvPr>
+        </p:nvSpPr>
+        <p:spPr/>
+        <p:txBody>
+          <a:bodyPr/>
+          <a:lstStyle/>
+          <a:p>
+            <a:r>
+              <a:rPr lang="ko-KR" altLang="en-US"/>
+              <a:t>성능 테스트</a:t>
+            </a:r>
+            <a:endParaRPr lang="ko-KR" altLang="en-US" dirty="0"/>
           </a:p>
         </p:txBody>
       </p:sp>
@@ -9064,168 +9216,46 @@
       </p:sp>
       <p:sp>
         <p:nvSpPr>
-          <p:cNvPr id="3" name="Google Shape;209;p30">
+          <p:cNvPr id="6" name="내용 개체 틀 5">
             <a:extLst>
               <a:ext uri="{FF2B5EF4-FFF2-40B4-BE49-F238E27FC236}">
-                <a16:creationId xmlns:a16="http://schemas.microsoft.com/office/drawing/2014/main" id="{A9BFC2A3-46A2-1458-DDCD-B7C8B35B77F7}"/>
+                <a16:creationId xmlns:a16="http://schemas.microsoft.com/office/drawing/2014/main" id="{4CD2EA8C-2107-C26B-296E-50ED82650DE3}"/>
               </a:ext>
             </a:extLst>
           </p:cNvPr>
-          <p:cNvSpPr/>
-          <p:nvPr/>
-        </p:nvSpPr>
-        <p:spPr>
-          <a:xfrm>
-            <a:off x="7811013" y="528014"/>
-            <a:ext cx="952500" cy="298200"/>
-          </a:xfrm>
-          <a:prstGeom prst="rect">
-            <a:avLst/>
-          </a:prstGeom>
-          <a:noFill/>
-          <a:ln>
-            <a:noFill/>
-          </a:ln>
-        </p:spPr>
-        <p:txBody>
-          <a:bodyPr spcFirstLastPara="1" wrap="square" lIns="19050" tIns="19050" rIns="19050" bIns="19050" anchor="t" anchorCtr="0">
-            <a:noAutofit/>
-          </a:bodyPr>
-          <a:lstStyle/>
-          <a:p>
-            <a:pPr marL="63500" marR="0" lvl="1" indent="0" algn="l" rtl="0">
-              <a:lnSpc>
-                <a:spcPct val="90000"/>
-              </a:lnSpc>
-              <a:spcBef>
-                <a:spcPts val="0"/>
-              </a:spcBef>
-              <a:spcAft>
-                <a:spcPts val="0"/>
-              </a:spcAft>
-              <a:buNone/>
-            </a:pPr>
-            <a:r>
-              <a:rPr lang="en-US" altLang="ko" sz="1200" b="1" i="0" u="none" strike="noStrike" cap="none" dirty="0">
-                <a:solidFill>
-                  <a:schemeClr val="bg1"/>
-                </a:solidFill>
-                <a:latin typeface="Arial"/>
-                <a:ea typeface="Arial"/>
-                <a:cs typeface="Arial"/>
-                <a:sym typeface="Arial"/>
-              </a:rPr>
-              <a:t>3</a:t>
-            </a:r>
-            <a:r>
-              <a:rPr lang="ko" sz="1200" b="1" i="0" u="none" strike="noStrike" cap="none" dirty="0">
-                <a:solidFill>
-                  <a:schemeClr val="bg1"/>
-                </a:solidFill>
-                <a:latin typeface="Arial"/>
-                <a:ea typeface="Arial"/>
-                <a:cs typeface="Arial"/>
-                <a:sym typeface="Arial"/>
-              </a:rPr>
-              <a:t>.</a:t>
-            </a:r>
-            <a:endParaRPr sz="500" dirty="0">
-              <a:solidFill>
-                <a:schemeClr val="bg1"/>
-              </a:solidFill>
-            </a:endParaRPr>
-          </a:p>
-        </p:txBody>
-      </p:sp>
-      <p:sp>
-        <p:nvSpPr>
-          <p:cNvPr id="4" name="Google Shape;210;p30">
-            <a:extLst>
-              <a:ext uri="{FF2B5EF4-FFF2-40B4-BE49-F238E27FC236}">
-                <a16:creationId xmlns:a16="http://schemas.microsoft.com/office/drawing/2014/main" id="{764C4AAD-D4E0-AEB4-A09A-21707FB3571C}"/>
-              </a:ext>
-            </a:extLst>
-          </p:cNvPr>
-          <p:cNvSpPr/>
-          <p:nvPr/>
-        </p:nvSpPr>
-        <p:spPr>
-          <a:xfrm>
-            <a:off x="7811013" y="825047"/>
-            <a:ext cx="952500" cy="293400"/>
-          </a:xfrm>
-          <a:prstGeom prst="rect">
-            <a:avLst/>
-          </a:prstGeom>
-          <a:noFill/>
-          <a:ln>
-            <a:noFill/>
-          </a:ln>
-        </p:spPr>
-        <p:txBody>
-          <a:bodyPr spcFirstLastPara="1" wrap="square" lIns="19050" tIns="19050" rIns="19050" bIns="19050" anchor="t" anchorCtr="0">
-            <a:noAutofit/>
-          </a:bodyPr>
-          <a:lstStyle/>
-          <a:p>
-            <a:pPr marL="63500" marR="0" lvl="1" indent="0" algn="l" rtl="0">
-              <a:spcBef>
-                <a:spcPts val="200"/>
-              </a:spcBef>
-              <a:spcAft>
-                <a:spcPts val="0"/>
-              </a:spcAft>
-              <a:buClr>
-                <a:srgbClr val="000000"/>
-              </a:buClr>
-              <a:buFont typeface="Arial"/>
-              <a:buNone/>
-            </a:pPr>
-            <a:r>
-              <a:rPr lang="en-US" altLang="ko-KR" sz="800" dirty="0">
-                <a:solidFill>
-                  <a:schemeClr val="bg1"/>
-                </a:solidFill>
-              </a:rPr>
+          <p:cNvSpPr>
+            <a:spLocks noGrp="1"/>
+          </p:cNvSpPr>
+          <p:nvPr>
+            <p:ph idx="11"/>
+          </p:nvPr>
+        </p:nvSpPr>
+        <p:spPr/>
+        <p:txBody>
+          <a:bodyPr/>
+          <a:lstStyle/>
+          <a:p>
+            <a:r>
+              <a:rPr lang="en-US" altLang="ko-KR" dirty="0"/>
               <a:t>Spring MVC / </a:t>
             </a:r>
             <a:r>
-              <a:rPr lang="en-US" altLang="ko-KR" sz="800" dirty="0" err="1">
-                <a:solidFill>
-                  <a:schemeClr val="bg1"/>
-                </a:solidFill>
-              </a:rPr>
+              <a:rPr lang="en-US" altLang="ko-KR" dirty="0" err="1"/>
               <a:t>Webflux</a:t>
             </a:r>
             <a:r>
-              <a:rPr lang="en-US" altLang="ko-KR" sz="800" dirty="0">
-                <a:solidFill>
-                  <a:schemeClr val="bg1"/>
-                </a:solidFill>
-              </a:rPr>
+              <a:rPr lang="en-US" altLang="ko-KR" dirty="0"/>
               <a:t> </a:t>
             </a:r>
             <a:r>
-              <a:rPr lang="ko-KR" altLang="en-US" sz="800" dirty="0">
-                <a:solidFill>
-                  <a:schemeClr val="bg1"/>
-                </a:solidFill>
-              </a:rPr>
+              <a:rPr lang="ko-KR" altLang="en-US" dirty="0"/>
               <a:t>성능 비교 </a:t>
             </a:r>
             <a:r>
-              <a:rPr lang="en-US" altLang="ko-KR" sz="800" dirty="0">
-                <a:solidFill>
-                  <a:schemeClr val="bg1"/>
-                </a:solidFill>
-              </a:rPr>
+              <a:rPr lang="en-US" altLang="ko-KR" dirty="0"/>
               <a:t>#2</a:t>
             </a:r>
-            <a:endParaRPr lang="ko-KR" altLang="en-US" sz="800" dirty="0">
-              <a:solidFill>
-                <a:schemeClr val="bg1"/>
-              </a:solidFill>
-            </a:endParaRPr>
+            <a:endParaRPr lang="ko-KR" altLang="en-US" dirty="0"/>
           </a:p>
         </p:txBody>
       </p:sp>
@@ -9251,7 +9281,7 @@
         </p:blipFill>
         <p:spPr>
           <a:xfrm>
-            <a:off x="992042" y="1118447"/>
+            <a:off x="992042" y="823980"/>
             <a:ext cx="6455579" cy="4025053"/>
           </a:xfrm>
           <a:prstGeom prst="rect">
@@ -9259,6 +9289,35 @@
           </a:prstGeom>
         </p:spPr>
       </p:pic>
+      <p:sp>
+        <p:nvSpPr>
+          <p:cNvPr id="8" name="바닥글 개체 틀 7">
+            <a:extLst>
+              <a:ext uri="{FF2B5EF4-FFF2-40B4-BE49-F238E27FC236}">
+                <a16:creationId xmlns:a16="http://schemas.microsoft.com/office/drawing/2014/main" id="{1FDC5E5A-483F-0C03-F733-7401478501CF}"/>
+              </a:ext>
+            </a:extLst>
+          </p:cNvPr>
+          <p:cNvSpPr>
+            <a:spLocks noGrp="1"/>
+          </p:cNvSpPr>
+          <p:nvPr>
+            <p:ph type="ftr" sz="quarter" idx="3"/>
+          </p:nvPr>
+        </p:nvSpPr>
+        <p:spPr/>
+        <p:txBody>
+          <a:bodyPr/>
+          <a:lstStyle/>
+          <a:p>
+            <a:r>
+              <a:rPr lang="ko-KR" altLang="en-US"/>
+              <a:t>성능 테스트</a:t>
+            </a:r>
+            <a:endParaRPr lang="ko-KR" altLang="en-US" dirty="0"/>
+          </a:p>
+        </p:txBody>
+      </p:sp>
     </p:spTree>
     <p:extLst>
       <p:ext uri="{BB962C8B-B14F-4D97-AF65-F5344CB8AC3E}">
@@ -9341,18 +9400,10 @@
           </a:bodyPr>
           <a:lstStyle/>
           <a:p>
-            <a:pPr marL="0" indent="0">
+            <a:pPr marL="342900" lvl="1" indent="0">
               <a:buNone/>
             </a:pPr>
             <a:r>
-              <a:rPr lang="ko-KR" altLang="en-US" dirty="0"/>
-              <a:t>부하테스트 도구</a:t>
-            </a:r>
-            <a:endParaRPr lang="en-US" altLang="ko-KR" dirty="0"/>
-          </a:p>
-          <a:p>
-            <a:pPr lvl="1"/>
-            <a:r>
               <a:rPr lang="en-US" altLang="ko-KR" dirty="0"/>
               <a:t>Apache </a:t>
             </a:r>
@@ -9363,14 +9414,18 @@
             <a:endParaRPr lang="en-US" altLang="ko-KR" dirty="0"/>
           </a:p>
           <a:p>
-            <a:pPr lvl="1"/>
+            <a:pPr marL="342900" lvl="1" indent="0">
+              <a:buNone/>
+            </a:pPr>
             <a:r>
               <a:rPr lang="en-US" altLang="ko-KR" dirty="0"/>
               <a:t>SoapUI</a:t>
             </a:r>
           </a:p>
           <a:p>
-            <a:pPr lvl="1"/>
+            <a:pPr marL="342900" lvl="1" indent="0">
+              <a:buNone/>
+            </a:pPr>
             <a:r>
               <a:rPr lang="en-US" altLang="ko-KR" dirty="0"/>
               <a:t>Grinder (</a:t>
@@ -9385,7 +9440,9 @@
             </a:r>
           </a:p>
           <a:p>
-            <a:pPr lvl="1"/>
+            <a:pPr marL="342900" lvl="1" indent="0">
+              <a:buNone/>
+            </a:pPr>
             <a:r>
               <a:rPr lang="en-US" altLang="ko-KR" dirty="0"/>
               <a:t>Roadrunner (</a:t>
@@ -9400,14 +9457,18 @@
             </a:r>
           </a:p>
           <a:p>
-            <a:pPr lvl="1"/>
+            <a:pPr marL="342900" lvl="1" indent="0">
+              <a:buNone/>
+            </a:pPr>
             <a:r>
               <a:rPr lang="en-US" altLang="ko-KR" dirty="0"/>
               <a:t>Grafana K6</a:t>
             </a:r>
           </a:p>
           <a:p>
-            <a:pPr lvl="1"/>
+            <a:pPr marL="342900" lvl="1" indent="0">
+              <a:buNone/>
+            </a:pPr>
             <a:r>
               <a:rPr lang="en-US" altLang="ko-KR" dirty="0"/>
               <a:t>Locust</a:t>
@@ -9418,144 +9479,62 @@
       </p:sp>
       <p:sp>
         <p:nvSpPr>
-          <p:cNvPr id="7" name="Google Shape;209;p30">
+          <p:cNvPr id="3" name="내용 개체 틀 2">
             <a:extLst>
               <a:ext uri="{FF2B5EF4-FFF2-40B4-BE49-F238E27FC236}">
-                <a16:creationId xmlns:a16="http://schemas.microsoft.com/office/drawing/2014/main" id="{35F3E219-4EBB-8DE8-0966-E4317399395E}"/>
+                <a16:creationId xmlns:a16="http://schemas.microsoft.com/office/drawing/2014/main" id="{DCC375DF-03A4-99AF-C948-1AB49C6D5C24}"/>
               </a:ext>
             </a:extLst>
           </p:cNvPr>
-          <p:cNvSpPr/>
-          <p:nvPr/>
-        </p:nvSpPr>
-        <p:spPr>
-          <a:xfrm>
-            <a:off x="7811013" y="528014"/>
-            <a:ext cx="952500" cy="298200"/>
-          </a:xfrm>
-          <a:prstGeom prst="rect">
-            <a:avLst/>
-          </a:prstGeom>
-          <a:noFill/>
-          <a:ln>
-            <a:noFill/>
-          </a:ln>
-        </p:spPr>
-        <p:txBody>
-          <a:bodyPr spcFirstLastPara="1" wrap="square" lIns="19050" tIns="19050" rIns="19050" bIns="19050" anchor="t" anchorCtr="0">
-            <a:noAutofit/>
-          </a:bodyPr>
-          <a:lstStyle/>
-          <a:p>
-            <a:pPr marL="63500" marR="0" lvl="1" indent="0" algn="l" rtl="0">
-              <a:lnSpc>
-                <a:spcPct val="90000"/>
-              </a:lnSpc>
-              <a:spcBef>
-                <a:spcPts val="0"/>
-              </a:spcBef>
-              <a:spcAft>
-                <a:spcPts val="0"/>
-              </a:spcAft>
-              <a:buNone/>
-            </a:pPr>
-            <a:r>
-              <a:rPr lang="en-US" altLang="ko" sz="1200" b="1" i="0" u="none" strike="noStrike" cap="none" dirty="0">
-                <a:solidFill>
-                  <a:schemeClr val="bg1"/>
-                </a:solidFill>
-                <a:latin typeface="Arial"/>
-                <a:ea typeface="Arial"/>
-                <a:cs typeface="Arial"/>
-                <a:sym typeface="Arial"/>
-              </a:rPr>
-              <a:t>1</a:t>
-            </a:r>
-            <a:r>
-              <a:rPr lang="ko" sz="1200" b="1" i="0" u="none" strike="noStrike" cap="none" dirty="0">
-                <a:solidFill>
-                  <a:schemeClr val="bg1"/>
-                </a:solidFill>
-                <a:latin typeface="Arial"/>
-                <a:ea typeface="Arial"/>
-                <a:cs typeface="Arial"/>
-                <a:sym typeface="Arial"/>
-              </a:rPr>
-              <a:t>.</a:t>
-            </a:r>
-            <a:endParaRPr sz="500" dirty="0">
-              <a:solidFill>
-                <a:schemeClr val="bg1"/>
-              </a:solidFill>
-            </a:endParaRPr>
-          </a:p>
-        </p:txBody>
-      </p:sp>
-      <p:sp>
-        <p:nvSpPr>
-          <p:cNvPr id="8" name="Google Shape;210;p30">
+          <p:cNvSpPr>
+            <a:spLocks noGrp="1"/>
+          </p:cNvSpPr>
+          <p:nvPr>
+            <p:ph idx="11"/>
+          </p:nvPr>
+        </p:nvSpPr>
+        <p:spPr/>
+        <p:txBody>
+          <a:bodyPr/>
+          <a:lstStyle/>
+          <a:p>
+            <a:r>
+              <a:rPr lang="en-US" altLang="ko-KR" dirty="0"/>
+              <a:t>Locust </a:t>
+            </a:r>
+            <a:r>
+              <a:rPr lang="ko-KR" altLang="en-US" dirty="0"/>
+              <a:t>셋업</a:t>
+            </a:r>
+          </a:p>
+        </p:txBody>
+      </p:sp>
+      <p:sp>
+        <p:nvSpPr>
+          <p:cNvPr id="5" name="바닥글 개체 틀 4">
             <a:extLst>
               <a:ext uri="{FF2B5EF4-FFF2-40B4-BE49-F238E27FC236}">
-                <a16:creationId xmlns:a16="http://schemas.microsoft.com/office/drawing/2014/main" id="{8CB63A74-B5C7-DCAA-53F5-96E44004D694}"/>
+                <a16:creationId xmlns:a16="http://schemas.microsoft.com/office/drawing/2014/main" id="{5D3A5C2C-2ECD-E3F9-872D-2F3DF2CB8F11}"/>
               </a:ext>
             </a:extLst>
           </p:cNvPr>
-          <p:cNvSpPr/>
-          <p:nvPr/>
-        </p:nvSpPr>
-        <p:spPr>
-          <a:xfrm>
-            <a:off x="7811013" y="825047"/>
-            <a:ext cx="952500" cy="293400"/>
-          </a:xfrm>
-          <a:prstGeom prst="rect">
-            <a:avLst/>
-          </a:prstGeom>
-          <a:noFill/>
-          <a:ln>
-            <a:noFill/>
-          </a:ln>
-        </p:spPr>
-        <p:txBody>
-          <a:bodyPr spcFirstLastPara="1" wrap="square" lIns="19050" tIns="19050" rIns="19050" bIns="19050" anchor="t" anchorCtr="0">
-            <a:noAutofit/>
-          </a:bodyPr>
-          <a:lstStyle/>
-          <a:p>
-            <a:pPr marL="63500" marR="0" lvl="1" indent="0" algn="l" rtl="0">
-              <a:spcBef>
-                <a:spcPts val="200"/>
-              </a:spcBef>
-              <a:spcAft>
-                <a:spcPts val="0"/>
-              </a:spcAft>
-              <a:buClr>
-                <a:srgbClr val="000000"/>
-              </a:buClr>
-              <a:buFont typeface="Arial"/>
-              <a:buNone/>
-            </a:pPr>
-            <a:r>
-              <a:rPr lang="en-US" altLang="ko-KR" sz="800" dirty="0">
-                <a:solidFill>
-                  <a:schemeClr val="bg1"/>
-                </a:solidFill>
-              </a:rPr>
-              <a:t>Locust </a:t>
-            </a:r>
-            <a:r>
-              <a:rPr lang="ko-KR" altLang="en-US" sz="800" dirty="0">
-                <a:solidFill>
-                  <a:schemeClr val="bg1"/>
-                </a:solidFill>
-              </a:rPr>
-              <a:t>셋업</a:t>
-            </a:r>
-            <a:endParaRPr sz="800" dirty="0">
-              <a:solidFill>
-                <a:schemeClr val="bg1"/>
-              </a:solidFill>
-            </a:endParaRPr>
+          <p:cNvSpPr>
+            <a:spLocks noGrp="1"/>
+          </p:cNvSpPr>
+          <p:nvPr>
+            <p:ph type="ftr" sz="quarter" idx="3"/>
+          </p:nvPr>
+        </p:nvSpPr>
+        <p:spPr/>
+        <p:txBody>
+          <a:bodyPr/>
+          <a:lstStyle/>
+          <a:p>
+            <a:r>
+              <a:rPr lang="ko-KR" altLang="en-US"/>
+              <a:t>성능 테스트</a:t>
+            </a:r>
+            <a:endParaRPr lang="ko-KR" altLang="en-US" dirty="0"/>
           </a:p>
         </p:txBody>
       </p:sp>
@@ -9619,168 +9598,46 @@
       </p:sp>
       <p:sp>
         <p:nvSpPr>
-          <p:cNvPr id="3" name="Google Shape;209;p30">
+          <p:cNvPr id="7" name="내용 개체 틀 6">
             <a:extLst>
               <a:ext uri="{FF2B5EF4-FFF2-40B4-BE49-F238E27FC236}">
-                <a16:creationId xmlns:a16="http://schemas.microsoft.com/office/drawing/2014/main" id="{64987E12-28EB-0D4F-6EE7-CAC7C086DF3A}"/>
+                <a16:creationId xmlns:a16="http://schemas.microsoft.com/office/drawing/2014/main" id="{B7BE4DA6-A5F8-1716-1E58-19482611A73D}"/>
               </a:ext>
             </a:extLst>
           </p:cNvPr>
-          <p:cNvSpPr/>
-          <p:nvPr/>
-        </p:nvSpPr>
-        <p:spPr>
-          <a:xfrm>
-            <a:off x="7811013" y="528014"/>
-            <a:ext cx="952500" cy="298200"/>
-          </a:xfrm>
-          <a:prstGeom prst="rect">
-            <a:avLst/>
-          </a:prstGeom>
-          <a:noFill/>
-          <a:ln>
-            <a:noFill/>
-          </a:ln>
-        </p:spPr>
-        <p:txBody>
-          <a:bodyPr spcFirstLastPara="1" wrap="square" lIns="19050" tIns="19050" rIns="19050" bIns="19050" anchor="t" anchorCtr="0">
-            <a:noAutofit/>
-          </a:bodyPr>
-          <a:lstStyle/>
-          <a:p>
-            <a:pPr marL="63500" marR="0" lvl="1" indent="0" algn="l" rtl="0">
-              <a:lnSpc>
-                <a:spcPct val="90000"/>
-              </a:lnSpc>
-              <a:spcBef>
-                <a:spcPts val="0"/>
-              </a:spcBef>
-              <a:spcAft>
-                <a:spcPts val="0"/>
-              </a:spcAft>
-              <a:buNone/>
-            </a:pPr>
-            <a:r>
-              <a:rPr lang="en-US" altLang="ko" sz="1200" b="1" i="0" u="none" strike="noStrike" cap="none" dirty="0">
-                <a:solidFill>
-                  <a:schemeClr val="bg1"/>
-                </a:solidFill>
-                <a:latin typeface="Arial"/>
-                <a:ea typeface="Arial"/>
-                <a:cs typeface="Arial"/>
-                <a:sym typeface="Arial"/>
-              </a:rPr>
-              <a:t>3</a:t>
-            </a:r>
-            <a:r>
-              <a:rPr lang="ko" sz="1200" b="1" i="0" u="none" strike="noStrike" cap="none" dirty="0">
-                <a:solidFill>
-                  <a:schemeClr val="bg1"/>
-                </a:solidFill>
-                <a:latin typeface="Arial"/>
-                <a:ea typeface="Arial"/>
-                <a:cs typeface="Arial"/>
-                <a:sym typeface="Arial"/>
-              </a:rPr>
-              <a:t>.</a:t>
-            </a:r>
-            <a:endParaRPr sz="500" dirty="0">
-              <a:solidFill>
-                <a:schemeClr val="bg1"/>
-              </a:solidFill>
-            </a:endParaRPr>
-          </a:p>
-        </p:txBody>
-      </p:sp>
-      <p:sp>
-        <p:nvSpPr>
-          <p:cNvPr id="4" name="Google Shape;210;p30">
-            <a:extLst>
-              <a:ext uri="{FF2B5EF4-FFF2-40B4-BE49-F238E27FC236}">
-                <a16:creationId xmlns:a16="http://schemas.microsoft.com/office/drawing/2014/main" id="{F69476E5-4683-1B70-668A-450C10F0B2CF}"/>
-              </a:ext>
-            </a:extLst>
-          </p:cNvPr>
-          <p:cNvSpPr/>
-          <p:nvPr/>
-        </p:nvSpPr>
-        <p:spPr>
-          <a:xfrm>
-            <a:off x="7811013" y="825047"/>
-            <a:ext cx="952500" cy="293400"/>
-          </a:xfrm>
-          <a:prstGeom prst="rect">
-            <a:avLst/>
-          </a:prstGeom>
-          <a:noFill/>
-          <a:ln>
-            <a:noFill/>
-          </a:ln>
-        </p:spPr>
-        <p:txBody>
-          <a:bodyPr spcFirstLastPara="1" wrap="square" lIns="19050" tIns="19050" rIns="19050" bIns="19050" anchor="t" anchorCtr="0">
-            <a:noAutofit/>
-          </a:bodyPr>
-          <a:lstStyle/>
-          <a:p>
-            <a:pPr marL="63500" marR="0" lvl="1" indent="0" algn="l" rtl="0">
-              <a:spcBef>
-                <a:spcPts val="200"/>
-              </a:spcBef>
-              <a:spcAft>
-                <a:spcPts val="0"/>
-              </a:spcAft>
-              <a:buClr>
-                <a:srgbClr val="000000"/>
-              </a:buClr>
-              <a:buFont typeface="Arial"/>
-              <a:buNone/>
-            </a:pPr>
-            <a:r>
-              <a:rPr lang="en-US" altLang="ko-KR" sz="800" dirty="0">
-                <a:solidFill>
-                  <a:schemeClr val="bg1"/>
-                </a:solidFill>
-              </a:rPr>
+          <p:cNvSpPr>
+            <a:spLocks noGrp="1"/>
+          </p:cNvSpPr>
+          <p:nvPr>
+            <p:ph idx="11"/>
+          </p:nvPr>
+        </p:nvSpPr>
+        <p:spPr/>
+        <p:txBody>
+          <a:bodyPr/>
+          <a:lstStyle/>
+          <a:p>
+            <a:r>
+              <a:rPr lang="en-US" altLang="ko-KR" dirty="0"/>
               <a:t>Spring MVC / </a:t>
             </a:r>
             <a:r>
-              <a:rPr lang="en-US" altLang="ko-KR" sz="800" dirty="0" err="1">
-                <a:solidFill>
-                  <a:schemeClr val="bg1"/>
-                </a:solidFill>
-              </a:rPr>
+              <a:rPr lang="en-US" altLang="ko-KR" dirty="0" err="1"/>
               <a:t>Webflux</a:t>
             </a:r>
             <a:r>
-              <a:rPr lang="en-US" altLang="ko-KR" sz="800" dirty="0">
-                <a:solidFill>
-                  <a:schemeClr val="bg1"/>
-                </a:solidFill>
-              </a:rPr>
+              <a:rPr lang="en-US" altLang="ko-KR" dirty="0"/>
               <a:t> </a:t>
             </a:r>
             <a:r>
-              <a:rPr lang="ko-KR" altLang="en-US" sz="800" dirty="0">
-                <a:solidFill>
-                  <a:schemeClr val="bg1"/>
-                </a:solidFill>
-              </a:rPr>
+              <a:rPr lang="ko-KR" altLang="en-US" dirty="0"/>
               <a:t>성능 비교 </a:t>
             </a:r>
             <a:r>
-              <a:rPr lang="en-US" altLang="ko-KR" sz="800" dirty="0">
-                <a:solidFill>
-                  <a:schemeClr val="bg1"/>
-                </a:solidFill>
-              </a:rPr>
+              <a:rPr lang="en-US" altLang="ko-KR" dirty="0"/>
               <a:t>#2</a:t>
             </a:r>
-            <a:endParaRPr lang="ko-KR" altLang="en-US" sz="800" dirty="0">
-              <a:solidFill>
-                <a:schemeClr val="bg1"/>
-              </a:solidFill>
-            </a:endParaRPr>
+            <a:endParaRPr lang="ko-KR" altLang="en-US" dirty="0"/>
           </a:p>
         </p:txBody>
       </p:sp>
@@ -9805,7 +9662,7 @@
         </p:blipFill>
         <p:spPr>
           <a:xfrm>
-            <a:off x="628651" y="1725665"/>
+            <a:off x="628651" y="1431196"/>
             <a:ext cx="3871700" cy="3387855"/>
           </a:xfrm>
           <a:prstGeom prst="rect">
@@ -9827,7 +9684,7 @@
         </p:nvSpPr>
         <p:spPr>
           <a:xfrm>
-            <a:off x="628650" y="1320110"/>
+            <a:off x="628650" y="1025641"/>
             <a:ext cx="845103" cy="307777"/>
           </a:xfrm>
           <a:prstGeom prst="rect">
@@ -9875,7 +9732,7 @@
         </p:nvSpPr>
         <p:spPr>
           <a:xfrm>
-            <a:off x="4662343" y="1320110"/>
+            <a:off x="4662343" y="1025641"/>
             <a:ext cx="845103" cy="307777"/>
           </a:xfrm>
           <a:prstGeom prst="rect">
@@ -9930,7 +9787,7 @@
         </p:blipFill>
         <p:spPr>
           <a:xfrm>
-            <a:off x="4724334" y="1725665"/>
+            <a:off x="4724334" y="1431196"/>
             <a:ext cx="3871698" cy="3387854"/>
           </a:xfrm>
           <a:prstGeom prst="rect">
@@ -9938,6 +9795,35 @@
           </a:prstGeom>
         </p:spPr>
       </p:pic>
+      <p:sp>
+        <p:nvSpPr>
+          <p:cNvPr id="9" name="바닥글 개체 틀 8">
+            <a:extLst>
+              <a:ext uri="{FF2B5EF4-FFF2-40B4-BE49-F238E27FC236}">
+                <a16:creationId xmlns:a16="http://schemas.microsoft.com/office/drawing/2014/main" id="{10316D20-87CC-922B-BE8D-0F4ED4713DED}"/>
+              </a:ext>
+            </a:extLst>
+          </p:cNvPr>
+          <p:cNvSpPr>
+            <a:spLocks noGrp="1"/>
+          </p:cNvSpPr>
+          <p:nvPr>
+            <p:ph type="ftr" sz="quarter" idx="3"/>
+          </p:nvPr>
+        </p:nvSpPr>
+        <p:spPr/>
+        <p:txBody>
+          <a:bodyPr/>
+          <a:lstStyle/>
+          <a:p>
+            <a:r>
+              <a:rPr lang="ko-KR" altLang="en-US"/>
+              <a:t>성능 테스트</a:t>
+            </a:r>
+            <a:endParaRPr lang="ko-KR" altLang="en-US" dirty="0"/>
+          </a:p>
+        </p:txBody>
+      </p:sp>
     </p:spTree>
     <p:extLst>
       <p:ext uri="{BB962C8B-B14F-4D97-AF65-F5344CB8AC3E}">
@@ -9998,168 +9884,46 @@
       </p:sp>
       <p:sp>
         <p:nvSpPr>
-          <p:cNvPr id="3" name="Google Shape;209;p30">
+          <p:cNvPr id="7" name="내용 개체 틀 6">
             <a:extLst>
               <a:ext uri="{FF2B5EF4-FFF2-40B4-BE49-F238E27FC236}">
-                <a16:creationId xmlns:a16="http://schemas.microsoft.com/office/drawing/2014/main" id="{64987E12-28EB-0D4F-6EE7-CAC7C086DF3A}"/>
+                <a16:creationId xmlns:a16="http://schemas.microsoft.com/office/drawing/2014/main" id="{F8FED045-896E-4CA3-EBE2-38D1F8E1F38D}"/>
               </a:ext>
             </a:extLst>
           </p:cNvPr>
-          <p:cNvSpPr/>
-          <p:nvPr/>
-        </p:nvSpPr>
-        <p:spPr>
-          <a:xfrm>
-            <a:off x="7811013" y="528014"/>
-            <a:ext cx="952500" cy="298200"/>
-          </a:xfrm>
-          <a:prstGeom prst="rect">
-            <a:avLst/>
-          </a:prstGeom>
-          <a:noFill/>
-          <a:ln>
-            <a:noFill/>
-          </a:ln>
-        </p:spPr>
-        <p:txBody>
-          <a:bodyPr spcFirstLastPara="1" wrap="square" lIns="19050" tIns="19050" rIns="19050" bIns="19050" anchor="t" anchorCtr="0">
-            <a:noAutofit/>
-          </a:bodyPr>
-          <a:lstStyle/>
-          <a:p>
-            <a:pPr marL="63500" marR="0" lvl="1" indent="0" algn="l" rtl="0">
-              <a:lnSpc>
-                <a:spcPct val="90000"/>
-              </a:lnSpc>
-              <a:spcBef>
-                <a:spcPts val="0"/>
-              </a:spcBef>
-              <a:spcAft>
-                <a:spcPts val="0"/>
-              </a:spcAft>
-              <a:buNone/>
-            </a:pPr>
-            <a:r>
-              <a:rPr lang="en-US" altLang="ko" sz="1200" b="1" i="0" u="none" strike="noStrike" cap="none" dirty="0">
-                <a:solidFill>
-                  <a:schemeClr val="bg1"/>
-                </a:solidFill>
-                <a:latin typeface="Arial"/>
-                <a:ea typeface="Arial"/>
-                <a:cs typeface="Arial"/>
-                <a:sym typeface="Arial"/>
-              </a:rPr>
-              <a:t>3</a:t>
-            </a:r>
-            <a:r>
-              <a:rPr lang="ko" sz="1200" b="1" i="0" u="none" strike="noStrike" cap="none" dirty="0">
-                <a:solidFill>
-                  <a:schemeClr val="bg1"/>
-                </a:solidFill>
-                <a:latin typeface="Arial"/>
-                <a:ea typeface="Arial"/>
-                <a:cs typeface="Arial"/>
-                <a:sym typeface="Arial"/>
-              </a:rPr>
-              <a:t>.</a:t>
-            </a:r>
-            <a:endParaRPr sz="500" dirty="0">
-              <a:solidFill>
-                <a:schemeClr val="bg1"/>
-              </a:solidFill>
-            </a:endParaRPr>
-          </a:p>
-        </p:txBody>
-      </p:sp>
-      <p:sp>
-        <p:nvSpPr>
-          <p:cNvPr id="4" name="Google Shape;210;p30">
-            <a:extLst>
-              <a:ext uri="{FF2B5EF4-FFF2-40B4-BE49-F238E27FC236}">
-                <a16:creationId xmlns:a16="http://schemas.microsoft.com/office/drawing/2014/main" id="{F69476E5-4683-1B70-668A-450C10F0B2CF}"/>
-              </a:ext>
-            </a:extLst>
-          </p:cNvPr>
-          <p:cNvSpPr/>
-          <p:nvPr/>
-        </p:nvSpPr>
-        <p:spPr>
-          <a:xfrm>
-            <a:off x="7811013" y="825047"/>
-            <a:ext cx="952500" cy="293400"/>
-          </a:xfrm>
-          <a:prstGeom prst="rect">
-            <a:avLst/>
-          </a:prstGeom>
-          <a:noFill/>
-          <a:ln>
-            <a:noFill/>
-          </a:ln>
-        </p:spPr>
-        <p:txBody>
-          <a:bodyPr spcFirstLastPara="1" wrap="square" lIns="19050" tIns="19050" rIns="19050" bIns="19050" anchor="t" anchorCtr="0">
-            <a:noAutofit/>
-          </a:bodyPr>
-          <a:lstStyle/>
-          <a:p>
-            <a:pPr marL="63500" marR="0" lvl="1" indent="0" algn="l" rtl="0">
-              <a:spcBef>
-                <a:spcPts val="200"/>
-              </a:spcBef>
-              <a:spcAft>
-                <a:spcPts val="0"/>
-              </a:spcAft>
-              <a:buClr>
-                <a:srgbClr val="000000"/>
-              </a:buClr>
-              <a:buFont typeface="Arial"/>
-              <a:buNone/>
-            </a:pPr>
-            <a:r>
-              <a:rPr lang="en-US" altLang="ko-KR" sz="800" dirty="0">
-                <a:solidFill>
-                  <a:schemeClr val="bg1"/>
-                </a:solidFill>
-              </a:rPr>
+          <p:cNvSpPr>
+            <a:spLocks noGrp="1"/>
+          </p:cNvSpPr>
+          <p:nvPr>
+            <p:ph idx="11"/>
+          </p:nvPr>
+        </p:nvSpPr>
+        <p:spPr/>
+        <p:txBody>
+          <a:bodyPr/>
+          <a:lstStyle/>
+          <a:p>
+            <a:r>
+              <a:rPr lang="en-US" altLang="ko-KR" dirty="0"/>
               <a:t>Spring MVC / </a:t>
             </a:r>
             <a:r>
-              <a:rPr lang="en-US" altLang="ko-KR" sz="800" dirty="0" err="1">
-                <a:solidFill>
-                  <a:schemeClr val="bg1"/>
-                </a:solidFill>
-              </a:rPr>
+              <a:rPr lang="en-US" altLang="ko-KR" dirty="0" err="1"/>
               <a:t>Webflux</a:t>
             </a:r>
             <a:r>
-              <a:rPr lang="en-US" altLang="ko-KR" sz="800" dirty="0">
-                <a:solidFill>
-                  <a:schemeClr val="bg1"/>
-                </a:solidFill>
-              </a:rPr>
+              <a:rPr lang="en-US" altLang="ko-KR" dirty="0"/>
               <a:t> </a:t>
             </a:r>
             <a:r>
-              <a:rPr lang="ko-KR" altLang="en-US" sz="800" dirty="0">
-                <a:solidFill>
-                  <a:schemeClr val="bg1"/>
-                </a:solidFill>
-              </a:rPr>
+              <a:rPr lang="ko-KR" altLang="en-US" dirty="0"/>
               <a:t>성능 비교 </a:t>
             </a:r>
             <a:r>
-              <a:rPr lang="en-US" altLang="ko-KR" sz="800" dirty="0">
-                <a:solidFill>
-                  <a:schemeClr val="bg1"/>
-                </a:solidFill>
-              </a:rPr>
+              <a:rPr lang="en-US" altLang="ko-KR" dirty="0"/>
               <a:t>#2</a:t>
             </a:r>
-            <a:endParaRPr lang="ko-KR" altLang="en-US" sz="800" dirty="0">
-              <a:solidFill>
-                <a:schemeClr val="bg1"/>
-              </a:solidFill>
-            </a:endParaRPr>
+            <a:endParaRPr lang="ko-KR" altLang="en-US" dirty="0"/>
           </a:p>
         </p:txBody>
       </p:sp>
@@ -10184,7 +9948,7 @@
         </p:blipFill>
         <p:spPr>
           <a:xfrm>
-            <a:off x="628651" y="1725665"/>
+            <a:off x="628651" y="1477691"/>
             <a:ext cx="3871700" cy="3387855"/>
           </a:xfrm>
           <a:prstGeom prst="rect">
@@ -10206,7 +9970,7 @@
         </p:nvSpPr>
         <p:spPr>
           <a:xfrm>
-            <a:off x="628650" y="1320110"/>
+            <a:off x="628650" y="1072136"/>
             <a:ext cx="845103" cy="307777"/>
           </a:xfrm>
           <a:prstGeom prst="rect">
@@ -10254,7 +10018,7 @@
         </p:nvSpPr>
         <p:spPr>
           <a:xfrm>
-            <a:off x="4662343" y="1320110"/>
+            <a:off x="4662343" y="1072136"/>
             <a:ext cx="1688283" cy="307777"/>
           </a:xfrm>
           <a:prstGeom prst="rect">
@@ -10323,7 +10087,7 @@
         </p:blipFill>
         <p:spPr>
           <a:xfrm>
-            <a:off x="4643651" y="1723207"/>
+            <a:off x="4643651" y="1475233"/>
             <a:ext cx="3871698" cy="3352214"/>
           </a:xfrm>
           <a:prstGeom prst="rect">
@@ -10331,10 +10095,978 @@
           </a:prstGeom>
         </p:spPr>
       </p:pic>
+      <p:sp>
+        <p:nvSpPr>
+          <p:cNvPr id="9" name="바닥글 개체 틀 8">
+            <a:extLst>
+              <a:ext uri="{FF2B5EF4-FFF2-40B4-BE49-F238E27FC236}">
+                <a16:creationId xmlns:a16="http://schemas.microsoft.com/office/drawing/2014/main" id="{3D512C05-998C-4187-40C8-D152558D6DCF}"/>
+              </a:ext>
+            </a:extLst>
+          </p:cNvPr>
+          <p:cNvSpPr>
+            <a:spLocks noGrp="1"/>
+          </p:cNvSpPr>
+          <p:nvPr>
+            <p:ph type="ftr" sz="quarter" idx="3"/>
+          </p:nvPr>
+        </p:nvSpPr>
+        <p:spPr/>
+        <p:txBody>
+          <a:bodyPr/>
+          <a:lstStyle/>
+          <a:p>
+            <a:r>
+              <a:rPr lang="ko-KR" altLang="en-US"/>
+              <a:t>성능 테스트</a:t>
+            </a:r>
+            <a:endParaRPr lang="ko-KR" altLang="en-US" dirty="0"/>
+          </a:p>
+        </p:txBody>
+      </p:sp>
     </p:spTree>
     <p:extLst>
       <p:ext uri="{BB962C8B-B14F-4D97-AF65-F5344CB8AC3E}">
         <p14:creationId xmlns:p14="http://schemas.microsoft.com/office/powerpoint/2010/main" val="572448023"/>
+      </p:ext>
+    </p:extLst>
+  </p:cSld>
+  <p:clrMapOvr>
+    <a:masterClrMapping/>
+  </p:clrMapOvr>
+</p:sld>
+</file>
+
+<file path=ppt/slides/slide22.xml><?xml version="1.0" encoding="utf-8"?>
+<p:sld xmlns:a="http://schemas.openxmlformats.org/drawingml/2006/main" xmlns:r="http://schemas.openxmlformats.org/officeDocument/2006/relationships" xmlns:p="http://schemas.openxmlformats.org/presentationml/2006/main">
+  <p:cSld>
+    <p:spTree>
+      <p:nvGrpSpPr>
+        <p:cNvPr id="1" name=""/>
+        <p:cNvGrpSpPr/>
+        <p:nvPr/>
+      </p:nvGrpSpPr>
+      <p:grpSpPr>
+        <a:xfrm>
+          <a:off x="0" y="0"/>
+          <a:ext cx="0" cy="0"/>
+          <a:chOff x="0" y="0"/>
+          <a:chExt cx="0" cy="0"/>
+        </a:xfrm>
+      </p:grpSpPr>
+      <p:sp>
+        <p:nvSpPr>
+          <p:cNvPr id="2" name="제목 1">
+            <a:extLst>
+              <a:ext uri="{FF2B5EF4-FFF2-40B4-BE49-F238E27FC236}">
+                <a16:creationId xmlns:a16="http://schemas.microsoft.com/office/drawing/2014/main" id="{9896B29B-A1AE-E0C6-8543-753E63140B1C}"/>
+              </a:ext>
+            </a:extLst>
+          </p:cNvPr>
+          <p:cNvSpPr>
+            <a:spLocks noGrp="1"/>
+          </p:cNvSpPr>
+          <p:nvPr>
+            <p:ph type="ctrTitle"/>
+          </p:nvPr>
+        </p:nvSpPr>
+        <p:spPr/>
+        <p:txBody>
+          <a:bodyPr>
+            <a:normAutofit/>
+          </a:bodyPr>
+          <a:lstStyle/>
+          <a:p>
+            <a:r>
+              <a:rPr lang="ko-KR" altLang="en-US" b="1" dirty="0"/>
+              <a:t>비동기 서비스 부하 테스트</a:t>
+            </a:r>
+          </a:p>
+        </p:txBody>
+      </p:sp>
+      <p:sp>
+        <p:nvSpPr>
+          <p:cNvPr id="4" name="부제목 3">
+            <a:extLst>
+              <a:ext uri="{FF2B5EF4-FFF2-40B4-BE49-F238E27FC236}">
+                <a16:creationId xmlns:a16="http://schemas.microsoft.com/office/drawing/2014/main" id="{7219E4B9-47F6-C7CA-B046-1256225C3574}"/>
+              </a:ext>
+            </a:extLst>
+          </p:cNvPr>
+          <p:cNvSpPr>
+            <a:spLocks noGrp="1"/>
+          </p:cNvSpPr>
+          <p:nvPr>
+            <p:ph type="subTitle" idx="1"/>
+          </p:nvPr>
+        </p:nvSpPr>
+        <p:spPr/>
+        <p:txBody>
+          <a:bodyPr>
+            <a:normAutofit/>
+          </a:bodyPr>
+          <a:lstStyle/>
+          <a:p>
+            <a:pPr marL="0" indent="0" algn="r">
+              <a:buNone/>
+            </a:pPr>
+            <a:r>
+              <a:rPr lang="en-US" altLang="ko-KR" dirty="0"/>
+              <a:t>Virtual Thread </a:t>
+            </a:r>
+            <a:r>
+              <a:rPr lang="ko-KR" altLang="en-US" dirty="0"/>
+              <a:t>성능 비교</a:t>
+            </a:r>
+          </a:p>
+        </p:txBody>
+      </p:sp>
+      <p:sp>
+        <p:nvSpPr>
+          <p:cNvPr id="3" name="텍스트 개체 틀 2">
+            <a:extLst>
+              <a:ext uri="{FF2B5EF4-FFF2-40B4-BE49-F238E27FC236}">
+                <a16:creationId xmlns:a16="http://schemas.microsoft.com/office/drawing/2014/main" id="{FE2B95BA-2728-AB86-1E87-7429ED51D66C}"/>
+              </a:ext>
+            </a:extLst>
+          </p:cNvPr>
+          <p:cNvSpPr>
+            <a:spLocks noGrp="1"/>
+          </p:cNvSpPr>
+          <p:nvPr>
+            <p:ph type="body" sz="quarter" idx="10"/>
+          </p:nvPr>
+        </p:nvSpPr>
+        <p:spPr/>
+        <p:txBody>
+          <a:bodyPr/>
+          <a:lstStyle/>
+          <a:p>
+            <a:endParaRPr lang="ko-KR" altLang="en-US"/>
+          </a:p>
+        </p:txBody>
+      </p:sp>
+    </p:spTree>
+    <p:extLst>
+      <p:ext uri="{BB962C8B-B14F-4D97-AF65-F5344CB8AC3E}">
+        <p14:creationId xmlns:p14="http://schemas.microsoft.com/office/powerpoint/2010/main" val="404724379"/>
+      </p:ext>
+    </p:extLst>
+  </p:cSld>
+  <p:clrMapOvr>
+    <a:masterClrMapping/>
+  </p:clrMapOvr>
+</p:sld>
+</file>
+
+<file path=ppt/slides/slide23.xml><?xml version="1.0" encoding="utf-8"?>
+<p:sld xmlns:a="http://schemas.openxmlformats.org/drawingml/2006/main" xmlns:r="http://schemas.openxmlformats.org/officeDocument/2006/relationships" xmlns:p="http://schemas.openxmlformats.org/presentationml/2006/main">
+  <p:cSld>
+    <p:spTree>
+      <p:nvGrpSpPr>
+        <p:cNvPr id="1" name=""/>
+        <p:cNvGrpSpPr/>
+        <p:nvPr/>
+      </p:nvGrpSpPr>
+      <p:grpSpPr>
+        <a:xfrm>
+          <a:off x="0" y="0"/>
+          <a:ext cx="0" cy="0"/>
+          <a:chOff x="0" y="0"/>
+          <a:chExt cx="0" cy="0"/>
+        </a:xfrm>
+      </p:grpSpPr>
+      <p:sp>
+        <p:nvSpPr>
+          <p:cNvPr id="2" name="제목 1">
+            <a:extLst>
+              <a:ext uri="{FF2B5EF4-FFF2-40B4-BE49-F238E27FC236}">
+                <a16:creationId xmlns:a16="http://schemas.microsoft.com/office/drawing/2014/main" id="{D21C1AA9-5E52-3A11-B3B3-447787E29D09}"/>
+              </a:ext>
+            </a:extLst>
+          </p:cNvPr>
+          <p:cNvSpPr>
+            <a:spLocks noGrp="1"/>
+          </p:cNvSpPr>
+          <p:nvPr>
+            <p:ph type="title"/>
+          </p:nvPr>
+        </p:nvSpPr>
+        <p:spPr/>
+        <p:txBody>
+          <a:bodyPr/>
+          <a:lstStyle/>
+          <a:p>
+            <a:r>
+              <a:rPr lang="en-US" altLang="ko-KR" dirty="0"/>
+              <a:t>Virtual Thread </a:t>
+            </a:r>
+            <a:r>
+              <a:rPr lang="ko-KR" altLang="en-US" dirty="0"/>
+              <a:t>성능 비교 </a:t>
+            </a:r>
+            <a:r>
+              <a:rPr lang="en-US" altLang="ko-KR" dirty="0"/>
+              <a:t>(</a:t>
+            </a:r>
+            <a:r>
+              <a:rPr lang="ko-KR" altLang="en-US" dirty="0" err="1"/>
+              <a:t>단건</a:t>
+            </a:r>
+            <a:r>
+              <a:rPr lang="en-US" altLang="ko-KR" dirty="0"/>
+              <a:t>)</a:t>
+            </a:r>
+            <a:endParaRPr lang="ko-KR" altLang="en-US" dirty="0"/>
+          </a:p>
+        </p:txBody>
+      </p:sp>
+      <p:sp>
+        <p:nvSpPr>
+          <p:cNvPr id="4" name="내용 개체 틀 3">
+            <a:extLst>
+              <a:ext uri="{FF2B5EF4-FFF2-40B4-BE49-F238E27FC236}">
+                <a16:creationId xmlns:a16="http://schemas.microsoft.com/office/drawing/2014/main" id="{0C03C301-419F-0256-6523-80E722599B51}"/>
+              </a:ext>
+            </a:extLst>
+          </p:cNvPr>
+          <p:cNvSpPr>
+            <a:spLocks noGrp="1"/>
+          </p:cNvSpPr>
+          <p:nvPr>
+            <p:ph idx="11"/>
+          </p:nvPr>
+        </p:nvSpPr>
+        <p:spPr/>
+        <p:txBody>
+          <a:bodyPr/>
+          <a:lstStyle/>
+          <a:p>
+            <a:r>
+              <a:rPr lang="en-US" altLang="ko-KR" dirty="0"/>
+              <a:t>Virtual Thread </a:t>
+            </a:r>
+            <a:r>
+              <a:rPr lang="ko-KR" altLang="en-US" dirty="0"/>
+              <a:t>성능 비교</a:t>
+            </a:r>
+          </a:p>
+        </p:txBody>
+      </p:sp>
+      <p:pic>
+        <p:nvPicPr>
+          <p:cNvPr id="9" name="그림 8" descr="스크린샷, 라인, 평행, 도표이(가) 표시된 사진&#10;&#10;자동 생성된 설명">
+            <a:extLst>
+              <a:ext uri="{FF2B5EF4-FFF2-40B4-BE49-F238E27FC236}">
+                <a16:creationId xmlns:a16="http://schemas.microsoft.com/office/drawing/2014/main" id="{67AE440F-3CB2-C71B-5B8D-1CCE53215E1D}"/>
+              </a:ext>
+            </a:extLst>
+          </p:cNvPr>
+          <p:cNvPicPr>
+            <a:picLocks noChangeAspect="1"/>
+          </p:cNvPicPr>
+          <p:nvPr/>
+        </p:nvPicPr>
+        <p:blipFill rotWithShape="1">
+          <a:blip r:embed="rId3">
+            <a:extLst>
+              <a:ext uri="{28A0092B-C50C-407E-A947-70E740481C1C}">
+                <a14:useLocalDpi xmlns:a14="http://schemas.microsoft.com/office/drawing/2010/main" val="0"/>
+              </a:ext>
+            </a:extLst>
+          </a:blip>
+          <a:srcRect r="2191" b="35144"/>
+          <a:stretch/>
+        </p:blipFill>
+        <p:spPr>
+          <a:xfrm>
+            <a:off x="628650" y="1369767"/>
+            <a:ext cx="8067418" cy="3335867"/>
+          </a:xfrm>
+          <a:prstGeom prst="rect">
+            <a:avLst/>
+          </a:prstGeom>
+        </p:spPr>
+      </p:pic>
+      <p:sp>
+        <p:nvSpPr>
+          <p:cNvPr id="10" name="사각형: 둥근 모서리 9">
+            <a:extLst>
+              <a:ext uri="{FF2B5EF4-FFF2-40B4-BE49-F238E27FC236}">
+                <a16:creationId xmlns:a16="http://schemas.microsoft.com/office/drawing/2014/main" id="{4041F8FF-CEFB-3289-FE0D-7B0047F11276}"/>
+              </a:ext>
+            </a:extLst>
+          </p:cNvPr>
+          <p:cNvSpPr/>
+          <p:nvPr/>
+        </p:nvSpPr>
+        <p:spPr>
+          <a:xfrm>
+            <a:off x="973667" y="1251231"/>
+            <a:ext cx="3750733" cy="3572934"/>
+          </a:xfrm>
+          <a:prstGeom prst="roundRect">
+            <a:avLst>
+              <a:gd name="adj" fmla="val 1601"/>
+            </a:avLst>
+          </a:prstGeom>
+          <a:noFill/>
+          <a:ln w="28575">
+            <a:solidFill>
+              <a:srgbClr val="FF0000"/>
+            </a:solidFill>
+          </a:ln>
+          <a:effectLst>
+            <a:glow rad="63500">
+              <a:schemeClr val="accent2">
+                <a:satMod val="175000"/>
+                <a:alpha val="40000"/>
+              </a:schemeClr>
+            </a:glow>
+          </a:effectLst>
+        </p:spPr>
+        <p:style>
+          <a:lnRef idx="2">
+            <a:schemeClr val="accent1">
+              <a:shade val="15000"/>
+            </a:schemeClr>
+          </a:lnRef>
+          <a:fillRef idx="1">
+            <a:schemeClr val="accent1"/>
+          </a:fillRef>
+          <a:effectRef idx="0">
+            <a:schemeClr val="accent1"/>
+          </a:effectRef>
+          <a:fontRef idx="minor">
+            <a:schemeClr val="lt1"/>
+          </a:fontRef>
+        </p:style>
+        <p:txBody>
+          <a:bodyPr rtlCol="0" anchor="ctr"/>
+          <a:lstStyle/>
+          <a:p>
+            <a:pPr algn="ctr"/>
+            <a:endParaRPr lang="ko-KR" altLang="en-US"/>
+          </a:p>
+        </p:txBody>
+      </p:sp>
+      <p:sp>
+        <p:nvSpPr>
+          <p:cNvPr id="11" name="사각형: 둥근 모서리 10">
+            <a:extLst>
+              <a:ext uri="{FF2B5EF4-FFF2-40B4-BE49-F238E27FC236}">
+                <a16:creationId xmlns:a16="http://schemas.microsoft.com/office/drawing/2014/main" id="{465C9327-2586-D6FC-8C62-20A9CA27D1FD}"/>
+              </a:ext>
+            </a:extLst>
+          </p:cNvPr>
+          <p:cNvSpPr/>
+          <p:nvPr/>
+        </p:nvSpPr>
+        <p:spPr>
+          <a:xfrm>
+            <a:off x="4860665" y="1251231"/>
+            <a:ext cx="3750733" cy="3572934"/>
+          </a:xfrm>
+          <a:prstGeom prst="roundRect">
+            <a:avLst>
+              <a:gd name="adj" fmla="val 1601"/>
+            </a:avLst>
+          </a:prstGeom>
+          <a:noFill/>
+          <a:ln w="28575">
+            <a:solidFill>
+              <a:srgbClr val="0033CC"/>
+            </a:solidFill>
+          </a:ln>
+          <a:effectLst>
+            <a:glow rad="63500">
+              <a:schemeClr val="accent6">
+                <a:satMod val="175000"/>
+                <a:alpha val="40000"/>
+              </a:schemeClr>
+            </a:glow>
+          </a:effectLst>
+        </p:spPr>
+        <p:style>
+          <a:lnRef idx="2">
+            <a:schemeClr val="accent1">
+              <a:shade val="15000"/>
+            </a:schemeClr>
+          </a:lnRef>
+          <a:fillRef idx="1">
+            <a:schemeClr val="accent1"/>
+          </a:fillRef>
+          <a:effectRef idx="0">
+            <a:schemeClr val="accent1"/>
+          </a:effectRef>
+          <a:fontRef idx="minor">
+            <a:schemeClr val="lt1"/>
+          </a:fontRef>
+        </p:style>
+        <p:txBody>
+          <a:bodyPr rtlCol="0" anchor="ctr"/>
+          <a:lstStyle/>
+          <a:p>
+            <a:pPr algn="ctr"/>
+            <a:endParaRPr lang="ko-KR" altLang="en-US"/>
+          </a:p>
+        </p:txBody>
+      </p:sp>
+      <p:sp>
+        <p:nvSpPr>
+          <p:cNvPr id="12" name="TextBox 11">
+            <a:extLst>
+              <a:ext uri="{FF2B5EF4-FFF2-40B4-BE49-F238E27FC236}">
+                <a16:creationId xmlns:a16="http://schemas.microsoft.com/office/drawing/2014/main" id="{00361427-D9C9-C6F2-A7BD-E6CC3F5A855A}"/>
+              </a:ext>
+            </a:extLst>
+          </p:cNvPr>
+          <p:cNvSpPr txBox="1"/>
+          <p:nvPr/>
+        </p:nvSpPr>
+        <p:spPr>
+          <a:xfrm>
+            <a:off x="973667" y="914964"/>
+            <a:ext cx="1478290" cy="276999"/>
+          </a:xfrm>
+          <a:prstGeom prst="rect">
+            <a:avLst/>
+          </a:prstGeom>
+          <a:noFill/>
+        </p:spPr>
+        <p:txBody>
+          <a:bodyPr wrap="none" rtlCol="0">
+            <a:spAutoFit/>
+          </a:bodyPr>
+          <a:lstStyle/>
+          <a:p>
+            <a:r>
+              <a:rPr lang="en-US" altLang="ko-KR" sz="1200" dirty="0">
+                <a:latin typeface="Spoqa Han Sans Neo" panose="020B0500000000000000" pitchFamily="34" charset="-127"/>
+                <a:ea typeface="Spoqa Han Sans Neo" panose="020B0500000000000000" pitchFamily="34" charset="-127"/>
+              </a:rPr>
+              <a:t>virtual-thread : </a:t>
+            </a:r>
+            <a:r>
+              <a:rPr lang="en-US" altLang="ko-KR" sz="1200" b="1" dirty="0">
+                <a:solidFill>
+                  <a:srgbClr val="FF0000"/>
+                </a:solidFill>
+                <a:latin typeface="Spoqa Han Sans Neo" panose="020B0500000000000000" pitchFamily="34" charset="-127"/>
+                <a:ea typeface="Spoqa Han Sans Neo" panose="020B0500000000000000" pitchFamily="34" charset="-127"/>
+              </a:rPr>
+              <a:t>on</a:t>
+            </a:r>
+            <a:endParaRPr lang="ko-KR" altLang="en-US" sz="1200" b="1" dirty="0">
+              <a:solidFill>
+                <a:srgbClr val="FF0000"/>
+              </a:solidFill>
+              <a:latin typeface="Spoqa Han Sans Neo" panose="020B0500000000000000" pitchFamily="34" charset="-127"/>
+              <a:ea typeface="Spoqa Han Sans Neo" panose="020B0500000000000000" pitchFamily="34" charset="-127"/>
+            </a:endParaRPr>
+          </a:p>
+        </p:txBody>
+      </p:sp>
+      <p:sp>
+        <p:nvSpPr>
+          <p:cNvPr id="13" name="TextBox 12">
+            <a:extLst>
+              <a:ext uri="{FF2B5EF4-FFF2-40B4-BE49-F238E27FC236}">
+                <a16:creationId xmlns:a16="http://schemas.microsoft.com/office/drawing/2014/main" id="{1B45E080-2E6D-4966-FBBA-F0439A4E6831}"/>
+              </a:ext>
+            </a:extLst>
+          </p:cNvPr>
+          <p:cNvSpPr txBox="1"/>
+          <p:nvPr/>
+        </p:nvSpPr>
+        <p:spPr>
+          <a:xfrm>
+            <a:off x="4890356" y="904668"/>
+            <a:ext cx="1497526" cy="276999"/>
+          </a:xfrm>
+          <a:prstGeom prst="rect">
+            <a:avLst/>
+          </a:prstGeom>
+          <a:noFill/>
+        </p:spPr>
+        <p:txBody>
+          <a:bodyPr wrap="none" rtlCol="0">
+            <a:spAutoFit/>
+          </a:bodyPr>
+          <a:lstStyle/>
+          <a:p>
+            <a:r>
+              <a:rPr lang="en-US" altLang="ko-KR" sz="1200" dirty="0">
+                <a:latin typeface="Spoqa Han Sans Neo" panose="020B0500000000000000" pitchFamily="34" charset="-127"/>
+                <a:ea typeface="Spoqa Han Sans Neo" panose="020B0500000000000000" pitchFamily="34" charset="-127"/>
+              </a:rPr>
+              <a:t>virtual-thread : </a:t>
+            </a:r>
+            <a:r>
+              <a:rPr lang="en-US" altLang="ko-KR" sz="1200" b="1" dirty="0">
+                <a:solidFill>
+                  <a:srgbClr val="0033CC"/>
+                </a:solidFill>
+                <a:latin typeface="Spoqa Han Sans Neo" panose="020B0500000000000000" pitchFamily="34" charset="-127"/>
+                <a:ea typeface="Spoqa Han Sans Neo" panose="020B0500000000000000" pitchFamily="34" charset="-127"/>
+              </a:rPr>
+              <a:t>off</a:t>
+            </a:r>
+            <a:endParaRPr lang="ko-KR" altLang="en-US" sz="1200" b="1" dirty="0">
+              <a:solidFill>
+                <a:srgbClr val="0033CC"/>
+              </a:solidFill>
+              <a:latin typeface="Spoqa Han Sans Neo" panose="020B0500000000000000" pitchFamily="34" charset="-127"/>
+              <a:ea typeface="Spoqa Han Sans Neo" panose="020B0500000000000000" pitchFamily="34" charset="-127"/>
+            </a:endParaRPr>
+          </a:p>
+        </p:txBody>
+      </p:sp>
+      <p:sp>
+        <p:nvSpPr>
+          <p:cNvPr id="5" name="바닥글 개체 틀 4">
+            <a:extLst>
+              <a:ext uri="{FF2B5EF4-FFF2-40B4-BE49-F238E27FC236}">
+                <a16:creationId xmlns:a16="http://schemas.microsoft.com/office/drawing/2014/main" id="{7B98EC5C-EF54-BCC8-C02E-765A126946AD}"/>
+              </a:ext>
+            </a:extLst>
+          </p:cNvPr>
+          <p:cNvSpPr>
+            <a:spLocks noGrp="1"/>
+          </p:cNvSpPr>
+          <p:nvPr>
+            <p:ph type="ftr" sz="quarter" idx="3"/>
+          </p:nvPr>
+        </p:nvSpPr>
+        <p:spPr/>
+        <p:txBody>
+          <a:bodyPr/>
+          <a:lstStyle/>
+          <a:p>
+            <a:r>
+              <a:rPr lang="ko-KR" altLang="en-US"/>
+              <a:t>성능 테스트</a:t>
+            </a:r>
+            <a:endParaRPr lang="ko-KR" altLang="en-US" dirty="0"/>
+          </a:p>
+        </p:txBody>
+      </p:sp>
+    </p:spTree>
+    <p:extLst>
+      <p:ext uri="{BB962C8B-B14F-4D97-AF65-F5344CB8AC3E}">
+        <p14:creationId xmlns:p14="http://schemas.microsoft.com/office/powerpoint/2010/main" val="175860380"/>
+      </p:ext>
+    </p:extLst>
+  </p:cSld>
+  <p:clrMapOvr>
+    <a:masterClrMapping/>
+  </p:clrMapOvr>
+</p:sld>
+</file>
+
+<file path=ppt/slides/slide24.xml><?xml version="1.0" encoding="utf-8"?>
+<p:sld xmlns:a="http://schemas.openxmlformats.org/drawingml/2006/main" xmlns:r="http://schemas.openxmlformats.org/officeDocument/2006/relationships" xmlns:p="http://schemas.openxmlformats.org/presentationml/2006/main">
+  <p:cSld>
+    <p:spTree>
+      <p:nvGrpSpPr>
+        <p:cNvPr id="1" name=""/>
+        <p:cNvGrpSpPr/>
+        <p:nvPr/>
+      </p:nvGrpSpPr>
+      <p:grpSpPr>
+        <a:xfrm>
+          <a:off x="0" y="0"/>
+          <a:ext cx="0" cy="0"/>
+          <a:chOff x="0" y="0"/>
+          <a:chExt cx="0" cy="0"/>
+        </a:xfrm>
+      </p:grpSpPr>
+      <p:pic>
+        <p:nvPicPr>
+          <p:cNvPr id="4" name="그림 3">
+            <a:extLst>
+              <a:ext uri="{FF2B5EF4-FFF2-40B4-BE49-F238E27FC236}">
+                <a16:creationId xmlns:a16="http://schemas.microsoft.com/office/drawing/2014/main" id="{87FC1984-CECF-2C35-2DF7-6B2E19D01F24}"/>
+              </a:ext>
+            </a:extLst>
+          </p:cNvPr>
+          <p:cNvPicPr>
+            <a:picLocks noChangeAspect="1"/>
+          </p:cNvPicPr>
+          <p:nvPr/>
+        </p:nvPicPr>
+        <p:blipFill>
+          <a:blip r:embed="rId3"/>
+          <a:stretch>
+            <a:fillRect/>
+          </a:stretch>
+        </p:blipFill>
+        <p:spPr>
+          <a:xfrm>
+            <a:off x="668728" y="1355262"/>
+            <a:ext cx="8027990" cy="3358837"/>
+          </a:xfrm>
+          <a:prstGeom prst="rect">
+            <a:avLst/>
+          </a:prstGeom>
+        </p:spPr>
+      </p:pic>
+      <p:sp>
+        <p:nvSpPr>
+          <p:cNvPr id="2" name="제목 1">
+            <a:extLst>
+              <a:ext uri="{FF2B5EF4-FFF2-40B4-BE49-F238E27FC236}">
+                <a16:creationId xmlns:a16="http://schemas.microsoft.com/office/drawing/2014/main" id="{D21C1AA9-5E52-3A11-B3B3-447787E29D09}"/>
+              </a:ext>
+            </a:extLst>
+          </p:cNvPr>
+          <p:cNvSpPr>
+            <a:spLocks noGrp="1"/>
+          </p:cNvSpPr>
+          <p:nvPr>
+            <p:ph type="title"/>
+          </p:nvPr>
+        </p:nvSpPr>
+        <p:spPr/>
+        <p:txBody>
+          <a:bodyPr/>
+          <a:lstStyle/>
+          <a:p>
+            <a:r>
+              <a:rPr lang="en-US" altLang="ko-KR" dirty="0"/>
+              <a:t>Virtual Thread </a:t>
+            </a:r>
+            <a:r>
+              <a:rPr lang="ko-KR" altLang="en-US" dirty="0"/>
+              <a:t>성능 비교 </a:t>
+            </a:r>
+            <a:r>
+              <a:rPr lang="en-US" altLang="ko-KR" dirty="0"/>
+              <a:t>(</a:t>
+            </a:r>
+            <a:r>
+              <a:rPr lang="ko-KR" altLang="en-US" dirty="0" err="1"/>
+              <a:t>단건</a:t>
+            </a:r>
+            <a:r>
+              <a:rPr lang="ko-KR" altLang="en-US" dirty="0"/>
+              <a:t> </a:t>
+            </a:r>
+            <a:r>
+              <a:rPr lang="en-US" altLang="ko-KR" dirty="0"/>
+              <a:t>+ </a:t>
+            </a:r>
+            <a:r>
+              <a:rPr lang="ko-KR" altLang="en-US" dirty="0" err="1"/>
+              <a:t>다건</a:t>
+            </a:r>
+            <a:r>
+              <a:rPr lang="en-US" altLang="ko-KR" dirty="0"/>
+              <a:t>)</a:t>
+            </a:r>
+            <a:endParaRPr lang="ko-KR" altLang="en-US" dirty="0"/>
+          </a:p>
+        </p:txBody>
+      </p:sp>
+      <p:sp>
+        <p:nvSpPr>
+          <p:cNvPr id="5" name="내용 개체 틀 4">
+            <a:extLst>
+              <a:ext uri="{FF2B5EF4-FFF2-40B4-BE49-F238E27FC236}">
+                <a16:creationId xmlns:a16="http://schemas.microsoft.com/office/drawing/2014/main" id="{5EFD5E27-0C26-8873-4F3D-C0F27A70EDA9}"/>
+              </a:ext>
+            </a:extLst>
+          </p:cNvPr>
+          <p:cNvSpPr>
+            <a:spLocks noGrp="1"/>
+          </p:cNvSpPr>
+          <p:nvPr>
+            <p:ph idx="11"/>
+          </p:nvPr>
+        </p:nvSpPr>
+        <p:spPr/>
+        <p:txBody>
+          <a:bodyPr/>
+          <a:lstStyle/>
+          <a:p>
+            <a:r>
+              <a:rPr lang="en-US" altLang="ko-KR" dirty="0"/>
+              <a:t>Virtual Thread </a:t>
+            </a:r>
+            <a:r>
+              <a:rPr lang="ko-KR" altLang="en-US" dirty="0"/>
+              <a:t>성능 비교</a:t>
+            </a:r>
+          </a:p>
+        </p:txBody>
+      </p:sp>
+      <p:sp>
+        <p:nvSpPr>
+          <p:cNvPr id="10" name="사각형: 둥근 모서리 9">
+            <a:extLst>
+              <a:ext uri="{FF2B5EF4-FFF2-40B4-BE49-F238E27FC236}">
+                <a16:creationId xmlns:a16="http://schemas.microsoft.com/office/drawing/2014/main" id="{4041F8FF-CEFB-3289-FE0D-7B0047F11276}"/>
+              </a:ext>
+            </a:extLst>
+          </p:cNvPr>
+          <p:cNvSpPr/>
+          <p:nvPr/>
+        </p:nvSpPr>
+        <p:spPr>
+          <a:xfrm>
+            <a:off x="973667" y="1251232"/>
+            <a:ext cx="3750733" cy="3572934"/>
+          </a:xfrm>
+          <a:prstGeom prst="roundRect">
+            <a:avLst>
+              <a:gd name="adj" fmla="val 1601"/>
+            </a:avLst>
+          </a:prstGeom>
+          <a:noFill/>
+          <a:ln w="28575">
+            <a:solidFill>
+              <a:srgbClr val="FF0000"/>
+            </a:solidFill>
+          </a:ln>
+          <a:effectLst>
+            <a:glow rad="63500">
+              <a:schemeClr val="accent2">
+                <a:satMod val="175000"/>
+                <a:alpha val="40000"/>
+              </a:schemeClr>
+            </a:glow>
+          </a:effectLst>
+        </p:spPr>
+        <p:style>
+          <a:lnRef idx="2">
+            <a:schemeClr val="accent1">
+              <a:shade val="15000"/>
+            </a:schemeClr>
+          </a:lnRef>
+          <a:fillRef idx="1">
+            <a:schemeClr val="accent1"/>
+          </a:fillRef>
+          <a:effectRef idx="0">
+            <a:schemeClr val="accent1"/>
+          </a:effectRef>
+          <a:fontRef idx="minor">
+            <a:schemeClr val="lt1"/>
+          </a:fontRef>
+        </p:style>
+        <p:txBody>
+          <a:bodyPr rtlCol="0" anchor="ctr"/>
+          <a:lstStyle/>
+          <a:p>
+            <a:pPr algn="ctr"/>
+            <a:endParaRPr lang="ko-KR" altLang="en-US"/>
+          </a:p>
+        </p:txBody>
+      </p:sp>
+      <p:sp>
+        <p:nvSpPr>
+          <p:cNvPr id="11" name="사각형: 둥근 모서리 10">
+            <a:extLst>
+              <a:ext uri="{FF2B5EF4-FFF2-40B4-BE49-F238E27FC236}">
+                <a16:creationId xmlns:a16="http://schemas.microsoft.com/office/drawing/2014/main" id="{465C9327-2586-D6FC-8C62-20A9CA27D1FD}"/>
+              </a:ext>
+            </a:extLst>
+          </p:cNvPr>
+          <p:cNvSpPr/>
+          <p:nvPr/>
+        </p:nvSpPr>
+        <p:spPr>
+          <a:xfrm>
+            <a:off x="4860665" y="1251232"/>
+            <a:ext cx="3750733" cy="3572934"/>
+          </a:xfrm>
+          <a:prstGeom prst="roundRect">
+            <a:avLst>
+              <a:gd name="adj" fmla="val 1601"/>
+            </a:avLst>
+          </a:prstGeom>
+          <a:noFill/>
+          <a:ln w="28575">
+            <a:solidFill>
+              <a:srgbClr val="0033CC"/>
+            </a:solidFill>
+          </a:ln>
+          <a:effectLst>
+            <a:glow rad="63500">
+              <a:schemeClr val="accent6">
+                <a:satMod val="175000"/>
+                <a:alpha val="40000"/>
+              </a:schemeClr>
+            </a:glow>
+          </a:effectLst>
+        </p:spPr>
+        <p:style>
+          <a:lnRef idx="2">
+            <a:schemeClr val="accent1">
+              <a:shade val="15000"/>
+            </a:schemeClr>
+          </a:lnRef>
+          <a:fillRef idx="1">
+            <a:schemeClr val="accent1"/>
+          </a:fillRef>
+          <a:effectRef idx="0">
+            <a:schemeClr val="accent1"/>
+          </a:effectRef>
+          <a:fontRef idx="minor">
+            <a:schemeClr val="lt1"/>
+          </a:fontRef>
+        </p:style>
+        <p:txBody>
+          <a:bodyPr rtlCol="0" anchor="ctr"/>
+          <a:lstStyle/>
+          <a:p>
+            <a:pPr algn="ctr"/>
+            <a:endParaRPr lang="ko-KR" altLang="en-US"/>
+          </a:p>
+        </p:txBody>
+      </p:sp>
+      <p:sp>
+        <p:nvSpPr>
+          <p:cNvPr id="12" name="TextBox 11">
+            <a:extLst>
+              <a:ext uri="{FF2B5EF4-FFF2-40B4-BE49-F238E27FC236}">
+                <a16:creationId xmlns:a16="http://schemas.microsoft.com/office/drawing/2014/main" id="{00361427-D9C9-C6F2-A7BD-E6CC3F5A855A}"/>
+              </a:ext>
+            </a:extLst>
+          </p:cNvPr>
+          <p:cNvSpPr txBox="1"/>
+          <p:nvPr/>
+        </p:nvSpPr>
+        <p:spPr>
+          <a:xfrm>
+            <a:off x="973667" y="914965"/>
+            <a:ext cx="1478290" cy="276999"/>
+          </a:xfrm>
+          <a:prstGeom prst="rect">
+            <a:avLst/>
+          </a:prstGeom>
+          <a:noFill/>
+        </p:spPr>
+        <p:txBody>
+          <a:bodyPr wrap="none" rtlCol="0">
+            <a:spAutoFit/>
+          </a:bodyPr>
+          <a:lstStyle/>
+          <a:p>
+            <a:r>
+              <a:rPr lang="en-US" altLang="ko-KR" sz="1200" dirty="0">
+                <a:latin typeface="Spoqa Han Sans Neo" panose="020B0500000000000000" pitchFamily="34" charset="-127"/>
+                <a:ea typeface="Spoqa Han Sans Neo" panose="020B0500000000000000" pitchFamily="34" charset="-127"/>
+              </a:rPr>
+              <a:t>virtual-thread : </a:t>
+            </a:r>
+            <a:r>
+              <a:rPr lang="en-US" altLang="ko-KR" sz="1200" b="1" dirty="0">
+                <a:solidFill>
+                  <a:srgbClr val="FF0000"/>
+                </a:solidFill>
+                <a:latin typeface="Spoqa Han Sans Neo" panose="020B0500000000000000" pitchFamily="34" charset="-127"/>
+                <a:ea typeface="Spoqa Han Sans Neo" panose="020B0500000000000000" pitchFamily="34" charset="-127"/>
+              </a:rPr>
+              <a:t>on</a:t>
+            </a:r>
+            <a:endParaRPr lang="ko-KR" altLang="en-US" sz="1200" b="1" dirty="0">
+              <a:solidFill>
+                <a:srgbClr val="FF0000"/>
+              </a:solidFill>
+              <a:latin typeface="Spoqa Han Sans Neo" panose="020B0500000000000000" pitchFamily="34" charset="-127"/>
+              <a:ea typeface="Spoqa Han Sans Neo" panose="020B0500000000000000" pitchFamily="34" charset="-127"/>
+            </a:endParaRPr>
+          </a:p>
+        </p:txBody>
+      </p:sp>
+      <p:sp>
+        <p:nvSpPr>
+          <p:cNvPr id="13" name="TextBox 12">
+            <a:extLst>
+              <a:ext uri="{FF2B5EF4-FFF2-40B4-BE49-F238E27FC236}">
+                <a16:creationId xmlns:a16="http://schemas.microsoft.com/office/drawing/2014/main" id="{1B45E080-2E6D-4966-FBBA-F0439A4E6831}"/>
+              </a:ext>
+            </a:extLst>
+          </p:cNvPr>
+          <p:cNvSpPr txBox="1"/>
+          <p:nvPr/>
+        </p:nvSpPr>
+        <p:spPr>
+          <a:xfrm>
+            <a:off x="4890356" y="904669"/>
+            <a:ext cx="1497526" cy="276999"/>
+          </a:xfrm>
+          <a:prstGeom prst="rect">
+            <a:avLst/>
+          </a:prstGeom>
+          <a:noFill/>
+        </p:spPr>
+        <p:txBody>
+          <a:bodyPr wrap="none" rtlCol="0">
+            <a:spAutoFit/>
+          </a:bodyPr>
+          <a:lstStyle/>
+          <a:p>
+            <a:r>
+              <a:rPr lang="en-US" altLang="ko-KR" sz="1200" dirty="0">
+                <a:latin typeface="Spoqa Han Sans Neo" panose="020B0500000000000000" pitchFamily="34" charset="-127"/>
+                <a:ea typeface="Spoqa Han Sans Neo" panose="020B0500000000000000" pitchFamily="34" charset="-127"/>
+              </a:rPr>
+              <a:t>virtual-thread : </a:t>
+            </a:r>
+            <a:r>
+              <a:rPr lang="en-US" altLang="ko-KR" sz="1200" b="1" dirty="0">
+                <a:solidFill>
+                  <a:srgbClr val="0033CC"/>
+                </a:solidFill>
+                <a:latin typeface="Spoqa Han Sans Neo" panose="020B0500000000000000" pitchFamily="34" charset="-127"/>
+                <a:ea typeface="Spoqa Han Sans Neo" panose="020B0500000000000000" pitchFamily="34" charset="-127"/>
+              </a:rPr>
+              <a:t>off</a:t>
+            </a:r>
+            <a:endParaRPr lang="ko-KR" altLang="en-US" sz="1200" b="1" dirty="0">
+              <a:solidFill>
+                <a:srgbClr val="0033CC"/>
+              </a:solidFill>
+              <a:latin typeface="Spoqa Han Sans Neo" panose="020B0500000000000000" pitchFamily="34" charset="-127"/>
+              <a:ea typeface="Spoqa Han Sans Neo" panose="020B0500000000000000" pitchFamily="34" charset="-127"/>
+            </a:endParaRPr>
+          </a:p>
+        </p:txBody>
+      </p:sp>
+      <p:sp>
+        <p:nvSpPr>
+          <p:cNvPr id="6" name="바닥글 개체 틀 5">
+            <a:extLst>
+              <a:ext uri="{FF2B5EF4-FFF2-40B4-BE49-F238E27FC236}">
+                <a16:creationId xmlns:a16="http://schemas.microsoft.com/office/drawing/2014/main" id="{C62C7471-1ED1-7F6D-E99D-FE025BFBAA7B}"/>
+              </a:ext>
+            </a:extLst>
+          </p:cNvPr>
+          <p:cNvSpPr>
+            <a:spLocks noGrp="1"/>
+          </p:cNvSpPr>
+          <p:nvPr>
+            <p:ph type="ftr" sz="quarter" idx="3"/>
+          </p:nvPr>
+        </p:nvSpPr>
+        <p:spPr/>
+        <p:txBody>
+          <a:bodyPr/>
+          <a:lstStyle/>
+          <a:p>
+            <a:r>
+              <a:rPr lang="ko-KR" altLang="en-US"/>
+              <a:t>성능 테스트</a:t>
+            </a:r>
+            <a:endParaRPr lang="ko-KR" altLang="en-US" dirty="0"/>
+          </a:p>
+        </p:txBody>
+      </p:sp>
+    </p:spTree>
+    <p:extLst>
+      <p:ext uri="{BB962C8B-B14F-4D97-AF65-F5344CB8AC3E}">
+        <p14:creationId xmlns:p14="http://schemas.microsoft.com/office/powerpoint/2010/main" val="2340748734"/>
       </p:ext>
     </p:extLst>
   </p:cSld>
@@ -10413,16 +11145,9 @@
           </a:bodyPr>
           <a:lstStyle/>
           <a:p>
-            <a:pPr marL="0" indent="0">
+            <a:pPr marL="342900" lvl="1" indent="0">
               <a:buNone/>
             </a:pPr>
-            <a:r>
-              <a:rPr lang="en-US" altLang="ko-KR" dirty="0"/>
-              <a:t>Locust</a:t>
-            </a:r>
-          </a:p>
-          <a:p>
-            <a:pPr lvl="1"/>
             <a:r>
               <a:rPr lang="en-US" altLang="ko-KR" dirty="0">
                 <a:effectLst/>
@@ -10436,144 +11161,33 @@
       </p:sp>
       <p:sp>
         <p:nvSpPr>
-          <p:cNvPr id="7" name="Google Shape;209;p30">
+          <p:cNvPr id="3" name="내용 개체 틀 2">
             <a:extLst>
               <a:ext uri="{FF2B5EF4-FFF2-40B4-BE49-F238E27FC236}">
-                <a16:creationId xmlns:a16="http://schemas.microsoft.com/office/drawing/2014/main" id="{35F3E219-4EBB-8DE8-0966-E4317399395E}"/>
+                <a16:creationId xmlns:a16="http://schemas.microsoft.com/office/drawing/2014/main" id="{A652A8A9-3E7B-3390-DA14-B89739798BE7}"/>
               </a:ext>
             </a:extLst>
           </p:cNvPr>
-          <p:cNvSpPr/>
-          <p:nvPr/>
-        </p:nvSpPr>
-        <p:spPr>
-          <a:xfrm>
-            <a:off x="7811013" y="528014"/>
-            <a:ext cx="952500" cy="298200"/>
-          </a:xfrm>
-          <a:prstGeom prst="rect">
-            <a:avLst/>
-          </a:prstGeom>
-          <a:noFill/>
-          <a:ln>
-            <a:noFill/>
-          </a:ln>
-        </p:spPr>
-        <p:txBody>
-          <a:bodyPr spcFirstLastPara="1" wrap="square" lIns="19050" tIns="19050" rIns="19050" bIns="19050" anchor="t" anchorCtr="0">
-            <a:noAutofit/>
-          </a:bodyPr>
-          <a:lstStyle/>
-          <a:p>
-            <a:pPr marL="63500" marR="0" lvl="1" indent="0" algn="l" rtl="0">
-              <a:lnSpc>
-                <a:spcPct val="90000"/>
-              </a:lnSpc>
-              <a:spcBef>
-                <a:spcPts val="0"/>
-              </a:spcBef>
-              <a:spcAft>
-                <a:spcPts val="0"/>
-              </a:spcAft>
-              <a:buNone/>
-            </a:pPr>
-            <a:r>
-              <a:rPr lang="en-US" altLang="ko" sz="1200" b="1" i="0" u="none" strike="noStrike" cap="none" dirty="0">
-                <a:solidFill>
-                  <a:schemeClr val="bg1"/>
-                </a:solidFill>
-                <a:latin typeface="Arial"/>
-                <a:ea typeface="Arial"/>
-                <a:cs typeface="Arial"/>
-                <a:sym typeface="Arial"/>
-              </a:rPr>
-              <a:t>1</a:t>
-            </a:r>
-            <a:r>
-              <a:rPr lang="ko" sz="1200" b="1" i="0" u="none" strike="noStrike" cap="none" dirty="0">
-                <a:solidFill>
-                  <a:schemeClr val="bg1"/>
-                </a:solidFill>
-                <a:latin typeface="Arial"/>
-                <a:ea typeface="Arial"/>
-                <a:cs typeface="Arial"/>
-                <a:sym typeface="Arial"/>
-              </a:rPr>
-              <a:t>.</a:t>
-            </a:r>
-            <a:endParaRPr sz="500" dirty="0">
-              <a:solidFill>
-                <a:schemeClr val="bg1"/>
-              </a:solidFill>
-            </a:endParaRPr>
-          </a:p>
-        </p:txBody>
-      </p:sp>
-      <p:sp>
-        <p:nvSpPr>
-          <p:cNvPr id="8" name="Google Shape;210;p30">
-            <a:extLst>
-              <a:ext uri="{FF2B5EF4-FFF2-40B4-BE49-F238E27FC236}">
-                <a16:creationId xmlns:a16="http://schemas.microsoft.com/office/drawing/2014/main" id="{8CB63A74-B5C7-DCAA-53F5-96E44004D694}"/>
-              </a:ext>
-            </a:extLst>
-          </p:cNvPr>
-          <p:cNvSpPr/>
-          <p:nvPr/>
-        </p:nvSpPr>
-        <p:spPr>
-          <a:xfrm>
-            <a:off x="7811013" y="825047"/>
-            <a:ext cx="952500" cy="293400"/>
-          </a:xfrm>
-          <a:prstGeom prst="rect">
-            <a:avLst/>
-          </a:prstGeom>
-          <a:noFill/>
-          <a:ln>
-            <a:noFill/>
-          </a:ln>
-        </p:spPr>
-        <p:txBody>
-          <a:bodyPr spcFirstLastPara="1" wrap="square" lIns="19050" tIns="19050" rIns="19050" bIns="19050" anchor="t" anchorCtr="0">
-            <a:noAutofit/>
-          </a:bodyPr>
-          <a:lstStyle/>
-          <a:p>
-            <a:pPr marL="63500" marR="0" lvl="1" indent="0" algn="l" rtl="0">
-              <a:spcBef>
-                <a:spcPts val="200"/>
-              </a:spcBef>
-              <a:spcAft>
-                <a:spcPts val="0"/>
-              </a:spcAft>
-              <a:buClr>
-                <a:srgbClr val="000000"/>
-              </a:buClr>
-              <a:buFont typeface="Arial"/>
-              <a:buNone/>
-            </a:pPr>
-            <a:r>
-              <a:rPr lang="en-US" altLang="ko-KR" sz="800" dirty="0">
-                <a:solidFill>
-                  <a:schemeClr val="bg1"/>
-                </a:solidFill>
-              </a:rPr>
+          <p:cNvSpPr>
+            <a:spLocks noGrp="1"/>
+          </p:cNvSpPr>
+          <p:nvPr>
+            <p:ph idx="11"/>
+          </p:nvPr>
+        </p:nvSpPr>
+        <p:spPr/>
+        <p:txBody>
+          <a:bodyPr/>
+          <a:lstStyle/>
+          <a:p>
+            <a:r>
+              <a:rPr lang="en-US" altLang="ko-KR" dirty="0"/>
               <a:t>Locust </a:t>
             </a:r>
             <a:r>
-              <a:rPr lang="ko-KR" altLang="en-US" sz="800" dirty="0">
-                <a:solidFill>
-                  <a:schemeClr val="bg1"/>
-                </a:solidFill>
-              </a:rPr>
+              <a:rPr lang="ko-KR" altLang="en-US" dirty="0"/>
               <a:t>셋업</a:t>
             </a:r>
-            <a:endParaRPr sz="800" dirty="0">
-              <a:solidFill>
-                <a:schemeClr val="bg1"/>
-              </a:solidFill>
-            </a:endParaRPr>
           </a:p>
         </p:txBody>
       </p:sp>
@@ -10599,8 +11213,8 @@
         </p:blipFill>
         <p:spPr>
           <a:xfrm>
-            <a:off x="943900" y="2159286"/>
-            <a:ext cx="3690045" cy="2841335"/>
+            <a:off x="463455" y="1384373"/>
+            <a:ext cx="4129966" cy="3180074"/>
           </a:xfrm>
           <a:prstGeom prst="rect">
             <a:avLst/>
@@ -10636,8 +11250,8 @@
         </p:blipFill>
         <p:spPr bwMode="auto">
           <a:xfrm>
-            <a:off x="4711341" y="2159286"/>
-            <a:ext cx="3749861" cy="2841335"/>
+            <a:off x="4680345" y="1384373"/>
+            <a:ext cx="4196913" cy="3180074"/>
           </a:xfrm>
           <a:prstGeom prst="rect">
             <a:avLst/>
@@ -10654,6 +11268,35 @@
           </a:extLst>
         </p:spPr>
       </p:pic>
+      <p:sp>
+        <p:nvSpPr>
+          <p:cNvPr id="6" name="바닥글 개체 틀 5">
+            <a:extLst>
+              <a:ext uri="{FF2B5EF4-FFF2-40B4-BE49-F238E27FC236}">
+                <a16:creationId xmlns:a16="http://schemas.microsoft.com/office/drawing/2014/main" id="{0D1A8EAF-CFEA-4E81-40D1-671D9C557EB7}"/>
+              </a:ext>
+            </a:extLst>
+          </p:cNvPr>
+          <p:cNvSpPr>
+            <a:spLocks noGrp="1"/>
+          </p:cNvSpPr>
+          <p:nvPr>
+            <p:ph type="ftr" sz="quarter" idx="3"/>
+          </p:nvPr>
+        </p:nvSpPr>
+        <p:spPr/>
+        <p:txBody>
+          <a:bodyPr/>
+          <a:lstStyle/>
+          <a:p>
+            <a:r>
+              <a:rPr lang="ko-KR" altLang="en-US"/>
+              <a:t>성능 테스트</a:t>
+            </a:r>
+            <a:endParaRPr lang="ko-KR" altLang="en-US" dirty="0"/>
+          </a:p>
+        </p:txBody>
+      </p:sp>
     </p:spTree>
     <p:extLst>
       <p:ext uri="{BB962C8B-B14F-4D97-AF65-F5344CB8AC3E}">
@@ -10736,216 +11379,121 @@
           </a:bodyPr>
           <a:lstStyle/>
           <a:p>
-            <a:pPr marL="0" indent="0">
-              <a:buNone/>
-            </a:pPr>
-            <a:r>
-              <a:rPr lang="en-US" altLang="ko-KR" dirty="0"/>
-              <a:t>Locust</a:t>
-            </a:r>
+            <a:r>
+              <a:rPr lang="en-US" altLang="ko-KR" dirty="0"/>
+              <a:t>python </a:t>
+            </a:r>
+            <a:r>
+              <a:rPr lang="ko-KR" altLang="en-US" dirty="0"/>
+              <a:t>기반 부하 테스터</a:t>
+            </a:r>
+            <a:endParaRPr lang="en-US" altLang="ko-KR" dirty="0"/>
+          </a:p>
+          <a:p>
+            <a:r>
+              <a:rPr lang="ko-KR" altLang="en-US" dirty="0"/>
+              <a:t>사용법이 간단</a:t>
+            </a:r>
+            <a:endParaRPr lang="en-US" altLang="ko-KR" dirty="0"/>
+          </a:p>
+          <a:p>
+            <a:r>
+              <a:rPr lang="ko-KR" altLang="en-US" dirty="0"/>
+              <a:t>모니터링 </a:t>
+            </a:r>
+            <a:r>
+              <a:rPr lang="en-US" altLang="ko-KR" dirty="0"/>
+              <a:t>web UI </a:t>
+            </a:r>
+            <a:r>
+              <a:rPr lang="ko-KR" altLang="en-US" dirty="0"/>
+              <a:t>제공</a:t>
+            </a:r>
+            <a:endParaRPr lang="en-US" altLang="ko-KR" dirty="0"/>
+          </a:p>
+          <a:p>
+            <a:r>
+              <a:rPr lang="en-US" altLang="ko-KR" dirty="0"/>
+              <a:t>worker cluster </a:t>
+            </a:r>
+            <a:r>
+              <a:rPr lang="ko-KR" altLang="en-US" dirty="0"/>
+              <a:t>구성을 통한 대규모 분산 부하테스트 가능</a:t>
+            </a:r>
+            <a:endParaRPr lang="en-US" altLang="ko-KR" dirty="0"/>
           </a:p>
           <a:p>
             <a:pPr lvl="1"/>
             <a:r>
               <a:rPr lang="en-US" altLang="ko-KR" dirty="0"/>
-              <a:t>python </a:t>
-            </a:r>
-            <a:r>
-              <a:rPr lang="ko-KR" altLang="en-US" dirty="0"/>
-              <a:t>기반 부하 테스터</a:t>
+              <a:t>K8S </a:t>
+            </a:r>
+            <a:r>
+              <a:rPr lang="ko-KR" altLang="en-US" dirty="0"/>
+              <a:t>구성이 매우 간단</a:t>
             </a:r>
             <a:endParaRPr lang="en-US" altLang="ko-KR" dirty="0"/>
           </a:p>
-          <a:p>
-            <a:pPr lvl="1"/>
-            <a:r>
-              <a:rPr lang="ko-KR" altLang="en-US" dirty="0"/>
-              <a:t>사용법이 간단</a:t>
-            </a:r>
-            <a:endParaRPr lang="en-US" altLang="ko-KR" dirty="0"/>
-          </a:p>
-          <a:p>
-            <a:pPr lvl="1"/>
-            <a:r>
-              <a:rPr lang="ko-KR" altLang="en-US" dirty="0"/>
-              <a:t>모니터링 </a:t>
-            </a:r>
-            <a:r>
-              <a:rPr lang="en-US" altLang="ko-KR" dirty="0"/>
-              <a:t>web UI </a:t>
-            </a:r>
-            <a:r>
-              <a:rPr lang="ko-KR" altLang="en-US" dirty="0"/>
-              <a:t>제공</a:t>
-            </a:r>
-            <a:endParaRPr lang="en-US" altLang="ko-KR" dirty="0"/>
-          </a:p>
-          <a:p>
-            <a:pPr lvl="1"/>
-            <a:r>
-              <a:rPr lang="en-US" altLang="ko-KR" dirty="0"/>
-              <a:t>worker cluster </a:t>
-            </a:r>
-            <a:r>
-              <a:rPr lang="ko-KR" altLang="en-US" dirty="0"/>
-              <a:t>구성을 통한 대규모 분산 부하테스트 가능</a:t>
-            </a:r>
-            <a:endParaRPr lang="en-US" altLang="ko-KR" dirty="0"/>
-          </a:p>
-          <a:p>
-            <a:pPr lvl="2"/>
-            <a:r>
-              <a:rPr lang="en-US" altLang="ko-KR" dirty="0"/>
-              <a:t>K8S </a:t>
-            </a:r>
-            <a:r>
-              <a:rPr lang="ko-KR" altLang="en-US" dirty="0"/>
-              <a:t>구성이 매우 간단</a:t>
-            </a:r>
-            <a:endParaRPr lang="en-US" altLang="ko-KR" dirty="0"/>
-          </a:p>
-        </p:txBody>
-      </p:sp>
-      <p:sp>
-        <p:nvSpPr>
-          <p:cNvPr id="7" name="Google Shape;209;p30">
+        </p:txBody>
+      </p:sp>
+      <p:sp>
+        <p:nvSpPr>
+          <p:cNvPr id="3" name="내용 개체 틀 2">
             <a:extLst>
               <a:ext uri="{FF2B5EF4-FFF2-40B4-BE49-F238E27FC236}">
-                <a16:creationId xmlns:a16="http://schemas.microsoft.com/office/drawing/2014/main" id="{35F3E219-4EBB-8DE8-0966-E4317399395E}"/>
+                <a16:creationId xmlns:a16="http://schemas.microsoft.com/office/drawing/2014/main" id="{C095FF90-B15F-5381-5A88-61D99155DCC7}"/>
               </a:ext>
             </a:extLst>
           </p:cNvPr>
-          <p:cNvSpPr/>
-          <p:nvPr/>
-        </p:nvSpPr>
-        <p:spPr>
-          <a:xfrm>
-            <a:off x="7811013" y="528014"/>
-            <a:ext cx="952500" cy="298200"/>
-          </a:xfrm>
-          <a:prstGeom prst="rect">
-            <a:avLst/>
-          </a:prstGeom>
-          <a:noFill/>
-          <a:ln>
-            <a:noFill/>
-          </a:ln>
-        </p:spPr>
-        <p:txBody>
-          <a:bodyPr spcFirstLastPara="1" wrap="square" lIns="19050" tIns="19050" rIns="19050" bIns="19050" anchor="t" anchorCtr="0">
-            <a:noAutofit/>
-          </a:bodyPr>
-          <a:lstStyle/>
-          <a:p>
-            <a:pPr marL="63500" marR="0" lvl="1" indent="0" algn="l" rtl="0">
-              <a:lnSpc>
-                <a:spcPct val="90000"/>
-              </a:lnSpc>
-              <a:spcBef>
-                <a:spcPts val="0"/>
-              </a:spcBef>
-              <a:spcAft>
-                <a:spcPts val="0"/>
-              </a:spcAft>
-              <a:buNone/>
-            </a:pPr>
-            <a:r>
-              <a:rPr lang="en-US" altLang="ko" sz="1200" b="1" i="0" u="none" strike="noStrike" cap="none" dirty="0">
-                <a:solidFill>
-                  <a:schemeClr val="bg1"/>
-                </a:solidFill>
-                <a:latin typeface="Arial"/>
-                <a:ea typeface="Arial"/>
-                <a:cs typeface="Arial"/>
-                <a:sym typeface="Arial"/>
-              </a:rPr>
-              <a:t>1</a:t>
-            </a:r>
-            <a:r>
-              <a:rPr lang="ko" sz="1200" b="1" i="0" u="none" strike="noStrike" cap="none" dirty="0">
-                <a:solidFill>
-                  <a:schemeClr val="bg1"/>
-                </a:solidFill>
-                <a:latin typeface="Arial"/>
-                <a:ea typeface="Arial"/>
-                <a:cs typeface="Arial"/>
-                <a:sym typeface="Arial"/>
-              </a:rPr>
-              <a:t>.</a:t>
-            </a:r>
-            <a:endParaRPr sz="500" dirty="0">
-              <a:solidFill>
-                <a:schemeClr val="bg1"/>
-              </a:solidFill>
-            </a:endParaRPr>
-          </a:p>
-        </p:txBody>
-      </p:sp>
-      <p:sp>
-        <p:nvSpPr>
-          <p:cNvPr id="8" name="Google Shape;210;p30">
+          <p:cNvSpPr>
+            <a:spLocks noGrp="1"/>
+          </p:cNvSpPr>
+          <p:nvPr>
+            <p:ph idx="11"/>
+          </p:nvPr>
+        </p:nvSpPr>
+        <p:spPr/>
+        <p:txBody>
+          <a:bodyPr/>
+          <a:lstStyle/>
+          <a:p>
+            <a:r>
+              <a:rPr lang="en-US" altLang="ko-KR" dirty="0"/>
+              <a:t>Locust </a:t>
+            </a:r>
+            <a:r>
+              <a:rPr lang="ko-KR" altLang="en-US" dirty="0"/>
+              <a:t>셋업</a:t>
+            </a:r>
+          </a:p>
+        </p:txBody>
+      </p:sp>
+      <p:sp>
+        <p:nvSpPr>
+          <p:cNvPr id="5" name="바닥글 개체 틀 4">
             <a:extLst>
               <a:ext uri="{FF2B5EF4-FFF2-40B4-BE49-F238E27FC236}">
-                <a16:creationId xmlns:a16="http://schemas.microsoft.com/office/drawing/2014/main" id="{8CB63A74-B5C7-DCAA-53F5-96E44004D694}"/>
+                <a16:creationId xmlns:a16="http://schemas.microsoft.com/office/drawing/2014/main" id="{1539DDB7-361A-F927-E000-301858CD69AC}"/>
               </a:ext>
             </a:extLst>
           </p:cNvPr>
-          <p:cNvSpPr/>
-          <p:nvPr/>
-        </p:nvSpPr>
-        <p:spPr>
-          <a:xfrm>
-            <a:off x="7811013" y="825047"/>
-            <a:ext cx="952500" cy="293400"/>
-          </a:xfrm>
-          <a:prstGeom prst="rect">
-            <a:avLst/>
-          </a:prstGeom>
-          <a:noFill/>
-          <a:ln>
-            <a:noFill/>
-          </a:ln>
-        </p:spPr>
-        <p:txBody>
-          <a:bodyPr spcFirstLastPara="1" wrap="square" lIns="19050" tIns="19050" rIns="19050" bIns="19050" anchor="t" anchorCtr="0">
-            <a:noAutofit/>
-          </a:bodyPr>
-          <a:lstStyle/>
-          <a:p>
-            <a:pPr marL="63500" marR="0" lvl="1" indent="0" algn="l" rtl="0">
-              <a:spcBef>
-                <a:spcPts val="200"/>
-              </a:spcBef>
-              <a:spcAft>
-                <a:spcPts val="0"/>
-              </a:spcAft>
-              <a:buClr>
-                <a:srgbClr val="000000"/>
-              </a:buClr>
-              <a:buFont typeface="Arial"/>
-              <a:buNone/>
-            </a:pPr>
-            <a:r>
-              <a:rPr lang="en-US" altLang="ko-KR" sz="800" dirty="0">
-                <a:solidFill>
-                  <a:schemeClr val="bg1"/>
-                </a:solidFill>
-              </a:rPr>
-              <a:t>Locust </a:t>
-            </a:r>
-            <a:r>
-              <a:rPr lang="ko-KR" altLang="en-US" sz="800" dirty="0">
-                <a:solidFill>
-                  <a:schemeClr val="bg1"/>
-                </a:solidFill>
-              </a:rPr>
-              <a:t>셋업</a:t>
-            </a:r>
-            <a:endParaRPr sz="800" dirty="0">
-              <a:solidFill>
-                <a:schemeClr val="bg1"/>
-              </a:solidFill>
-            </a:endParaRPr>
+          <p:cNvSpPr>
+            <a:spLocks noGrp="1"/>
+          </p:cNvSpPr>
+          <p:nvPr>
+            <p:ph type="ftr" sz="quarter" idx="3"/>
+          </p:nvPr>
+        </p:nvSpPr>
+        <p:spPr/>
+        <p:txBody>
+          <a:bodyPr/>
+          <a:lstStyle/>
+          <a:p>
+            <a:r>
+              <a:rPr lang="ko-KR" altLang="en-US"/>
+              <a:t>성능 테스트</a:t>
+            </a:r>
+            <a:endParaRPr lang="ko-KR" altLang="en-US" dirty="0"/>
           </a:p>
         </p:txBody>
       </p:sp>
@@ -11036,22 +11584,6 @@
               <a:buNone/>
             </a:pPr>
             <a:r>
-              <a:rPr lang="en-US" altLang="ko" b="1" dirty="0">
-                <a:solidFill>
-                  <a:srgbClr val="ED234B"/>
-                </a:solidFill>
-              </a:rPr>
-              <a:t>2</a:t>
-            </a:r>
-            <a:r>
-              <a:rPr lang="ko" altLang="ko-KR" b="1" dirty="0">
-                <a:solidFill>
-                  <a:srgbClr val="ED234B"/>
-                </a:solidFill>
-              </a:rPr>
-              <a:t> </a:t>
-            </a:r>
-            <a:r>
               <a:rPr lang="en-US" altLang="ko-KR" dirty="0"/>
               <a:t>Spring MVC / </a:t>
             </a:r>
@@ -11072,6 +11604,31 @@
               <a:t>#1</a:t>
             </a:r>
             <a:endParaRPr lang="ko-KR" altLang="en-US" dirty="0"/>
+          </a:p>
+        </p:txBody>
+      </p:sp>
+      <p:sp>
+        <p:nvSpPr>
+          <p:cNvPr id="3" name="텍스트 개체 틀 2">
+            <a:extLst>
+              <a:ext uri="{FF2B5EF4-FFF2-40B4-BE49-F238E27FC236}">
+                <a16:creationId xmlns:a16="http://schemas.microsoft.com/office/drawing/2014/main" id="{DD5CC62D-E884-437E-EB33-D541946B511A}"/>
+              </a:ext>
+            </a:extLst>
+          </p:cNvPr>
+          <p:cNvSpPr>
+            <a:spLocks noGrp="1"/>
+          </p:cNvSpPr>
+          <p:nvPr>
+            <p:ph type="body" sz="quarter" idx="10"/>
+          </p:nvPr>
+        </p:nvSpPr>
+        <p:spPr/>
+        <p:txBody>
+          <a:bodyPr/>
+          <a:lstStyle/>
+          <a:p>
+            <a:endParaRPr lang="ko-KR" altLang="en-US"/>
           </a:p>
         </p:txBody>
       </p:sp>
@@ -11156,16 +11713,6 @@
           </a:bodyPr>
           <a:lstStyle/>
           <a:p>
-            <a:pPr marL="0" indent="0">
-              <a:buNone/>
-            </a:pPr>
-            <a:r>
-              <a:rPr lang="ko-KR" altLang="en-US" dirty="0"/>
-              <a:t>시나리오</a:t>
-            </a:r>
-            <a:endParaRPr lang="en-US" altLang="ko-KR" dirty="0"/>
-          </a:p>
-          <a:p>
             <a:pPr lvl="1"/>
             <a:r>
               <a:rPr lang="ko-KR" altLang="en-US" dirty="0"/>
@@ -11237,168 +11784,78 @@
       </p:sp>
       <p:sp>
         <p:nvSpPr>
-          <p:cNvPr id="7" name="Google Shape;209;p30">
+          <p:cNvPr id="3" name="내용 개체 틀 2">
             <a:extLst>
               <a:ext uri="{FF2B5EF4-FFF2-40B4-BE49-F238E27FC236}">
-                <a16:creationId xmlns:a16="http://schemas.microsoft.com/office/drawing/2014/main" id="{35F3E219-4EBB-8DE8-0966-E4317399395E}"/>
+                <a16:creationId xmlns:a16="http://schemas.microsoft.com/office/drawing/2014/main" id="{812D5454-92BF-907E-0D14-0DFCE9179CB4}"/>
               </a:ext>
             </a:extLst>
           </p:cNvPr>
-          <p:cNvSpPr/>
-          <p:nvPr/>
-        </p:nvSpPr>
-        <p:spPr>
-          <a:xfrm>
-            <a:off x="7811013" y="528014"/>
-            <a:ext cx="952500" cy="298200"/>
-          </a:xfrm>
-          <a:prstGeom prst="rect">
-            <a:avLst/>
-          </a:prstGeom>
-          <a:noFill/>
-          <a:ln>
-            <a:noFill/>
-          </a:ln>
-        </p:spPr>
-        <p:txBody>
-          <a:bodyPr spcFirstLastPara="1" wrap="square" lIns="19050" tIns="19050" rIns="19050" bIns="19050" anchor="t" anchorCtr="0">
-            <a:noAutofit/>
-          </a:bodyPr>
-          <a:lstStyle/>
-          <a:p>
-            <a:pPr marL="63500" marR="0" lvl="1" indent="0" algn="l" rtl="0">
-              <a:lnSpc>
-                <a:spcPct val="90000"/>
-              </a:lnSpc>
-              <a:spcBef>
-                <a:spcPts val="0"/>
-              </a:spcBef>
-              <a:spcAft>
-                <a:spcPts val="0"/>
-              </a:spcAft>
+          <p:cNvSpPr>
+            <a:spLocks noGrp="1"/>
+          </p:cNvSpPr>
+          <p:nvPr>
+            <p:ph idx="11"/>
+          </p:nvPr>
+        </p:nvSpPr>
+        <p:spPr/>
+        <p:txBody>
+          <a:bodyPr/>
+          <a:lstStyle/>
+          <a:p>
+            <a:pPr marL="0" indent="0" algn="r">
               <a:buNone/>
             </a:pPr>
             <a:r>
-              <a:rPr lang="en-US" altLang="ko" sz="1200" b="1" i="0" u="none" strike="noStrike" cap="none" dirty="0">
-                <a:solidFill>
-                  <a:schemeClr val="bg1"/>
-                </a:solidFill>
-                <a:latin typeface="Arial"/>
-                <a:ea typeface="Arial"/>
-                <a:cs typeface="Arial"/>
-                <a:sym typeface="Arial"/>
-              </a:rPr>
-              <a:t>2</a:t>
-            </a:r>
-            <a:r>
-              <a:rPr lang="ko" sz="1200" b="1" i="0" u="none" strike="noStrike" cap="none" dirty="0">
-                <a:solidFill>
-                  <a:schemeClr val="bg1"/>
-                </a:solidFill>
-                <a:latin typeface="Arial"/>
-                <a:ea typeface="Arial"/>
-                <a:cs typeface="Arial"/>
-                <a:sym typeface="Arial"/>
-              </a:rPr>
-              <a:t>.</a:t>
-            </a:r>
-            <a:endParaRPr sz="500" dirty="0">
-              <a:solidFill>
-                <a:schemeClr val="bg1"/>
-              </a:solidFill>
-            </a:endParaRPr>
-          </a:p>
-        </p:txBody>
-      </p:sp>
-      <p:sp>
-        <p:nvSpPr>
-          <p:cNvPr id="8" name="Google Shape;210;p30">
+              <a:rPr lang="en-US" altLang="ko-KR" dirty="0"/>
+              <a:t>Spring MVC / </a:t>
+            </a:r>
+            <a:r>
+              <a:rPr lang="en-US" altLang="ko-KR" dirty="0" err="1"/>
+              <a:t>Webflux</a:t>
+            </a:r>
+            <a:r>
+              <a:rPr lang="en-US" altLang="ko-KR" dirty="0"/>
+              <a:t> </a:t>
+            </a:r>
+            <a:r>
+              <a:rPr lang="ko-KR" altLang="en-US" dirty="0"/>
+              <a:t>성능 비교 </a:t>
+            </a:r>
+            <a:r>
+              <a:rPr lang="en-US" altLang="ko-KR" dirty="0"/>
+              <a:t>#1</a:t>
+            </a:r>
+            <a:endParaRPr lang="ko-KR" altLang="en-US" dirty="0"/>
+          </a:p>
+        </p:txBody>
+      </p:sp>
+      <p:sp>
+        <p:nvSpPr>
+          <p:cNvPr id="5" name="바닥글 개체 틀 4">
             <a:extLst>
               <a:ext uri="{FF2B5EF4-FFF2-40B4-BE49-F238E27FC236}">
-                <a16:creationId xmlns:a16="http://schemas.microsoft.com/office/drawing/2014/main" id="{8CB63A74-B5C7-DCAA-53F5-96E44004D694}"/>
+                <a16:creationId xmlns:a16="http://schemas.microsoft.com/office/drawing/2014/main" id="{8CA3F6B7-53AB-CF8F-1026-7EFADE91F3B9}"/>
               </a:ext>
             </a:extLst>
           </p:cNvPr>
-          <p:cNvSpPr/>
-          <p:nvPr/>
-        </p:nvSpPr>
-        <p:spPr>
-          <a:xfrm>
-            <a:off x="7811013" y="825047"/>
-            <a:ext cx="952500" cy="293400"/>
-          </a:xfrm>
-          <a:prstGeom prst="rect">
-            <a:avLst/>
-          </a:prstGeom>
-          <a:noFill/>
-          <a:ln>
-            <a:noFill/>
-          </a:ln>
-        </p:spPr>
-        <p:txBody>
-          <a:bodyPr spcFirstLastPara="1" wrap="square" lIns="19050" tIns="19050" rIns="19050" bIns="19050" anchor="t" anchorCtr="0">
-            <a:noAutofit/>
-          </a:bodyPr>
-          <a:lstStyle/>
-          <a:p>
-            <a:pPr marL="63500" marR="0" lvl="1" indent="0" algn="l" rtl="0">
-              <a:spcBef>
-                <a:spcPts val="200"/>
-              </a:spcBef>
-              <a:spcAft>
-                <a:spcPts val="0"/>
-              </a:spcAft>
-              <a:buClr>
-                <a:srgbClr val="000000"/>
-              </a:buClr>
-              <a:buFont typeface="Arial"/>
-              <a:buNone/>
-            </a:pPr>
-            <a:r>
-              <a:rPr lang="en-US" altLang="ko-KR" sz="800" dirty="0">
-                <a:solidFill>
-                  <a:schemeClr val="bg1"/>
-                </a:solidFill>
-              </a:rPr>
-              <a:t>Spring MVC / </a:t>
-            </a:r>
-            <a:r>
-              <a:rPr lang="en-US" altLang="ko-KR" sz="800" dirty="0" err="1">
-                <a:solidFill>
-                  <a:schemeClr val="bg1"/>
-                </a:solidFill>
-              </a:rPr>
-              <a:t>Webflux</a:t>
-            </a:r>
-            <a:r>
-              <a:rPr lang="en-US" altLang="ko-KR" sz="800" dirty="0">
-                <a:solidFill>
-                  <a:schemeClr val="bg1"/>
-                </a:solidFill>
-              </a:rPr>
-              <a:t> </a:t>
-            </a:r>
-            <a:r>
-              <a:rPr lang="ko-KR" altLang="en-US" sz="800" dirty="0">
-                <a:solidFill>
-                  <a:schemeClr val="bg1"/>
-                </a:solidFill>
-              </a:rPr>
-              <a:t>성능 비교 </a:t>
-            </a:r>
-            <a:r>
-              <a:rPr lang="en-US" altLang="ko-KR" sz="800" dirty="0">
-                <a:solidFill>
-                  <a:schemeClr val="bg1"/>
-                </a:solidFill>
-              </a:rPr>
-              <a:t>#1</a:t>
-            </a:r>
-            <a:endParaRPr lang="ko-KR" altLang="en-US" sz="800" dirty="0">
-              <a:solidFill>
-                <a:schemeClr val="bg1"/>
-              </a:solidFill>
-            </a:endParaRPr>
+          <p:cNvSpPr>
+            <a:spLocks noGrp="1"/>
+          </p:cNvSpPr>
+          <p:nvPr>
+            <p:ph type="ftr" sz="quarter" idx="3"/>
+          </p:nvPr>
+        </p:nvSpPr>
+        <p:spPr/>
+        <p:txBody>
+          <a:bodyPr/>
+          <a:lstStyle/>
+          <a:p>
+            <a:r>
+              <a:rPr lang="ko-KR" altLang="en-US"/>
+              <a:t>성능 테스트</a:t>
+            </a:r>
+            <a:endParaRPr lang="ko-KR" altLang="en-US" dirty="0"/>
           </a:p>
         </p:txBody>
       </p:sp>
@@ -11462,168 +11919,46 @@
       </p:sp>
       <p:sp>
         <p:nvSpPr>
-          <p:cNvPr id="7" name="Google Shape;209;p30">
+          <p:cNvPr id="4" name="내용 개체 틀 3">
             <a:extLst>
               <a:ext uri="{FF2B5EF4-FFF2-40B4-BE49-F238E27FC236}">
-                <a16:creationId xmlns:a16="http://schemas.microsoft.com/office/drawing/2014/main" id="{35F3E219-4EBB-8DE8-0966-E4317399395E}"/>
+                <a16:creationId xmlns:a16="http://schemas.microsoft.com/office/drawing/2014/main" id="{FB6843E6-459C-D350-F342-1837F07AC628}"/>
               </a:ext>
             </a:extLst>
           </p:cNvPr>
-          <p:cNvSpPr/>
-          <p:nvPr/>
-        </p:nvSpPr>
-        <p:spPr>
-          <a:xfrm>
-            <a:off x="7811013" y="528014"/>
-            <a:ext cx="952500" cy="298200"/>
-          </a:xfrm>
-          <a:prstGeom prst="rect">
-            <a:avLst/>
-          </a:prstGeom>
-          <a:noFill/>
-          <a:ln>
-            <a:noFill/>
-          </a:ln>
-        </p:spPr>
-        <p:txBody>
-          <a:bodyPr spcFirstLastPara="1" wrap="square" lIns="19050" tIns="19050" rIns="19050" bIns="19050" anchor="t" anchorCtr="0">
-            <a:noAutofit/>
-          </a:bodyPr>
-          <a:lstStyle/>
-          <a:p>
-            <a:pPr marL="63500" marR="0" lvl="1" indent="0" algn="l" rtl="0">
-              <a:lnSpc>
-                <a:spcPct val="90000"/>
-              </a:lnSpc>
-              <a:spcBef>
-                <a:spcPts val="0"/>
-              </a:spcBef>
-              <a:spcAft>
-                <a:spcPts val="0"/>
-              </a:spcAft>
-              <a:buNone/>
-            </a:pPr>
-            <a:r>
-              <a:rPr lang="en-US" altLang="ko" sz="1200" b="1" i="0" u="none" strike="noStrike" cap="none" dirty="0">
-                <a:solidFill>
-                  <a:schemeClr val="bg1"/>
-                </a:solidFill>
-                <a:latin typeface="Arial"/>
-                <a:ea typeface="Arial"/>
-                <a:cs typeface="Arial"/>
-                <a:sym typeface="Arial"/>
-              </a:rPr>
-              <a:t>2</a:t>
-            </a:r>
-            <a:r>
-              <a:rPr lang="ko" sz="1200" b="1" i="0" u="none" strike="noStrike" cap="none" dirty="0">
-                <a:solidFill>
-                  <a:schemeClr val="bg1"/>
-                </a:solidFill>
-                <a:latin typeface="Arial"/>
-                <a:ea typeface="Arial"/>
-                <a:cs typeface="Arial"/>
-                <a:sym typeface="Arial"/>
-              </a:rPr>
-              <a:t>.</a:t>
-            </a:r>
-            <a:endParaRPr sz="500" dirty="0">
-              <a:solidFill>
-                <a:schemeClr val="bg1"/>
-              </a:solidFill>
-            </a:endParaRPr>
-          </a:p>
-        </p:txBody>
-      </p:sp>
-      <p:sp>
-        <p:nvSpPr>
-          <p:cNvPr id="8" name="Google Shape;210;p30">
-            <a:extLst>
-              <a:ext uri="{FF2B5EF4-FFF2-40B4-BE49-F238E27FC236}">
-                <a16:creationId xmlns:a16="http://schemas.microsoft.com/office/drawing/2014/main" id="{8CB63A74-B5C7-DCAA-53F5-96E44004D694}"/>
-              </a:ext>
-            </a:extLst>
-          </p:cNvPr>
-          <p:cNvSpPr/>
-          <p:nvPr/>
-        </p:nvSpPr>
-        <p:spPr>
-          <a:xfrm>
-            <a:off x="7811013" y="825047"/>
-            <a:ext cx="952500" cy="293400"/>
-          </a:xfrm>
-          <a:prstGeom prst="rect">
-            <a:avLst/>
-          </a:prstGeom>
-          <a:noFill/>
-          <a:ln>
-            <a:noFill/>
-          </a:ln>
-        </p:spPr>
-        <p:txBody>
-          <a:bodyPr spcFirstLastPara="1" wrap="square" lIns="19050" tIns="19050" rIns="19050" bIns="19050" anchor="t" anchorCtr="0">
-            <a:noAutofit/>
-          </a:bodyPr>
-          <a:lstStyle/>
-          <a:p>
-            <a:pPr marL="63500" marR="0" lvl="1" indent="0" algn="l" rtl="0">
-              <a:spcBef>
-                <a:spcPts val="200"/>
-              </a:spcBef>
-              <a:spcAft>
-                <a:spcPts val="0"/>
-              </a:spcAft>
-              <a:buClr>
-                <a:srgbClr val="000000"/>
-              </a:buClr>
-              <a:buFont typeface="Arial"/>
-              <a:buNone/>
-            </a:pPr>
-            <a:r>
-              <a:rPr lang="en-US" altLang="ko-KR" sz="800" dirty="0">
-                <a:solidFill>
-                  <a:schemeClr val="bg1"/>
-                </a:solidFill>
-              </a:rPr>
+          <p:cNvSpPr>
+            <a:spLocks noGrp="1"/>
+          </p:cNvSpPr>
+          <p:nvPr>
+            <p:ph idx="11"/>
+          </p:nvPr>
+        </p:nvSpPr>
+        <p:spPr/>
+        <p:txBody>
+          <a:bodyPr/>
+          <a:lstStyle/>
+          <a:p>
+            <a:r>
+              <a:rPr lang="en-US" altLang="ko-KR" dirty="0"/>
               <a:t>Spring MVC / </a:t>
             </a:r>
             <a:r>
-              <a:rPr lang="en-US" altLang="ko-KR" sz="800" dirty="0" err="1">
-                <a:solidFill>
-                  <a:schemeClr val="bg1"/>
-                </a:solidFill>
-              </a:rPr>
+              <a:rPr lang="en-US" altLang="ko-KR" dirty="0" err="1"/>
               <a:t>Webflux</a:t>
             </a:r>
             <a:r>
-              <a:rPr lang="en-US" altLang="ko-KR" sz="800" dirty="0">
-                <a:solidFill>
-                  <a:schemeClr val="bg1"/>
-                </a:solidFill>
-              </a:rPr>
+              <a:rPr lang="en-US" altLang="ko-KR" dirty="0"/>
               <a:t> </a:t>
             </a:r>
             <a:r>
-              <a:rPr lang="ko-KR" altLang="en-US" sz="800" dirty="0">
-                <a:solidFill>
-                  <a:schemeClr val="bg1"/>
-                </a:solidFill>
-              </a:rPr>
+              <a:rPr lang="ko-KR" altLang="en-US" dirty="0"/>
               <a:t>성능 비교 </a:t>
             </a:r>
             <a:r>
-              <a:rPr lang="en-US" altLang="ko-KR" sz="800" dirty="0">
-                <a:solidFill>
-                  <a:schemeClr val="bg1"/>
-                </a:solidFill>
-              </a:rPr>
+              <a:rPr lang="en-US" altLang="ko-KR" dirty="0"/>
               <a:t>#1</a:t>
             </a:r>
-            <a:endParaRPr lang="ko-KR" altLang="en-US" sz="800" dirty="0">
-              <a:solidFill>
-                <a:schemeClr val="bg1"/>
-              </a:solidFill>
-            </a:endParaRPr>
+            <a:endParaRPr lang="ko-KR" altLang="en-US" dirty="0"/>
           </a:p>
         </p:txBody>
       </p:sp>
@@ -11649,7 +11984,7 @@
         </p:blipFill>
         <p:spPr>
           <a:xfrm>
-            <a:off x="973015" y="1139120"/>
+            <a:off x="973015" y="844654"/>
             <a:ext cx="6422422" cy="4004380"/>
           </a:xfrm>
           <a:prstGeom prst="rect">
@@ -11657,6 +11992,35 @@
           </a:prstGeom>
         </p:spPr>
       </p:pic>
+      <p:sp>
+        <p:nvSpPr>
+          <p:cNvPr id="6" name="바닥글 개체 틀 5">
+            <a:extLst>
+              <a:ext uri="{FF2B5EF4-FFF2-40B4-BE49-F238E27FC236}">
+                <a16:creationId xmlns:a16="http://schemas.microsoft.com/office/drawing/2014/main" id="{5FDB3C74-6BE9-7277-7D6E-56EE4C872127}"/>
+              </a:ext>
+            </a:extLst>
+          </p:cNvPr>
+          <p:cNvSpPr>
+            <a:spLocks noGrp="1"/>
+          </p:cNvSpPr>
+          <p:nvPr>
+            <p:ph type="ftr" sz="quarter" idx="3"/>
+          </p:nvPr>
+        </p:nvSpPr>
+        <p:spPr/>
+        <p:txBody>
+          <a:bodyPr/>
+          <a:lstStyle/>
+          <a:p>
+            <a:r>
+              <a:rPr lang="ko-KR" altLang="en-US"/>
+              <a:t>성능 테스트</a:t>
+            </a:r>
+            <a:endParaRPr lang="ko-KR" altLang="en-US" dirty="0"/>
+          </a:p>
+        </p:txBody>
+      </p:sp>
     </p:spTree>
     <p:extLst>
       <p:ext uri="{BB962C8B-B14F-4D97-AF65-F5344CB8AC3E}">
@@ -11738,16 +12102,6 @@
           </a:bodyPr>
           <a:lstStyle/>
           <a:p>
-            <a:pPr marL="0" indent="0">
-              <a:buNone/>
-            </a:pPr>
-            <a:r>
-              <a:rPr lang="ko-KR" altLang="en-US" dirty="0"/>
-              <a:t>시나리오</a:t>
-            </a:r>
-            <a:endParaRPr lang="en-US" altLang="ko-KR" dirty="0"/>
-          </a:p>
-          <a:p>
             <a:pPr lvl="1"/>
             <a:r>
               <a:rPr lang="ko-KR" altLang="en-US" dirty="0"/>
@@ -11815,168 +12169,75 @@
       </p:sp>
       <p:sp>
         <p:nvSpPr>
-          <p:cNvPr id="7" name="Google Shape;209;p30">
+          <p:cNvPr id="3" name="내용 개체 틀 2">
             <a:extLst>
               <a:ext uri="{FF2B5EF4-FFF2-40B4-BE49-F238E27FC236}">
-                <a16:creationId xmlns:a16="http://schemas.microsoft.com/office/drawing/2014/main" id="{35F3E219-4EBB-8DE8-0966-E4317399395E}"/>
+                <a16:creationId xmlns:a16="http://schemas.microsoft.com/office/drawing/2014/main" id="{23CD483B-4B22-5E4F-D9BC-0DBD406BB618}"/>
               </a:ext>
             </a:extLst>
           </p:cNvPr>
-          <p:cNvSpPr/>
-          <p:nvPr/>
-        </p:nvSpPr>
-        <p:spPr>
-          <a:xfrm>
-            <a:off x="7811013" y="528014"/>
-            <a:ext cx="952500" cy="298200"/>
-          </a:xfrm>
-          <a:prstGeom prst="rect">
-            <a:avLst/>
-          </a:prstGeom>
-          <a:noFill/>
-          <a:ln>
-            <a:noFill/>
-          </a:ln>
-        </p:spPr>
-        <p:txBody>
-          <a:bodyPr spcFirstLastPara="1" wrap="square" lIns="19050" tIns="19050" rIns="19050" bIns="19050" anchor="t" anchorCtr="0">
-            <a:noAutofit/>
-          </a:bodyPr>
-          <a:lstStyle/>
-          <a:p>
-            <a:pPr marL="63500" marR="0" lvl="1" indent="0" algn="l" rtl="0">
-              <a:lnSpc>
-                <a:spcPct val="90000"/>
-              </a:lnSpc>
-              <a:spcBef>
-                <a:spcPts val="0"/>
-              </a:spcBef>
-              <a:spcAft>
-                <a:spcPts val="0"/>
-              </a:spcAft>
-              <a:buNone/>
-            </a:pPr>
-            <a:r>
-              <a:rPr lang="en-US" altLang="ko" sz="1200" b="1" i="0" u="none" strike="noStrike" cap="none" dirty="0">
-                <a:solidFill>
-                  <a:schemeClr val="bg1"/>
-                </a:solidFill>
-                <a:latin typeface="Arial"/>
-                <a:ea typeface="Arial"/>
-                <a:cs typeface="Arial"/>
-                <a:sym typeface="Arial"/>
-              </a:rPr>
-              <a:t>2</a:t>
-            </a:r>
-            <a:r>
-              <a:rPr lang="ko" sz="1200" b="1" i="0" u="none" strike="noStrike" cap="none" dirty="0">
-                <a:solidFill>
-                  <a:schemeClr val="bg1"/>
-                </a:solidFill>
-                <a:latin typeface="Arial"/>
-                <a:ea typeface="Arial"/>
-                <a:cs typeface="Arial"/>
-                <a:sym typeface="Arial"/>
-              </a:rPr>
-              <a:t>.</a:t>
-            </a:r>
-            <a:endParaRPr sz="500" dirty="0">
-              <a:solidFill>
-                <a:schemeClr val="bg1"/>
-              </a:solidFill>
-            </a:endParaRPr>
-          </a:p>
-        </p:txBody>
-      </p:sp>
-      <p:sp>
-        <p:nvSpPr>
-          <p:cNvPr id="8" name="Google Shape;210;p30">
+          <p:cNvSpPr>
+            <a:spLocks noGrp="1"/>
+          </p:cNvSpPr>
+          <p:nvPr>
+            <p:ph idx="11"/>
+          </p:nvPr>
+        </p:nvSpPr>
+        <p:spPr/>
+        <p:txBody>
+          <a:bodyPr/>
+          <a:lstStyle/>
+          <a:p>
+            <a:r>
+              <a:rPr lang="en-US" altLang="ko-KR" dirty="0"/>
+              <a:t>Spring MVC / </a:t>
+            </a:r>
+            <a:r>
+              <a:rPr lang="en-US" altLang="ko-KR" dirty="0" err="1"/>
+              <a:t>Webflux</a:t>
+            </a:r>
+            <a:r>
+              <a:rPr lang="en-US" altLang="ko-KR" dirty="0"/>
+              <a:t> </a:t>
+            </a:r>
+            <a:r>
+              <a:rPr lang="ko-KR" altLang="en-US" dirty="0"/>
+              <a:t>성능 비교 </a:t>
+            </a:r>
+            <a:r>
+              <a:rPr lang="en-US" altLang="ko-KR" dirty="0"/>
+              <a:t>#1</a:t>
+            </a:r>
+            <a:endParaRPr lang="ko-KR" altLang="en-US" dirty="0"/>
+          </a:p>
+        </p:txBody>
+      </p:sp>
+      <p:sp>
+        <p:nvSpPr>
+          <p:cNvPr id="5" name="바닥글 개체 틀 4">
             <a:extLst>
               <a:ext uri="{FF2B5EF4-FFF2-40B4-BE49-F238E27FC236}">
-                <a16:creationId xmlns:a16="http://schemas.microsoft.com/office/drawing/2014/main" id="{8CB63A74-B5C7-DCAA-53F5-96E44004D694}"/>
+                <a16:creationId xmlns:a16="http://schemas.microsoft.com/office/drawing/2014/main" id="{0E128557-D988-80B9-AE34-1851175CA970}"/>
               </a:ext>
             </a:extLst>
           </p:cNvPr>
-          <p:cNvSpPr/>
-          <p:nvPr/>
-        </p:nvSpPr>
-        <p:spPr>
-          <a:xfrm>
-            <a:off x="7811013" y="825047"/>
-            <a:ext cx="952500" cy="293400"/>
-          </a:xfrm>
-          <a:prstGeom prst="rect">
-            <a:avLst/>
-          </a:prstGeom>
-          <a:noFill/>
-          <a:ln>
-            <a:noFill/>
-          </a:ln>
-        </p:spPr>
-        <p:txBody>
-          <a:bodyPr spcFirstLastPara="1" wrap="square" lIns="19050" tIns="19050" rIns="19050" bIns="19050" anchor="t" anchorCtr="0">
-            <a:noAutofit/>
-          </a:bodyPr>
-          <a:lstStyle/>
-          <a:p>
-            <a:pPr marL="63500" marR="0" lvl="1" indent="0" algn="l" rtl="0">
-              <a:spcBef>
-                <a:spcPts val="200"/>
-              </a:spcBef>
-              <a:spcAft>
-                <a:spcPts val="0"/>
-              </a:spcAft>
-              <a:buClr>
-                <a:srgbClr val="000000"/>
-              </a:buClr>
-              <a:buFont typeface="Arial"/>
-              <a:buNone/>
-            </a:pPr>
-            <a:r>
-              <a:rPr lang="en-US" altLang="ko-KR" sz="800" dirty="0">
-                <a:solidFill>
-                  <a:schemeClr val="bg1"/>
-                </a:solidFill>
-              </a:rPr>
-              <a:t>Spring MVC / </a:t>
-            </a:r>
-            <a:r>
-              <a:rPr lang="en-US" altLang="ko-KR" sz="800" dirty="0" err="1">
-                <a:solidFill>
-                  <a:schemeClr val="bg1"/>
-                </a:solidFill>
-              </a:rPr>
-              <a:t>Webflux</a:t>
-            </a:r>
-            <a:r>
-              <a:rPr lang="en-US" altLang="ko-KR" sz="800" dirty="0">
-                <a:solidFill>
-                  <a:schemeClr val="bg1"/>
-                </a:solidFill>
-              </a:rPr>
-              <a:t> </a:t>
-            </a:r>
-            <a:r>
-              <a:rPr lang="ko-KR" altLang="en-US" sz="800" dirty="0">
-                <a:solidFill>
-                  <a:schemeClr val="bg1"/>
-                </a:solidFill>
-              </a:rPr>
-              <a:t>성능 비교 </a:t>
-            </a:r>
-            <a:r>
-              <a:rPr lang="en-US" altLang="ko-KR" sz="800" dirty="0">
-                <a:solidFill>
-                  <a:schemeClr val="bg1"/>
-                </a:solidFill>
-              </a:rPr>
-              <a:t>#1</a:t>
-            </a:r>
-            <a:endParaRPr lang="ko-KR" altLang="en-US" sz="800" dirty="0">
-              <a:solidFill>
-                <a:schemeClr val="bg1"/>
-              </a:solidFill>
-            </a:endParaRPr>
+          <p:cNvSpPr>
+            <a:spLocks noGrp="1"/>
+          </p:cNvSpPr>
+          <p:nvPr>
+            <p:ph type="ftr" sz="quarter" idx="3"/>
+          </p:nvPr>
+        </p:nvSpPr>
+        <p:spPr/>
+        <p:txBody>
+          <a:bodyPr/>
+          <a:lstStyle/>
+          <a:p>
+            <a:r>
+              <a:rPr lang="ko-KR" altLang="en-US"/>
+              <a:t>성능 테스트</a:t>
+            </a:r>
+            <a:endParaRPr lang="ko-KR" altLang="en-US" dirty="0"/>
           </a:p>
         </p:txBody>
       </p:sp>
@@ -12040,168 +12301,46 @@
       </p:sp>
       <p:sp>
         <p:nvSpPr>
-          <p:cNvPr id="7" name="Google Shape;209;p30">
+          <p:cNvPr id="5" name="내용 개체 틀 4">
             <a:extLst>
               <a:ext uri="{FF2B5EF4-FFF2-40B4-BE49-F238E27FC236}">
-                <a16:creationId xmlns:a16="http://schemas.microsoft.com/office/drawing/2014/main" id="{35F3E219-4EBB-8DE8-0966-E4317399395E}"/>
+                <a16:creationId xmlns:a16="http://schemas.microsoft.com/office/drawing/2014/main" id="{6D3490B6-A585-8D75-97C0-BEA19DD36AF7}"/>
               </a:ext>
             </a:extLst>
           </p:cNvPr>
-          <p:cNvSpPr/>
-          <p:nvPr/>
-        </p:nvSpPr>
-        <p:spPr>
-          <a:xfrm>
-            <a:off x="7811013" y="528014"/>
-            <a:ext cx="952500" cy="298200"/>
-          </a:xfrm>
-          <a:prstGeom prst="rect">
-            <a:avLst/>
-          </a:prstGeom>
-          <a:noFill/>
-          <a:ln>
-            <a:noFill/>
-          </a:ln>
-        </p:spPr>
-        <p:txBody>
-          <a:bodyPr spcFirstLastPara="1" wrap="square" lIns="19050" tIns="19050" rIns="19050" bIns="19050" anchor="t" anchorCtr="0">
-            <a:noAutofit/>
-          </a:bodyPr>
-          <a:lstStyle/>
-          <a:p>
-            <a:pPr marL="63500" marR="0" lvl="1" indent="0" algn="l" rtl="0">
-              <a:lnSpc>
-                <a:spcPct val="90000"/>
-              </a:lnSpc>
-              <a:spcBef>
-                <a:spcPts val="0"/>
-              </a:spcBef>
-              <a:spcAft>
-                <a:spcPts val="0"/>
-              </a:spcAft>
-              <a:buNone/>
-            </a:pPr>
-            <a:r>
-              <a:rPr lang="en-US" altLang="ko" sz="1200" b="1" i="0" u="none" strike="noStrike" cap="none" dirty="0">
-                <a:solidFill>
-                  <a:schemeClr val="bg1"/>
-                </a:solidFill>
-                <a:latin typeface="Arial"/>
-                <a:ea typeface="Arial"/>
-                <a:cs typeface="Arial"/>
-                <a:sym typeface="Arial"/>
-              </a:rPr>
-              <a:t>2</a:t>
-            </a:r>
-            <a:r>
-              <a:rPr lang="ko" sz="1200" b="1" i="0" u="none" strike="noStrike" cap="none" dirty="0">
-                <a:solidFill>
-                  <a:schemeClr val="bg1"/>
-                </a:solidFill>
-                <a:latin typeface="Arial"/>
-                <a:ea typeface="Arial"/>
-                <a:cs typeface="Arial"/>
-                <a:sym typeface="Arial"/>
-              </a:rPr>
-              <a:t>.</a:t>
-            </a:r>
-            <a:endParaRPr sz="500" dirty="0">
-              <a:solidFill>
-                <a:schemeClr val="bg1"/>
-              </a:solidFill>
-            </a:endParaRPr>
-          </a:p>
-        </p:txBody>
-      </p:sp>
-      <p:sp>
-        <p:nvSpPr>
-          <p:cNvPr id="8" name="Google Shape;210;p30">
-            <a:extLst>
-              <a:ext uri="{FF2B5EF4-FFF2-40B4-BE49-F238E27FC236}">
-                <a16:creationId xmlns:a16="http://schemas.microsoft.com/office/drawing/2014/main" id="{8CB63A74-B5C7-DCAA-53F5-96E44004D694}"/>
-              </a:ext>
-            </a:extLst>
-          </p:cNvPr>
-          <p:cNvSpPr/>
-          <p:nvPr/>
-        </p:nvSpPr>
-        <p:spPr>
-          <a:xfrm>
-            <a:off x="7811013" y="825047"/>
-            <a:ext cx="952500" cy="293400"/>
-          </a:xfrm>
-          <a:prstGeom prst="rect">
-            <a:avLst/>
-          </a:prstGeom>
-          <a:noFill/>
-          <a:ln>
-            <a:noFill/>
-          </a:ln>
-        </p:spPr>
-        <p:txBody>
-          <a:bodyPr spcFirstLastPara="1" wrap="square" lIns="19050" tIns="19050" rIns="19050" bIns="19050" anchor="t" anchorCtr="0">
-            <a:noAutofit/>
-          </a:bodyPr>
-          <a:lstStyle/>
-          <a:p>
-            <a:pPr marL="63500" marR="0" lvl="1" indent="0" algn="l" rtl="0">
-              <a:spcBef>
-                <a:spcPts val="200"/>
-              </a:spcBef>
-              <a:spcAft>
-                <a:spcPts val="0"/>
-              </a:spcAft>
-              <a:buClr>
-                <a:srgbClr val="000000"/>
-              </a:buClr>
-              <a:buFont typeface="Arial"/>
-              <a:buNone/>
-            </a:pPr>
-            <a:r>
-              <a:rPr lang="en-US" altLang="ko-KR" sz="800" dirty="0">
-                <a:solidFill>
-                  <a:schemeClr val="bg1"/>
-                </a:solidFill>
-              </a:rPr>
+          <p:cNvSpPr>
+            <a:spLocks noGrp="1"/>
+          </p:cNvSpPr>
+          <p:nvPr>
+            <p:ph idx="11"/>
+          </p:nvPr>
+        </p:nvSpPr>
+        <p:spPr/>
+        <p:txBody>
+          <a:bodyPr/>
+          <a:lstStyle/>
+          <a:p>
+            <a:r>
+              <a:rPr lang="en-US" altLang="ko-KR" dirty="0"/>
               <a:t>Spring MVC / </a:t>
             </a:r>
             <a:r>
-              <a:rPr lang="en-US" altLang="ko-KR" sz="800" dirty="0" err="1">
-                <a:solidFill>
-                  <a:schemeClr val="bg1"/>
-                </a:solidFill>
-              </a:rPr>
+              <a:rPr lang="en-US" altLang="ko-KR" dirty="0" err="1"/>
               <a:t>Webflux</a:t>
             </a:r>
             <a:r>
-              <a:rPr lang="en-US" altLang="ko-KR" sz="800" dirty="0">
-                <a:solidFill>
-                  <a:schemeClr val="bg1"/>
-                </a:solidFill>
-              </a:rPr>
+              <a:rPr lang="en-US" altLang="ko-KR" dirty="0"/>
               <a:t> </a:t>
             </a:r>
             <a:r>
-              <a:rPr lang="ko-KR" altLang="en-US" sz="800" dirty="0">
-                <a:solidFill>
-                  <a:schemeClr val="bg1"/>
-                </a:solidFill>
-              </a:rPr>
+              <a:rPr lang="ko-KR" altLang="en-US" dirty="0"/>
               <a:t>성능 비교 </a:t>
             </a:r>
             <a:r>
-              <a:rPr lang="en-US" altLang="ko-KR" sz="800" dirty="0">
-                <a:solidFill>
-                  <a:schemeClr val="bg1"/>
-                </a:solidFill>
-              </a:rPr>
+              <a:rPr lang="en-US" altLang="ko-KR" dirty="0"/>
               <a:t>#1</a:t>
             </a:r>
-            <a:endParaRPr lang="ko-KR" altLang="en-US" sz="800" dirty="0">
-              <a:solidFill>
-                <a:schemeClr val="bg1"/>
-              </a:solidFill>
-            </a:endParaRPr>
+            <a:endParaRPr lang="ko-KR" altLang="en-US" dirty="0"/>
           </a:p>
         </p:txBody>
       </p:sp>
@@ -12227,7 +12366,7 @@
         </p:blipFill>
         <p:spPr>
           <a:xfrm>
-            <a:off x="992042" y="1118447"/>
+            <a:off x="992042" y="823979"/>
             <a:ext cx="6455579" cy="4025053"/>
           </a:xfrm>
           <a:prstGeom prst="rect">
@@ -12235,6 +12374,35 @@
           </a:prstGeom>
         </p:spPr>
       </p:pic>
+      <p:sp>
+        <p:nvSpPr>
+          <p:cNvPr id="6" name="바닥글 개체 틀 5">
+            <a:extLst>
+              <a:ext uri="{FF2B5EF4-FFF2-40B4-BE49-F238E27FC236}">
+                <a16:creationId xmlns:a16="http://schemas.microsoft.com/office/drawing/2014/main" id="{38E0060A-0C24-3E27-3DEF-F247736EC9E4}"/>
+              </a:ext>
+            </a:extLst>
+          </p:cNvPr>
+          <p:cNvSpPr>
+            <a:spLocks noGrp="1"/>
+          </p:cNvSpPr>
+          <p:nvPr>
+            <p:ph type="ftr" sz="quarter" idx="3"/>
+          </p:nvPr>
+        </p:nvSpPr>
+        <p:spPr/>
+        <p:txBody>
+          <a:bodyPr/>
+          <a:lstStyle/>
+          <a:p>
+            <a:r>
+              <a:rPr lang="ko-KR" altLang="en-US"/>
+              <a:t>성능 테스트</a:t>
+            </a:r>
+            <a:endParaRPr lang="ko-KR" altLang="en-US" dirty="0"/>
+          </a:p>
+        </p:txBody>
+      </p:sp>
     </p:spTree>
     <p:extLst>
       <p:ext uri="{BB962C8B-B14F-4D97-AF65-F5344CB8AC3E}">
@@ -12249,7 +12417,7 @@
 </file>
 
 <file path=ppt/theme/theme1.xml><?xml version="1.0" encoding="utf-8"?>
-<a:theme xmlns:a="http://schemas.openxmlformats.org/drawingml/2006/main" name="Office 테마">
+<a:theme xmlns:a="http://schemas.openxmlformats.org/drawingml/2006/main" name="1_Office 테마">
   <a:themeElements>
     <a:clrScheme name="Office 테마">
       <a:dk1>
